--- a/Day2/day_2.pptx
+++ b/Day2/day_2.pptx
@@ -19,81 +19,80 @@
     <p:sldId id="264" r:id="rId16"/>
     <p:sldId id="265" r:id="rId17"/>
     <p:sldId id="266" r:id="rId18"/>
-    <p:sldId id="267" r:id="rId19"/>
   </p:sldIdLst>
   <p:sldSz cx="9144000" cy="6858000"/>
   <p:notesSz cx="6858000" cy="9144000"/>
   <p:defaultTextStyle>
     <a:lvl1pPr>
       <a:defRPr>
-        <a:latin typeface="+mn-lt"/>
-        <a:ea typeface="+mn-ea"/>
-        <a:cs typeface="+mn-cs"/>
-        <a:sym typeface="Times Roman"/>
+        <a:latin typeface="Times"/>
+        <a:ea typeface="Times"/>
+        <a:cs typeface="Times"/>
+        <a:sym typeface="Times"/>
       </a:defRPr>
     </a:lvl1pPr>
-    <a:lvl2pPr indent="457200">
+    <a:lvl2pPr>
       <a:defRPr>
-        <a:latin typeface="+mn-lt"/>
-        <a:ea typeface="+mn-ea"/>
-        <a:cs typeface="+mn-cs"/>
-        <a:sym typeface="Times Roman"/>
+        <a:latin typeface="Times"/>
+        <a:ea typeface="Times"/>
+        <a:cs typeface="Times"/>
+        <a:sym typeface="Times"/>
       </a:defRPr>
     </a:lvl2pPr>
-    <a:lvl3pPr indent="914400">
+    <a:lvl3pPr>
       <a:defRPr>
-        <a:latin typeface="+mn-lt"/>
-        <a:ea typeface="+mn-ea"/>
-        <a:cs typeface="+mn-cs"/>
-        <a:sym typeface="Times Roman"/>
+        <a:latin typeface="Times"/>
+        <a:ea typeface="Times"/>
+        <a:cs typeface="Times"/>
+        <a:sym typeface="Times"/>
       </a:defRPr>
     </a:lvl3pPr>
-    <a:lvl4pPr indent="1371600">
+    <a:lvl4pPr>
       <a:defRPr>
-        <a:latin typeface="+mn-lt"/>
-        <a:ea typeface="+mn-ea"/>
-        <a:cs typeface="+mn-cs"/>
-        <a:sym typeface="Times Roman"/>
+        <a:latin typeface="Times"/>
+        <a:ea typeface="Times"/>
+        <a:cs typeface="Times"/>
+        <a:sym typeface="Times"/>
       </a:defRPr>
     </a:lvl4pPr>
-    <a:lvl5pPr indent="1828800">
+    <a:lvl5pPr>
       <a:defRPr>
-        <a:latin typeface="+mn-lt"/>
-        <a:ea typeface="+mn-ea"/>
-        <a:cs typeface="+mn-cs"/>
-        <a:sym typeface="Times Roman"/>
+        <a:latin typeface="Times"/>
+        <a:ea typeface="Times"/>
+        <a:cs typeface="Times"/>
+        <a:sym typeface="Times"/>
       </a:defRPr>
     </a:lvl5pPr>
-    <a:lvl6pPr indent="2286000">
+    <a:lvl6pPr>
       <a:defRPr>
-        <a:latin typeface="+mn-lt"/>
-        <a:ea typeface="+mn-ea"/>
-        <a:cs typeface="+mn-cs"/>
-        <a:sym typeface="Times Roman"/>
+        <a:latin typeface="Times"/>
+        <a:ea typeface="Times"/>
+        <a:cs typeface="Times"/>
+        <a:sym typeface="Times"/>
       </a:defRPr>
     </a:lvl6pPr>
-    <a:lvl7pPr indent="2743200">
+    <a:lvl7pPr>
       <a:defRPr>
-        <a:latin typeface="+mn-lt"/>
-        <a:ea typeface="+mn-ea"/>
-        <a:cs typeface="+mn-cs"/>
-        <a:sym typeface="Times Roman"/>
+        <a:latin typeface="Times"/>
+        <a:ea typeface="Times"/>
+        <a:cs typeface="Times"/>
+        <a:sym typeface="Times"/>
       </a:defRPr>
     </a:lvl7pPr>
-    <a:lvl8pPr indent="3200400">
+    <a:lvl8pPr>
       <a:defRPr>
-        <a:latin typeface="+mn-lt"/>
-        <a:ea typeface="+mn-ea"/>
-        <a:cs typeface="+mn-cs"/>
-        <a:sym typeface="Times Roman"/>
+        <a:latin typeface="Times"/>
+        <a:ea typeface="Times"/>
+        <a:cs typeface="Times"/>
+        <a:sym typeface="Times"/>
       </a:defRPr>
     </a:lvl8pPr>
-    <a:lvl9pPr indent="3657600">
+    <a:lvl9pPr>
       <a:defRPr>
-        <a:latin typeface="+mn-lt"/>
-        <a:ea typeface="+mn-ea"/>
-        <a:cs typeface="+mn-cs"/>
-        <a:sym typeface="Times Roman"/>
+        <a:latin typeface="Times"/>
+        <a:ea typeface="Times"/>
+        <a:cs typeface="Times"/>
+        <a:sym typeface="Times"/>
       </a:defRPr>
     </a:lvl9pPr>
   </p:defaultTextStyle>
@@ -176,75 +175,102 @@
   <p:clrMap bg1="lt1" tx1="dk1" bg2="lt2" tx2="dk2" accent1="accent1" accent2="accent2" accent3="accent3" accent4="accent4" accent5="accent5" accent6="accent6" hlink="hlink" folHlink="folHlink"/>
   <p:notesStyle>
     <a:lvl1pPr defTabSz="457200">
-      <a:defRPr sz="1600">
-        <a:latin typeface="Georgia"/>
-        <a:ea typeface="Georgia"/>
-        <a:cs typeface="Georgia"/>
-        <a:sym typeface="Georgia"/>
+      <a:lnSpc>
+        <a:spcPct val="117999"/>
+      </a:lnSpc>
+      <a:defRPr sz="2200">
+        <a:latin typeface="+mj-lt"/>
+        <a:ea typeface="+mj-ea"/>
+        <a:cs typeface="+mj-cs"/>
+        <a:sym typeface="Helvetica Neue"/>
       </a:defRPr>
     </a:lvl1pPr>
     <a:lvl2pPr indent="228600" defTabSz="457200">
-      <a:defRPr sz="1600">
-        <a:latin typeface="Georgia"/>
-        <a:ea typeface="Georgia"/>
-        <a:cs typeface="Georgia"/>
-        <a:sym typeface="Georgia"/>
+      <a:lnSpc>
+        <a:spcPct val="117999"/>
+      </a:lnSpc>
+      <a:defRPr sz="2200">
+        <a:latin typeface="+mj-lt"/>
+        <a:ea typeface="+mj-ea"/>
+        <a:cs typeface="+mj-cs"/>
+        <a:sym typeface="Helvetica Neue"/>
       </a:defRPr>
     </a:lvl2pPr>
     <a:lvl3pPr indent="457200" defTabSz="457200">
-      <a:defRPr sz="1600">
-        <a:latin typeface="Georgia"/>
-        <a:ea typeface="Georgia"/>
-        <a:cs typeface="Georgia"/>
-        <a:sym typeface="Georgia"/>
+      <a:lnSpc>
+        <a:spcPct val="117999"/>
+      </a:lnSpc>
+      <a:defRPr sz="2200">
+        <a:latin typeface="+mj-lt"/>
+        <a:ea typeface="+mj-ea"/>
+        <a:cs typeface="+mj-cs"/>
+        <a:sym typeface="Helvetica Neue"/>
       </a:defRPr>
     </a:lvl3pPr>
     <a:lvl4pPr indent="685800" defTabSz="457200">
-      <a:defRPr sz="1600">
-        <a:latin typeface="Georgia"/>
-        <a:ea typeface="Georgia"/>
-        <a:cs typeface="Georgia"/>
-        <a:sym typeface="Georgia"/>
+      <a:lnSpc>
+        <a:spcPct val="117999"/>
+      </a:lnSpc>
+      <a:defRPr sz="2200">
+        <a:latin typeface="+mj-lt"/>
+        <a:ea typeface="+mj-ea"/>
+        <a:cs typeface="+mj-cs"/>
+        <a:sym typeface="Helvetica Neue"/>
       </a:defRPr>
     </a:lvl4pPr>
     <a:lvl5pPr indent="914400" defTabSz="457200">
-      <a:defRPr sz="1600">
-        <a:latin typeface="Georgia"/>
-        <a:ea typeface="Georgia"/>
-        <a:cs typeface="Georgia"/>
-        <a:sym typeface="Georgia"/>
+      <a:lnSpc>
+        <a:spcPct val="117999"/>
+      </a:lnSpc>
+      <a:defRPr sz="2200">
+        <a:latin typeface="+mj-lt"/>
+        <a:ea typeface="+mj-ea"/>
+        <a:cs typeface="+mj-cs"/>
+        <a:sym typeface="Helvetica Neue"/>
       </a:defRPr>
     </a:lvl5pPr>
     <a:lvl6pPr indent="1143000" defTabSz="457200">
-      <a:defRPr sz="1600">
-        <a:latin typeface="Georgia"/>
-        <a:ea typeface="Georgia"/>
-        <a:cs typeface="Georgia"/>
-        <a:sym typeface="Georgia"/>
+      <a:lnSpc>
+        <a:spcPct val="117999"/>
+      </a:lnSpc>
+      <a:defRPr sz="2200">
+        <a:latin typeface="+mj-lt"/>
+        <a:ea typeface="+mj-ea"/>
+        <a:cs typeface="+mj-cs"/>
+        <a:sym typeface="Helvetica Neue"/>
       </a:defRPr>
     </a:lvl6pPr>
     <a:lvl7pPr indent="1371600" defTabSz="457200">
-      <a:defRPr sz="1600">
-        <a:latin typeface="Georgia"/>
-        <a:ea typeface="Georgia"/>
-        <a:cs typeface="Georgia"/>
-        <a:sym typeface="Georgia"/>
+      <a:lnSpc>
+        <a:spcPct val="117999"/>
+      </a:lnSpc>
+      <a:defRPr sz="2200">
+        <a:latin typeface="+mj-lt"/>
+        <a:ea typeface="+mj-ea"/>
+        <a:cs typeface="+mj-cs"/>
+        <a:sym typeface="Helvetica Neue"/>
       </a:defRPr>
     </a:lvl7pPr>
     <a:lvl8pPr indent="1600200" defTabSz="457200">
-      <a:defRPr sz="1600">
-        <a:latin typeface="Georgia"/>
-        <a:ea typeface="Georgia"/>
-        <a:cs typeface="Georgia"/>
-        <a:sym typeface="Georgia"/>
+      <a:lnSpc>
+        <a:spcPct val="117999"/>
+      </a:lnSpc>
+      <a:defRPr sz="2200">
+        <a:latin typeface="+mj-lt"/>
+        <a:ea typeface="+mj-ea"/>
+        <a:cs typeface="+mj-cs"/>
+        <a:sym typeface="Helvetica Neue"/>
       </a:defRPr>
     </a:lvl8pPr>
     <a:lvl9pPr indent="1828800" defTabSz="457200">
-      <a:defRPr sz="1600">
-        <a:latin typeface="Georgia"/>
-        <a:ea typeface="Georgia"/>
-        <a:cs typeface="Georgia"/>
-        <a:sym typeface="Georgia"/>
+      <a:lnSpc>
+        <a:spcPct val="117999"/>
+      </a:lnSpc>
+      <a:defRPr sz="2200">
+        <a:latin typeface="+mj-lt"/>
+        <a:ea typeface="+mj-ea"/>
+        <a:cs typeface="+mj-cs"/>
+        <a:sym typeface="Helvetica Neue"/>
       </a:defRPr>
     </a:lvl9pPr>
   </p:notesStyle>
@@ -270,7 +296,7 @@
       </p:grpSpPr>
       <p:sp>
         <p:nvSpPr>
-          <p:cNvPr id="106" name="Shape 106"/>
+          <p:cNvPr id="109" name="Shape 109"/>
           <p:cNvSpPr/>
           <p:nvPr>
             <p:ph type="sldImg"/>
@@ -291,7 +317,7 @@
       </p:sp>
       <p:sp>
         <p:nvSpPr>
-          <p:cNvPr id="107" name="Shape 107"/>
+          <p:cNvPr id="110" name="Shape 110"/>
           <p:cNvSpPr/>
           <p:nvPr>
             <p:ph type="body" sz="quarter" idx="1"/>
@@ -307,12 +333,54 @@
           <a:lstStyle/>
           <a:p>
             <a:pPr lvl="0">
-              <a:defRPr sz="1800"/>
-            </a:pPr>
-            <a:r>
-              <a:rPr sz="1600"/>
-              <a:t>I hope you all have run Kranti app on your machine. If not then lets do that quickly.</a:t>
-            </a:r>
+              <a:lnSpc>
+                <a:spcPct val="100000"/>
+              </a:lnSpc>
+              <a:defRPr sz="1800"/>
+            </a:pPr>
+            <a:r>
+              <a:rPr sz="1200">
+                <a:latin typeface="Trebuchet MS"/>
+                <a:ea typeface="Trebuchet MS"/>
+                <a:cs typeface="Trebuchet MS"/>
+                <a:sym typeface="Trebuchet MS"/>
+              </a:rPr>
+              <a:t>In our last lesson, we talked about the android project structure and activity. We showed you how one activity can programmatically start another activity by first creating an intent object and how an activity can get result from another activity through intent.</a:t>
+            </a:r>
+            <a:endParaRPr sz="1200">
+              <a:latin typeface="Trebuchet MS"/>
+              <a:ea typeface="Trebuchet MS"/>
+              <a:cs typeface="Trebuchet MS"/>
+              <a:sym typeface="Trebuchet MS"/>
+            </a:endParaRPr>
+          </a:p>
+          <a:p>
+            <a:pPr lvl="0">
+              <a:lnSpc>
+                <a:spcPct val="100000"/>
+              </a:lnSpc>
+              <a:defRPr sz="1800"/>
+            </a:pPr>
+            <a:endParaRPr sz="1200">
+              <a:latin typeface="Trebuchet MS"/>
+              <a:ea typeface="Trebuchet MS"/>
+              <a:cs typeface="Trebuchet MS"/>
+              <a:sym typeface="Trebuchet MS"/>
+            </a:endParaRPr>
+          </a:p>
+          <a:p>
+            <a:pPr lvl="0">
+              <a:lnSpc>
+                <a:spcPct val="100000"/>
+              </a:lnSpc>
+              <a:defRPr sz="1800"/>
+            </a:pPr>
+            <a:endParaRPr sz="1200">
+              <a:latin typeface="Trebuchet MS"/>
+              <a:ea typeface="Trebuchet MS"/>
+              <a:cs typeface="Trebuchet MS"/>
+              <a:sym typeface="Trebuchet MS"/>
+            </a:endParaRPr>
           </a:p>
         </p:txBody>
       </p:sp>
@@ -343,7 +411,7 @@
       </p:grpSpPr>
       <p:sp>
         <p:nvSpPr>
-          <p:cNvPr id="111" name="Shape 111"/>
+          <p:cNvPr id="114" name="Shape 114"/>
           <p:cNvSpPr/>
           <p:nvPr>
             <p:ph type="sldImg"/>
@@ -364,7 +432,7 @@
       </p:sp>
       <p:sp>
         <p:nvSpPr>
-          <p:cNvPr id="112" name="Shape 112"/>
+          <p:cNvPr id="115" name="Shape 115"/>
           <p:cNvSpPr/>
           <p:nvPr>
             <p:ph type="body" sz="quarter" idx="1"/>
@@ -377,59 +445,27 @@
         </p:spPr>
         <p:txBody>
           <a:bodyPr/>
-          <a:lstStyle/>
-          <a:p>
-            <a:pPr lvl="0">
-              <a:defRPr sz="1800"/>
-            </a:pPr>
-            <a:r>
-              <a:rPr sz="1200">
-                <a:latin typeface="Trebuchet MS"/>
-                <a:ea typeface="Trebuchet MS"/>
-                <a:cs typeface="Trebuchet MS"/>
-                <a:sym typeface="Trebuchet MS"/>
-              </a:rPr>
-              <a:t>In our last lesson, we talked about the android project structure and activity. We showed you how one activity can programmatically start another activity by first creating an intent object and how an activity can get result from another activity through intent.</a:t>
-            </a:r>
-            <a:endParaRPr sz="1200">
-              <a:latin typeface="Trebuchet MS"/>
-              <a:ea typeface="Trebuchet MS"/>
-              <a:cs typeface="Trebuchet MS"/>
-              <a:sym typeface="Trebuchet MS"/>
-            </a:endParaRPr>
-          </a:p>
-          <a:p>
-            <a:pPr lvl="0">
-              <a:defRPr sz="1800"/>
-            </a:pPr>
-            <a:endParaRPr sz="1200">
-              <a:latin typeface="Trebuchet MS"/>
-              <a:ea typeface="Trebuchet MS"/>
-              <a:cs typeface="Trebuchet MS"/>
-              <a:sym typeface="Trebuchet MS"/>
-            </a:endParaRPr>
-          </a:p>
-          <a:p>
-            <a:pPr lvl="0">
-              <a:defRPr sz="1800"/>
-            </a:pPr>
-            <a:endParaRPr sz="1200">
-              <a:latin typeface="Trebuchet MS"/>
-              <a:ea typeface="Trebuchet MS"/>
-              <a:cs typeface="Trebuchet MS"/>
-              <a:sym typeface="Trebuchet MS"/>
-            </a:endParaRPr>
-          </a:p>
-          <a:p>
-            <a:pPr lvl="0">
-              <a:defRPr sz="1800"/>
-            </a:pPr>
-            <a:endParaRPr sz="1200">
-              <a:latin typeface="Trebuchet MS"/>
-              <a:ea typeface="Trebuchet MS"/>
-              <a:cs typeface="Trebuchet MS"/>
-              <a:sym typeface="Trebuchet MS"/>
-            </a:endParaRPr>
+          <a:lstStyle>
+            <a:lvl1pPr>
+              <a:lnSpc>
+                <a:spcPct val="100000"/>
+              </a:lnSpc>
+              <a:defRPr sz="1600">
+                <a:latin typeface="Georgia"/>
+                <a:ea typeface="Georgia"/>
+                <a:cs typeface="Georgia"/>
+                <a:sym typeface="Georgia"/>
+              </a:defRPr>
+            </a:lvl1pPr>
+          </a:lstStyle>
+          <a:p>
+            <a:pPr lvl="0">
+              <a:defRPr sz="1800"/>
+            </a:pPr>
+            <a:r>
+              <a:rPr sz="1600"/>
+              <a:t>In this session, we are going to cover Intent types and Database.</a:t>
+            </a:r>
           </a:p>
         </p:txBody>
       </p:sp>
@@ -460,7 +496,7 @@
       </p:grpSpPr>
       <p:sp>
         <p:nvSpPr>
-          <p:cNvPr id="116" name="Shape 116"/>
+          <p:cNvPr id="119" name="Shape 119"/>
           <p:cNvSpPr/>
           <p:nvPr>
             <p:ph type="sldImg"/>
@@ -481,7 +517,7 @@
       </p:sp>
       <p:sp>
         <p:nvSpPr>
-          <p:cNvPr id="117" name="Shape 117"/>
+          <p:cNvPr id="120" name="Shape 120"/>
           <p:cNvSpPr/>
           <p:nvPr>
             <p:ph type="body" sz="quarter" idx="1"/>
@@ -497,12 +533,211 @@
           <a:lstStyle/>
           <a:p>
             <a:pPr lvl="0">
-              <a:defRPr sz="1800"/>
-            </a:pPr>
-            <a:r>
-              <a:rPr sz="1600"/>
-              <a:t>In this session, we are going to cover Intent types and Database.</a:t>
-            </a:r>
+              <a:lnSpc>
+                <a:spcPct val="100000"/>
+              </a:lnSpc>
+              <a:defRPr sz="1800"/>
+            </a:pPr>
+            <a:r>
+              <a:rPr sz="1200">
+                <a:latin typeface="Trebuchet MS"/>
+                <a:ea typeface="Trebuchet MS"/>
+                <a:cs typeface="Trebuchet MS"/>
+                <a:sym typeface="Trebuchet MS"/>
+              </a:rPr>
+              <a:t>Before starting Intent types. Can anyone tell me what is an Intent?</a:t>
+            </a:r>
+            <a:endParaRPr sz="1200">
+              <a:latin typeface="Trebuchet MS"/>
+              <a:ea typeface="Trebuchet MS"/>
+              <a:cs typeface="Trebuchet MS"/>
+              <a:sym typeface="Trebuchet MS"/>
+            </a:endParaRPr>
+          </a:p>
+          <a:p>
+            <a:pPr lvl="0">
+              <a:lnSpc>
+                <a:spcPct val="100000"/>
+              </a:lnSpc>
+              <a:defRPr sz="1800"/>
+            </a:pPr>
+            <a:endParaRPr sz="1200">
+              <a:latin typeface="Trebuchet MS"/>
+              <a:ea typeface="Trebuchet MS"/>
+              <a:cs typeface="Trebuchet MS"/>
+              <a:sym typeface="Trebuchet MS"/>
+            </a:endParaRPr>
+          </a:p>
+          <a:p>
+            <a:pPr lvl="0">
+              <a:lnSpc>
+                <a:spcPct val="100000"/>
+              </a:lnSpc>
+              <a:defRPr sz="1800"/>
+            </a:pPr>
+            <a:r>
+              <a:rPr sz="1200">
+                <a:latin typeface="Trebuchet MS"/>
+                <a:ea typeface="Trebuchet MS"/>
+                <a:cs typeface="Trebuchet MS"/>
+                <a:sym typeface="Trebuchet MS"/>
+              </a:rPr>
+              <a:t>An Intent is a messaging object to request for an operation to be performed. Yesterday you saw one activity starting another activity with explicit intent. </a:t>
+            </a:r>
+            <a:endParaRPr sz="1200">
+              <a:latin typeface="Trebuchet MS"/>
+              <a:ea typeface="Trebuchet MS"/>
+              <a:cs typeface="Trebuchet MS"/>
+              <a:sym typeface="Trebuchet MS"/>
+            </a:endParaRPr>
+          </a:p>
+          <a:p>
+            <a:pPr lvl="0">
+              <a:lnSpc>
+                <a:spcPct val="100000"/>
+              </a:lnSpc>
+              <a:defRPr sz="1800"/>
+            </a:pPr>
+            <a:r>
+              <a:rPr sz="1200">
+                <a:latin typeface="Trebuchet MS"/>
+                <a:ea typeface="Trebuchet MS"/>
+                <a:cs typeface="Trebuchet MS"/>
+                <a:sym typeface="Trebuchet MS"/>
+              </a:rPr>
+              <a:t>Do you guys remember how we constructed explicit Intent yesterday?</a:t>
+            </a:r>
+            <a:endParaRPr sz="1200">
+              <a:latin typeface="Trebuchet MS"/>
+              <a:ea typeface="Trebuchet MS"/>
+              <a:cs typeface="Trebuchet MS"/>
+              <a:sym typeface="Trebuchet MS"/>
+            </a:endParaRPr>
+          </a:p>
+          <a:p>
+            <a:pPr lvl="0">
+              <a:lnSpc>
+                <a:spcPct val="100000"/>
+              </a:lnSpc>
+              <a:defRPr sz="1800"/>
+            </a:pPr>
+            <a:r>
+              <a:rPr sz="1200">
+                <a:latin typeface="Trebuchet MS"/>
+                <a:ea typeface="Trebuchet MS"/>
+                <a:cs typeface="Trebuchet MS"/>
+                <a:sym typeface="Trebuchet MS"/>
+              </a:rPr>
+              <a:t>Yes, We created it by just specifying another activity’s name.</a:t>
+            </a:r>
+            <a:endParaRPr sz="1200">
+              <a:latin typeface="Trebuchet MS"/>
+              <a:ea typeface="Trebuchet MS"/>
+              <a:cs typeface="Trebuchet MS"/>
+              <a:sym typeface="Trebuchet MS"/>
+            </a:endParaRPr>
+          </a:p>
+          <a:p>
+            <a:pPr lvl="0">
+              <a:lnSpc>
+                <a:spcPct val="100000"/>
+              </a:lnSpc>
+              <a:defRPr sz="1800"/>
+            </a:pPr>
+            <a:endParaRPr sz="1200">
+              <a:latin typeface="Trebuchet MS"/>
+              <a:ea typeface="Trebuchet MS"/>
+              <a:cs typeface="Trebuchet MS"/>
+              <a:sym typeface="Trebuchet MS"/>
+            </a:endParaRPr>
+          </a:p>
+          <a:p>
+            <a:pPr lvl="0">
+              <a:lnSpc>
+                <a:spcPct val="100000"/>
+              </a:lnSpc>
+              <a:defRPr sz="1800"/>
+            </a:pPr>
+            <a:r>
+              <a:rPr sz="1200">
+                <a:latin typeface="Trebuchet MS"/>
+                <a:ea typeface="Trebuchet MS"/>
+                <a:cs typeface="Trebuchet MS"/>
+                <a:sym typeface="Trebuchet MS"/>
+              </a:rPr>
+              <a:t>So explicit intent specifies the component to start by name. you can specify fully qualified class name as component name so generally explicit intent is used to start a component of your application because you know the class name.</a:t>
+            </a:r>
+            <a:endParaRPr sz="1200">
+              <a:latin typeface="Trebuchet MS"/>
+              <a:ea typeface="Trebuchet MS"/>
+              <a:cs typeface="Trebuchet MS"/>
+              <a:sym typeface="Trebuchet MS"/>
+            </a:endParaRPr>
+          </a:p>
+          <a:p>
+            <a:pPr lvl="0">
+              <a:lnSpc>
+                <a:spcPct val="100000"/>
+              </a:lnSpc>
+              <a:defRPr sz="1800"/>
+            </a:pPr>
+            <a:endParaRPr sz="1200">
+              <a:latin typeface="Trebuchet MS"/>
+              <a:ea typeface="Trebuchet MS"/>
+              <a:cs typeface="Trebuchet MS"/>
+              <a:sym typeface="Trebuchet MS"/>
+            </a:endParaRPr>
+          </a:p>
+          <a:p>
+            <a:pPr lvl="0">
+              <a:lnSpc>
+                <a:spcPct val="100000"/>
+              </a:lnSpc>
+              <a:defRPr sz="1800"/>
+            </a:pPr>
+            <a:r>
+              <a:rPr sz="1200">
+                <a:latin typeface="Trebuchet MS"/>
+                <a:ea typeface="Trebuchet MS"/>
+                <a:cs typeface="Trebuchet MS"/>
+                <a:sym typeface="Trebuchet MS"/>
+              </a:rPr>
+              <a:t>Now lets talk about implicit intent. Instead of specific component name, Implicit intent specifies general action to be performed. which allows a component from other application to handle it. For example, from your application if you want to show images from gallery the you use implicit intent to start a component of gallery application.</a:t>
+            </a:r>
+            <a:endParaRPr sz="1200">
+              <a:latin typeface="Trebuchet MS"/>
+              <a:ea typeface="Trebuchet MS"/>
+              <a:cs typeface="Trebuchet MS"/>
+              <a:sym typeface="Trebuchet MS"/>
+            </a:endParaRPr>
+          </a:p>
+          <a:p>
+            <a:pPr lvl="0">
+              <a:lnSpc>
+                <a:spcPct val="100000"/>
+              </a:lnSpc>
+              <a:defRPr sz="1800"/>
+            </a:pPr>
+            <a:endParaRPr sz="1200">
+              <a:latin typeface="Trebuchet MS"/>
+              <a:ea typeface="Trebuchet MS"/>
+              <a:cs typeface="Trebuchet MS"/>
+              <a:sym typeface="Trebuchet MS"/>
+            </a:endParaRPr>
+          </a:p>
+          <a:p>
+            <a:pPr lvl="0">
+              <a:lnSpc>
+                <a:spcPct val="100000"/>
+              </a:lnSpc>
+              <a:defRPr sz="1800"/>
+            </a:pPr>
+            <a:endParaRPr sz="1200">
+              <a:latin typeface="Trebuchet MS"/>
+              <a:ea typeface="Trebuchet MS"/>
+              <a:cs typeface="Trebuchet MS"/>
+              <a:sym typeface="Trebuchet MS"/>
+            </a:endParaRPr>
           </a:p>
         </p:txBody>
       </p:sp>
@@ -533,7 +768,7 @@
       </p:grpSpPr>
       <p:sp>
         <p:nvSpPr>
-          <p:cNvPr id="121" name="Shape 121"/>
+          <p:cNvPr id="128" name="Shape 128"/>
           <p:cNvSpPr/>
           <p:nvPr>
             <p:ph type="sldImg"/>
@@ -554,7 +789,7 @@
       </p:sp>
       <p:sp>
         <p:nvSpPr>
-          <p:cNvPr id="122" name="Shape 122"/>
+          <p:cNvPr id="129" name="Shape 129"/>
           <p:cNvSpPr/>
           <p:nvPr>
             <p:ph type="body" sz="quarter" idx="1"/>
@@ -570,189 +805,460 @@
           <a:lstStyle/>
           <a:p>
             <a:pPr lvl="0">
-              <a:defRPr sz="1800"/>
-            </a:pPr>
-            <a:r>
-              <a:rPr sz="1200">
-                <a:latin typeface="Trebuchet MS"/>
-                <a:ea typeface="Trebuchet MS"/>
-                <a:cs typeface="Trebuchet MS"/>
-                <a:sym typeface="Trebuchet MS"/>
+              <a:lnSpc>
+                <a:spcPct val="100000"/>
+              </a:lnSpc>
+              <a:defRPr sz="1800"/>
+            </a:pPr>
+            <a:r>
+              <a:rPr sz="1600">
+                <a:latin typeface="Georgia"/>
+                <a:ea typeface="Georgia"/>
+                <a:cs typeface="Georgia"/>
+                <a:sym typeface="Georgia"/>
               </a:rPr>
-              <a:t>Before starting Intent types. Can anyone tell me what is an Intent?</a:t>
-            </a:r>
-            <a:endParaRPr sz="1200">
-              <a:latin typeface="Trebuchet MS"/>
-              <a:ea typeface="Trebuchet MS"/>
-              <a:cs typeface="Trebuchet MS"/>
-              <a:sym typeface="Trebuchet MS"/>
+              <a:t>Lets talk about how you specify a component to receive implicit intent.</a:t>
+            </a:r>
+            <a:endParaRPr sz="1600">
+              <a:latin typeface="Georgia"/>
+              <a:ea typeface="Georgia"/>
+              <a:cs typeface="Georgia"/>
+              <a:sym typeface="Georgia"/>
             </a:endParaRPr>
           </a:p>
           <a:p>
             <a:pPr lvl="0">
-              <a:defRPr sz="1800"/>
-            </a:pPr>
-            <a:endParaRPr sz="1200">
-              <a:latin typeface="Trebuchet MS"/>
-              <a:ea typeface="Trebuchet MS"/>
-              <a:cs typeface="Trebuchet MS"/>
-              <a:sym typeface="Trebuchet MS"/>
+              <a:lnSpc>
+                <a:spcPct val="100000"/>
+              </a:lnSpc>
+              <a:defRPr sz="1800"/>
+            </a:pPr>
+            <a:endParaRPr sz="1600">
+              <a:latin typeface="Georgia"/>
+              <a:ea typeface="Georgia"/>
+              <a:cs typeface="Georgia"/>
+              <a:sym typeface="Georgia"/>
             </a:endParaRPr>
           </a:p>
           <a:p>
             <a:pPr lvl="0">
-              <a:defRPr sz="1800"/>
-            </a:pPr>
-            <a:r>
-              <a:rPr sz="1200">
-                <a:latin typeface="Trebuchet MS"/>
-                <a:ea typeface="Trebuchet MS"/>
-                <a:cs typeface="Trebuchet MS"/>
-                <a:sym typeface="Trebuchet MS"/>
+              <a:lnSpc>
+                <a:spcPct val="100000"/>
+              </a:lnSpc>
+              <a:defRPr sz="1800"/>
+            </a:pPr>
+            <a:r>
+              <a:rPr sz="1600">
+                <a:latin typeface="Georgia"/>
+                <a:ea typeface="Georgia"/>
+                <a:cs typeface="Georgia"/>
+                <a:sym typeface="Georgia"/>
               </a:rPr>
-              <a:t>An Intent is a messaging object to request for an operation to be performed. Yesterday you saw one activity starting another activity with explicit intent. </a:t>
-            </a:r>
-            <a:endParaRPr sz="1200">
-              <a:latin typeface="Trebuchet MS"/>
-              <a:ea typeface="Trebuchet MS"/>
-              <a:cs typeface="Trebuchet MS"/>
-              <a:sym typeface="Trebuchet MS"/>
+              <a:t>When you start an activity with this intent, android searches a best component by comparing the intent to intent filters based on three aspects:</a:t>
+            </a:r>
+            <a:endParaRPr sz="1600">
+              <a:latin typeface="Georgia"/>
+              <a:ea typeface="Georgia"/>
+              <a:cs typeface="Georgia"/>
+              <a:sym typeface="Georgia"/>
             </a:endParaRPr>
           </a:p>
           <a:p>
             <a:pPr lvl="0">
-              <a:defRPr sz="1800"/>
-            </a:pPr>
-            <a:r>
-              <a:rPr sz="1200">
-                <a:latin typeface="Trebuchet MS"/>
-                <a:ea typeface="Trebuchet MS"/>
-                <a:cs typeface="Trebuchet MS"/>
-                <a:sym typeface="Trebuchet MS"/>
+              <a:lnSpc>
+                <a:spcPct val="100000"/>
+              </a:lnSpc>
+              <a:defRPr sz="1800"/>
+            </a:pPr>
+            <a:endParaRPr sz="1600">
+              <a:latin typeface="Georgia"/>
+              <a:ea typeface="Georgia"/>
+              <a:cs typeface="Georgia"/>
+              <a:sym typeface="Georgia"/>
+            </a:endParaRPr>
+          </a:p>
+          <a:p>
+            <a:pPr lvl="0" marL="250863" indent="-250863">
+              <a:lnSpc>
+                <a:spcPct val="100000"/>
+              </a:lnSpc>
+              <a:buSzPct val="100000"/>
+              <a:buAutoNum type="arabicPeriod" startAt="1"/>
+              <a:defRPr sz="1800"/>
+            </a:pPr>
+            <a:r>
+              <a:rPr sz="1600">
+                <a:latin typeface="Georgia"/>
+                <a:ea typeface="Georgia"/>
+                <a:cs typeface="Georgia"/>
+                <a:sym typeface="Georgia"/>
               </a:rPr>
-              <a:t>Do you guys remember how we constructed explicit Intent yesterday?</a:t>
-            </a:r>
-            <a:endParaRPr sz="1200">
-              <a:latin typeface="Trebuchet MS"/>
-              <a:ea typeface="Trebuchet MS"/>
-              <a:cs typeface="Trebuchet MS"/>
-              <a:sym typeface="Trebuchet MS"/>
+              <a:t>intent action</a:t>
+            </a:r>
+            <a:endParaRPr sz="1600">
+              <a:latin typeface="Georgia"/>
+              <a:ea typeface="Georgia"/>
+              <a:cs typeface="Georgia"/>
+              <a:sym typeface="Georgia"/>
             </a:endParaRPr>
           </a:p>
           <a:p>
-            <a:pPr lvl="0">
-              <a:defRPr sz="1800"/>
-            </a:pPr>
-            <a:r>
-              <a:rPr sz="1200">
-                <a:latin typeface="Trebuchet MS"/>
-                <a:ea typeface="Trebuchet MS"/>
-                <a:cs typeface="Trebuchet MS"/>
-                <a:sym typeface="Trebuchet MS"/>
+            <a:pPr lvl="0" marL="250863" indent="-250863">
+              <a:lnSpc>
+                <a:spcPct val="100000"/>
+              </a:lnSpc>
+              <a:buSzPct val="100000"/>
+              <a:buAutoNum type="arabicPeriod" startAt="1"/>
+              <a:defRPr sz="1800"/>
+            </a:pPr>
+            <a:r>
+              <a:rPr sz="1600">
+                <a:latin typeface="Georgia"/>
+                <a:ea typeface="Georgia"/>
+                <a:cs typeface="Georgia"/>
+                <a:sym typeface="Georgia"/>
               </a:rPr>
-              <a:t>Yes, We created it by just specifying another activity’s name.</a:t>
-            </a:r>
-            <a:endParaRPr sz="1200">
-              <a:latin typeface="Trebuchet MS"/>
-              <a:ea typeface="Trebuchet MS"/>
-              <a:cs typeface="Trebuchet MS"/>
-              <a:sym typeface="Trebuchet MS"/>
+              <a:t>intent data</a:t>
+            </a:r>
+            <a:endParaRPr sz="1600">
+              <a:latin typeface="Georgia"/>
+              <a:ea typeface="Georgia"/>
+              <a:cs typeface="Georgia"/>
+              <a:sym typeface="Georgia"/>
             </a:endParaRPr>
           </a:p>
           <a:p>
-            <a:pPr lvl="0">
-              <a:defRPr sz="1800"/>
-            </a:pPr>
-            <a:endParaRPr sz="1200">
-              <a:latin typeface="Trebuchet MS"/>
-              <a:ea typeface="Trebuchet MS"/>
-              <a:cs typeface="Trebuchet MS"/>
-              <a:sym typeface="Trebuchet MS"/>
+            <a:pPr lvl="0" marL="250863" indent="-250863">
+              <a:lnSpc>
+                <a:spcPct val="100000"/>
+              </a:lnSpc>
+              <a:buSzPct val="100000"/>
+              <a:buAutoNum type="arabicPeriod" startAt="1"/>
+              <a:defRPr sz="1800"/>
+            </a:pPr>
+            <a:r>
+              <a:rPr sz="1600">
+                <a:latin typeface="Georgia"/>
+                <a:ea typeface="Georgia"/>
+                <a:cs typeface="Georgia"/>
+                <a:sym typeface="Georgia"/>
+              </a:rPr>
+              <a:t>intent category</a:t>
+            </a:r>
+            <a:endParaRPr sz="1600">
+              <a:latin typeface="Georgia"/>
+              <a:ea typeface="Georgia"/>
+              <a:cs typeface="Georgia"/>
+              <a:sym typeface="Georgia"/>
             </a:endParaRPr>
           </a:p>
           <a:p>
             <a:pPr lvl="0">
-              <a:defRPr sz="1800"/>
-            </a:pPr>
-            <a:r>
-              <a:rPr sz="1200">
-                <a:latin typeface="Trebuchet MS"/>
-                <a:ea typeface="Trebuchet MS"/>
-                <a:cs typeface="Trebuchet MS"/>
-                <a:sym typeface="Trebuchet MS"/>
+              <a:lnSpc>
+                <a:spcPct val="100000"/>
+              </a:lnSpc>
+              <a:defRPr sz="1800"/>
+            </a:pPr>
+            <a:endParaRPr sz="1600">
+              <a:latin typeface="Georgia"/>
+              <a:ea typeface="Georgia"/>
+              <a:cs typeface="Georgia"/>
+              <a:sym typeface="Georgia"/>
+            </a:endParaRPr>
+          </a:p>
+          <a:p>
+            <a:pPr lvl="0">
+              <a:lnSpc>
+                <a:spcPct val="100000"/>
+              </a:lnSpc>
+              <a:defRPr sz="1800"/>
+            </a:pPr>
+            <a:r>
+              <a:rPr sz="1600">
+                <a:latin typeface="Georgia"/>
+                <a:ea typeface="Georgia"/>
+                <a:cs typeface="Georgia"/>
+                <a:sym typeface="Georgia"/>
               </a:rPr>
-              <a:t>So explicit intent specifies the component to start by name. you can specify fully qualified class name as component name so generally explicit intent is used to start a component of your application because you know the class name.</a:t>
-            </a:r>
-            <a:endParaRPr sz="1200">
-              <a:latin typeface="Trebuchet MS"/>
-              <a:ea typeface="Trebuchet MS"/>
-              <a:cs typeface="Trebuchet MS"/>
-              <a:sym typeface="Trebuchet MS"/>
+              <a:t>If android finds multiple component satisfying these aspects then it displays a chooser dialog to ask user to choose one of them.</a:t>
+            </a:r>
+            <a:endParaRPr sz="1600">
+              <a:latin typeface="Georgia"/>
+              <a:ea typeface="Georgia"/>
+              <a:cs typeface="Georgia"/>
+              <a:sym typeface="Georgia"/>
             </a:endParaRPr>
           </a:p>
           <a:p>
             <a:pPr lvl="0">
-              <a:defRPr sz="1800"/>
-            </a:pPr>
-            <a:endParaRPr sz="1200">
-              <a:latin typeface="Trebuchet MS"/>
-              <a:ea typeface="Trebuchet MS"/>
-              <a:cs typeface="Trebuchet MS"/>
-              <a:sym typeface="Trebuchet MS"/>
+              <a:lnSpc>
+                <a:spcPct val="100000"/>
+              </a:lnSpc>
+              <a:defRPr sz="1800"/>
+            </a:pPr>
+            <a:endParaRPr sz="1600">
+              <a:latin typeface="Georgia"/>
+              <a:ea typeface="Georgia"/>
+              <a:cs typeface="Georgia"/>
+              <a:sym typeface="Georgia"/>
             </a:endParaRPr>
           </a:p>
           <a:p>
             <a:pPr lvl="0">
-              <a:defRPr sz="1800"/>
-            </a:pPr>
-            <a:r>
-              <a:rPr sz="1200">
-                <a:latin typeface="Trebuchet MS"/>
-                <a:ea typeface="Trebuchet MS"/>
-                <a:cs typeface="Trebuchet MS"/>
-                <a:sym typeface="Trebuchet MS"/>
+              <a:lnSpc>
+                <a:spcPct val="100000"/>
+              </a:lnSpc>
+              <a:defRPr sz="1800"/>
+            </a:pPr>
+            <a:endParaRPr sz="1600">
+              <a:latin typeface="Georgia"/>
+              <a:ea typeface="Georgia"/>
+              <a:cs typeface="Georgia"/>
+              <a:sym typeface="Georgia"/>
+            </a:endParaRPr>
+          </a:p>
+          <a:p>
+            <a:pPr lvl="0">
+              <a:lnSpc>
+                <a:spcPct val="100000"/>
+              </a:lnSpc>
+              <a:defRPr sz="1800"/>
+            </a:pPr>
+            <a:r>
+              <a:rPr sz="1600">
+                <a:latin typeface="Georgia"/>
+                <a:ea typeface="Georgia"/>
+                <a:cs typeface="Georgia"/>
+                <a:sym typeface="Georgia"/>
               </a:rPr>
-              <a:t>Now lets talk about implicit intent. Instead of specific component name, Implicit intent specifies general action to be performed. which allows a component from other application to handle it. For example, from your application if you want to show images from gallery the you use implicit intent to start a component of gallery application.</a:t>
-            </a:r>
-            <a:endParaRPr sz="1200">
-              <a:latin typeface="Trebuchet MS"/>
-              <a:ea typeface="Trebuchet MS"/>
-              <a:cs typeface="Trebuchet MS"/>
-              <a:sym typeface="Trebuchet MS"/>
+              <a:t>How to build an implicit Intent?</a:t>
+            </a:r>
+            <a:endParaRPr sz="1600">
+              <a:latin typeface="Georgia"/>
+              <a:ea typeface="Georgia"/>
+              <a:cs typeface="Georgia"/>
+              <a:sym typeface="Georgia"/>
             </a:endParaRPr>
           </a:p>
           <a:p>
             <a:pPr lvl="0">
-              <a:defRPr sz="1800"/>
-            </a:pPr>
-            <a:endParaRPr sz="1200">
-              <a:latin typeface="Trebuchet MS"/>
-              <a:ea typeface="Trebuchet MS"/>
-              <a:cs typeface="Trebuchet MS"/>
-              <a:sym typeface="Trebuchet MS"/>
+              <a:lnSpc>
+                <a:spcPct val="100000"/>
+              </a:lnSpc>
+              <a:defRPr sz="1800"/>
+            </a:pPr>
+            <a:r>
+              <a:rPr sz="1600">
+                <a:latin typeface="Georgia"/>
+                <a:ea typeface="Georgia"/>
+                <a:cs typeface="Georgia"/>
+                <a:sym typeface="Georgia"/>
+              </a:rPr>
+              <a:t>You build an implicit intent by specifying</a:t>
+            </a:r>
+            <a:endParaRPr sz="1600">
+              <a:latin typeface="Georgia"/>
+              <a:ea typeface="Georgia"/>
+              <a:cs typeface="Georgia"/>
+              <a:sym typeface="Georgia"/>
             </a:endParaRPr>
           </a:p>
           <a:p>
             <a:pPr lvl="0">
-              <a:defRPr sz="1800"/>
-            </a:pPr>
-            <a:endParaRPr sz="1200">
-              <a:latin typeface="Trebuchet MS"/>
-              <a:ea typeface="Trebuchet MS"/>
-              <a:cs typeface="Trebuchet MS"/>
-              <a:sym typeface="Trebuchet MS"/>
+              <a:lnSpc>
+                <a:spcPct val="100000"/>
+              </a:lnSpc>
+              <a:defRPr sz="1800"/>
+            </a:pPr>
+            <a:r>
+              <a:rPr sz="1600">
+                <a:latin typeface="Georgia"/>
+                <a:ea typeface="Georgia"/>
+                <a:cs typeface="Georgia"/>
+                <a:sym typeface="Georgia"/>
+              </a:rPr>
+              <a:t>action,</a:t>
+            </a:r>
+            <a:endParaRPr sz="1600">
+              <a:latin typeface="Georgia"/>
+              <a:ea typeface="Georgia"/>
+              <a:cs typeface="Georgia"/>
+              <a:sym typeface="Georgia"/>
             </a:endParaRPr>
           </a:p>
           <a:p>
             <a:pPr lvl="0">
-              <a:defRPr sz="1800"/>
-            </a:pPr>
-            <a:endParaRPr sz="1200">
-              <a:latin typeface="Trebuchet MS"/>
-              <a:ea typeface="Trebuchet MS"/>
-              <a:cs typeface="Trebuchet MS"/>
-              <a:sym typeface="Trebuchet MS"/>
+              <a:lnSpc>
+                <a:spcPct val="100000"/>
+              </a:lnSpc>
+              <a:defRPr sz="1800"/>
+            </a:pPr>
+            <a:r>
+              <a:rPr sz="1600">
+                <a:latin typeface="Georgia"/>
+                <a:ea typeface="Georgia"/>
+                <a:cs typeface="Georgia"/>
+                <a:sym typeface="Georgia"/>
+              </a:rPr>
+              <a:t>data,</a:t>
+            </a:r>
+            <a:endParaRPr sz="1600">
+              <a:latin typeface="Georgia"/>
+              <a:ea typeface="Georgia"/>
+              <a:cs typeface="Georgia"/>
+              <a:sym typeface="Georgia"/>
             </a:endParaRPr>
+          </a:p>
+          <a:p>
+            <a:pPr lvl="0">
+              <a:lnSpc>
+                <a:spcPct val="100000"/>
+              </a:lnSpc>
+              <a:defRPr sz="1800"/>
+            </a:pPr>
+            <a:r>
+              <a:rPr sz="1600">
+                <a:latin typeface="Georgia"/>
+                <a:ea typeface="Georgia"/>
+                <a:cs typeface="Georgia"/>
+                <a:sym typeface="Georgia"/>
+              </a:rPr>
+              <a:t>category.</a:t>
+            </a:r>
+            <a:endParaRPr sz="1600">
+              <a:latin typeface="Georgia"/>
+              <a:ea typeface="Georgia"/>
+              <a:cs typeface="Georgia"/>
+              <a:sym typeface="Georgia"/>
+            </a:endParaRPr>
+          </a:p>
+          <a:p>
+            <a:pPr lvl="0">
+              <a:lnSpc>
+                <a:spcPct val="100000"/>
+              </a:lnSpc>
+              <a:defRPr sz="1800"/>
+            </a:pPr>
+            <a:endParaRPr sz="1600">
+              <a:latin typeface="Georgia"/>
+              <a:ea typeface="Georgia"/>
+              <a:cs typeface="Georgia"/>
+              <a:sym typeface="Georgia"/>
+            </a:endParaRPr>
+          </a:p>
+          <a:p>
+            <a:pPr lvl="0">
+              <a:lnSpc>
+                <a:spcPct val="100000"/>
+              </a:lnSpc>
+              <a:defRPr sz="1800"/>
+            </a:pPr>
+            <a:r>
+              <a:rPr sz="1600">
+                <a:latin typeface="Georgia"/>
+                <a:ea typeface="Georgia"/>
+                <a:cs typeface="Georgia"/>
+                <a:sym typeface="Georgia"/>
+              </a:rPr>
+              <a:t>Action? It’s a generic operation name which you want to perform. For example, to show gallery image, the action is ACTION_VIEW.</a:t>
+            </a:r>
+            <a:endParaRPr sz="1600">
+              <a:latin typeface="Georgia"/>
+              <a:ea typeface="Georgia"/>
+              <a:cs typeface="Georgia"/>
+              <a:sym typeface="Georgia"/>
+            </a:endParaRPr>
+          </a:p>
+          <a:p>
+            <a:pPr lvl="0">
+              <a:lnSpc>
+                <a:spcPct val="100000"/>
+              </a:lnSpc>
+              <a:defRPr sz="1800"/>
+            </a:pPr>
+            <a:endParaRPr sz="1600">
+              <a:latin typeface="Georgia"/>
+              <a:ea typeface="Georgia"/>
+              <a:cs typeface="Georgia"/>
+              <a:sym typeface="Georgia"/>
+            </a:endParaRPr>
+          </a:p>
+          <a:p>
+            <a:pPr lvl="0">
+              <a:lnSpc>
+                <a:spcPct val="100000"/>
+              </a:lnSpc>
+              <a:defRPr sz="1800"/>
+            </a:pPr>
+            <a:r>
+              <a:rPr sz="1600">
+                <a:latin typeface="Georgia"/>
+                <a:ea typeface="Georgia"/>
+                <a:cs typeface="Georgia"/>
+                <a:sym typeface="Georgia"/>
+              </a:rPr>
+              <a:t>Data? The URI (a Uri object) that references the data to be acted on and/or the MIME type of that data. For example, if the action is ACTION_EDIT, the data should contain the URI of the document to edit.</a:t>
+            </a:r>
+            <a:endParaRPr sz="1600">
+              <a:latin typeface="Georgia"/>
+              <a:ea typeface="Georgia"/>
+              <a:cs typeface="Georgia"/>
+              <a:sym typeface="Georgia"/>
+            </a:endParaRPr>
+          </a:p>
+          <a:p>
+            <a:pPr lvl="0">
+              <a:lnSpc>
+                <a:spcPct val="100000"/>
+              </a:lnSpc>
+              <a:defRPr sz="1800"/>
+            </a:pPr>
+            <a:endParaRPr sz="1600">
+              <a:latin typeface="Georgia"/>
+              <a:ea typeface="Georgia"/>
+              <a:cs typeface="Georgia"/>
+              <a:sym typeface="Georgia"/>
+            </a:endParaRPr>
+          </a:p>
+          <a:p>
+            <a:pPr lvl="0">
+              <a:lnSpc>
+                <a:spcPct val="100000"/>
+              </a:lnSpc>
+              <a:defRPr sz="1800"/>
+            </a:pPr>
+            <a:r>
+              <a:rPr sz="1600">
+                <a:latin typeface="Georgia"/>
+                <a:ea typeface="Georgia"/>
+                <a:cs typeface="Georgia"/>
+                <a:sym typeface="Georgia"/>
+              </a:rPr>
+              <a:t>Category? It specifies an kind of component that should handle an intent. For example, CATEGORY_LAUNCHER : The activity is the initial activity of an application.</a:t>
+            </a:r>
+            <a:endParaRPr sz="1600">
+              <a:latin typeface="Georgia"/>
+              <a:ea typeface="Georgia"/>
+              <a:cs typeface="Georgia"/>
+              <a:sym typeface="Georgia"/>
+            </a:endParaRPr>
+          </a:p>
+          <a:p>
+            <a:pPr lvl="0">
+              <a:lnSpc>
+                <a:spcPct val="100000"/>
+              </a:lnSpc>
+              <a:defRPr sz="1800"/>
+            </a:pPr>
+            <a:r>
+              <a:rPr sz="1600">
+                <a:latin typeface="Georgia"/>
+                <a:ea typeface="Georgia"/>
+                <a:cs typeface="Georgia"/>
+                <a:sym typeface="Georgia"/>
+              </a:rPr>
+              <a:t> </a:t>
+            </a:r>
           </a:p>
         </p:txBody>
       </p:sp>
@@ -783,7 +1289,7 @@
       </p:grpSpPr>
       <p:sp>
         <p:nvSpPr>
-          <p:cNvPr id="127" name="Shape 127"/>
+          <p:cNvPr id="137" name="Shape 137"/>
           <p:cNvSpPr/>
           <p:nvPr>
             <p:ph type="sldImg"/>
@@ -804,7 +1310,7 @@
       </p:sp>
       <p:sp>
         <p:nvSpPr>
-          <p:cNvPr id="128" name="Shape 128"/>
+          <p:cNvPr id="138" name="Shape 138"/>
           <p:cNvSpPr/>
           <p:nvPr>
             <p:ph type="body" sz="quarter" idx="1"/>
@@ -820,111 +1326,191 @@
           <a:lstStyle/>
           <a:p>
             <a:pPr lvl="0">
-              <a:defRPr sz="1800"/>
-            </a:pPr>
-            <a:r>
-              <a:rPr sz="1600"/>
-              <a:t>How to build an implicit Intent?</a:t>
-            </a:r>
-            <a:endParaRPr sz="1600"/>
-          </a:p>
-          <a:p>
-            <a:pPr lvl="0">
-              <a:defRPr sz="1800"/>
-            </a:pPr>
-            <a:r>
-              <a:rPr sz="1600"/>
-              <a:t>You build an implicit intent by specifying</a:t>
-            </a:r>
-            <a:endParaRPr sz="1600"/>
-          </a:p>
-          <a:p>
-            <a:pPr lvl="0">
-              <a:defRPr sz="1800"/>
-            </a:pPr>
-            <a:r>
-              <a:rPr sz="1600"/>
-              <a:t>action,</a:t>
-            </a:r>
-            <a:endParaRPr sz="1600"/>
-          </a:p>
-          <a:p>
-            <a:pPr lvl="0">
-              <a:defRPr sz="1800"/>
-            </a:pPr>
-            <a:r>
-              <a:rPr sz="1600"/>
-              <a:t>data,</a:t>
-            </a:r>
-            <a:endParaRPr sz="1600"/>
-          </a:p>
-          <a:p>
-            <a:pPr lvl="0">
-              <a:defRPr sz="1800"/>
-            </a:pPr>
-            <a:r>
-              <a:rPr sz="1600"/>
-              <a:t>category.</a:t>
-            </a:r>
-            <a:endParaRPr sz="1600"/>
-          </a:p>
-          <a:p>
-            <a:pPr lvl="0">
-              <a:defRPr sz="1800"/>
-            </a:pPr>
-            <a:endParaRPr sz="1600"/>
-          </a:p>
-          <a:p>
-            <a:pPr lvl="0">
-              <a:defRPr sz="1800"/>
-            </a:pPr>
-            <a:r>
-              <a:rPr sz="1600"/>
-              <a:t>Action? It’s a generic operation name which you want to perform. For example, to show gallery image, the action is ACTION_VIEW.</a:t>
-            </a:r>
-            <a:endParaRPr sz="1600"/>
-          </a:p>
-          <a:p>
-            <a:pPr lvl="0">
-              <a:defRPr sz="1800"/>
-            </a:pPr>
-            <a:endParaRPr sz="1600"/>
-          </a:p>
-          <a:p>
-            <a:pPr lvl="0">
-              <a:defRPr sz="1800"/>
-            </a:pPr>
-            <a:r>
-              <a:rPr sz="1600"/>
-              <a:t>Data? The URI (a Uri object) that references the data to be acted on and/or the MIME type of that data. For example, if the action is ACTION_EDIT, the data should contain the URI of the document to edit.</a:t>
-            </a:r>
-            <a:endParaRPr sz="1600"/>
-          </a:p>
-          <a:p>
-            <a:pPr lvl="0">
-              <a:defRPr sz="1800"/>
-            </a:pPr>
-            <a:endParaRPr sz="1600"/>
-          </a:p>
-          <a:p>
-            <a:pPr lvl="0">
-              <a:defRPr sz="1800"/>
-            </a:pPr>
-            <a:r>
-              <a:rPr sz="1600"/>
-              <a:t>Category? It specifies an kind of component that should handle an intent. For example, CATEGORY_LAUNCHER : The activity is the initial activity of an application.</a:t>
-            </a:r>
-            <a:endParaRPr sz="1600"/>
-          </a:p>
-          <a:p>
-            <a:pPr lvl="0">
-              <a:defRPr sz="1800"/>
-            </a:pPr>
-            <a:r>
-              <a:rPr sz="1600"/>
-              <a:t> </a:t>
-            </a:r>
-            <a:endParaRPr sz="1600"/>
+              <a:lnSpc>
+                <a:spcPct val="100000"/>
+              </a:lnSpc>
+              <a:defRPr sz="1800"/>
+            </a:pPr>
+            <a:r>
+              <a:rPr sz="1200">
+                <a:latin typeface="Trebuchet MS"/>
+                <a:ea typeface="Trebuchet MS"/>
+                <a:cs typeface="Trebuchet MS"/>
+                <a:sym typeface="Trebuchet MS"/>
+              </a:rPr>
+              <a:t>SQLite is an Open Source database. SQLite supports standard relational database features like SQL syntax, transactions and prepared statements.</a:t>
+            </a:r>
+            <a:endParaRPr sz="1200">
+              <a:latin typeface="Trebuchet MS"/>
+              <a:ea typeface="Trebuchet MS"/>
+              <a:cs typeface="Trebuchet MS"/>
+              <a:sym typeface="Trebuchet MS"/>
+            </a:endParaRPr>
+          </a:p>
+          <a:p>
+            <a:pPr lvl="0">
+              <a:lnSpc>
+                <a:spcPct val="100000"/>
+              </a:lnSpc>
+              <a:defRPr sz="1800"/>
+            </a:pPr>
+            <a:r>
+              <a:rPr sz="1200">
+                <a:latin typeface="Trebuchet MS"/>
+                <a:ea typeface="Trebuchet MS"/>
+                <a:cs typeface="Trebuchet MS"/>
+                <a:sym typeface="Trebuchet MS"/>
+              </a:rPr>
+              <a:t>SQLite supports the data types TEXT (similar to String in Java), INTEGER (similar to long in Java) and REAL (similar to double in Java). All other types must be converted into one of these fields before getting saved in the database.</a:t>
+            </a:r>
+            <a:endParaRPr sz="1200">
+              <a:latin typeface="Trebuchet MS"/>
+              <a:ea typeface="Trebuchet MS"/>
+              <a:cs typeface="Trebuchet MS"/>
+              <a:sym typeface="Trebuchet MS"/>
+            </a:endParaRPr>
+          </a:p>
+          <a:p>
+            <a:pPr lvl="0">
+              <a:lnSpc>
+                <a:spcPct val="100000"/>
+              </a:lnSpc>
+              <a:defRPr sz="1800"/>
+            </a:pPr>
+            <a:endParaRPr sz="1200">
+              <a:latin typeface="Trebuchet MS"/>
+              <a:ea typeface="Trebuchet MS"/>
+              <a:cs typeface="Trebuchet MS"/>
+              <a:sym typeface="Trebuchet MS"/>
+            </a:endParaRPr>
+          </a:p>
+          <a:p>
+            <a:pPr lvl="0">
+              <a:lnSpc>
+                <a:spcPct val="100000"/>
+              </a:lnSpc>
+              <a:defRPr sz="1800"/>
+            </a:pPr>
+            <a:r>
+              <a:rPr sz="1200">
+                <a:latin typeface="Trebuchet MS"/>
+                <a:ea typeface="Trebuchet MS"/>
+                <a:cs typeface="Trebuchet MS"/>
+                <a:sym typeface="Trebuchet MS"/>
+              </a:rPr>
+              <a:t>SQLite is embedded into every Android device. Using an SQLite database in Android does not require a setup procedure or administration of the database.</a:t>
+            </a:r>
+            <a:endParaRPr sz="1200">
+              <a:latin typeface="Trebuchet MS"/>
+              <a:ea typeface="Trebuchet MS"/>
+              <a:cs typeface="Trebuchet MS"/>
+              <a:sym typeface="Trebuchet MS"/>
+            </a:endParaRPr>
+          </a:p>
+          <a:p>
+            <a:pPr lvl="0">
+              <a:lnSpc>
+                <a:spcPct val="100000"/>
+              </a:lnSpc>
+              <a:defRPr sz="1800"/>
+            </a:pPr>
+            <a:endParaRPr sz="1200">
+              <a:latin typeface="Trebuchet MS"/>
+              <a:ea typeface="Trebuchet MS"/>
+              <a:cs typeface="Trebuchet MS"/>
+              <a:sym typeface="Trebuchet MS"/>
+            </a:endParaRPr>
+          </a:p>
+          <a:p>
+            <a:pPr lvl="0">
+              <a:lnSpc>
+                <a:spcPct val="100000"/>
+              </a:lnSpc>
+              <a:defRPr sz="1800"/>
+            </a:pPr>
+            <a:r>
+              <a:rPr sz="1200">
+                <a:latin typeface="Trebuchet MS"/>
+                <a:ea typeface="Trebuchet MS"/>
+                <a:cs typeface="Trebuchet MS"/>
+                <a:sym typeface="Trebuchet MS"/>
+              </a:rPr>
+              <a:t>You only have to define the SQL statements for creating and updating the database. Afterwards the database is automatically managed for you by the Android platform.</a:t>
+            </a:r>
+            <a:endParaRPr sz="1200">
+              <a:latin typeface="Trebuchet MS"/>
+              <a:ea typeface="Trebuchet MS"/>
+              <a:cs typeface="Trebuchet MS"/>
+              <a:sym typeface="Trebuchet MS"/>
+            </a:endParaRPr>
+          </a:p>
+          <a:p>
+            <a:pPr lvl="0">
+              <a:lnSpc>
+                <a:spcPct val="100000"/>
+              </a:lnSpc>
+              <a:defRPr sz="1800"/>
+            </a:pPr>
+            <a:endParaRPr sz="1200">
+              <a:latin typeface="Trebuchet MS"/>
+              <a:ea typeface="Trebuchet MS"/>
+              <a:cs typeface="Trebuchet MS"/>
+              <a:sym typeface="Trebuchet MS"/>
+            </a:endParaRPr>
+          </a:p>
+          <a:p>
+            <a:pPr lvl="0">
+              <a:lnSpc>
+                <a:spcPct val="100000"/>
+              </a:lnSpc>
+              <a:defRPr sz="1800"/>
+            </a:pPr>
+            <a:r>
+              <a:rPr sz="1200">
+                <a:latin typeface="Trebuchet MS"/>
+                <a:ea typeface="Trebuchet MS"/>
+                <a:cs typeface="Trebuchet MS"/>
+                <a:sym typeface="Trebuchet MS"/>
+              </a:rPr>
+              <a:t>If your application creates a database, this database is by default saved in the directory DATA/data/APP_NAME/databases/FILENAME.</a:t>
+            </a:r>
+            <a:endParaRPr sz="1200">
+              <a:latin typeface="Trebuchet MS"/>
+              <a:ea typeface="Trebuchet MS"/>
+              <a:cs typeface="Trebuchet MS"/>
+              <a:sym typeface="Trebuchet MS"/>
+            </a:endParaRPr>
+          </a:p>
+          <a:p>
+            <a:pPr lvl="0">
+              <a:lnSpc>
+                <a:spcPct val="100000"/>
+              </a:lnSpc>
+              <a:defRPr sz="1800"/>
+            </a:pPr>
+            <a:endParaRPr sz="1200">
+              <a:latin typeface="Trebuchet MS"/>
+              <a:ea typeface="Trebuchet MS"/>
+              <a:cs typeface="Trebuchet MS"/>
+              <a:sym typeface="Trebuchet MS"/>
+            </a:endParaRPr>
+          </a:p>
+          <a:p>
+            <a:pPr lvl="0">
+              <a:lnSpc>
+                <a:spcPct val="100000"/>
+              </a:lnSpc>
+              <a:defRPr sz="1800"/>
+            </a:pPr>
+            <a:r>
+              <a:rPr sz="1200">
+                <a:latin typeface="Trebuchet MS"/>
+                <a:ea typeface="Trebuchet MS"/>
+                <a:cs typeface="Trebuchet MS"/>
+                <a:sym typeface="Trebuchet MS"/>
+              </a:rPr>
+              <a:t>The parts of the above directory are constructed based on the following rules. DATA is the path which the Environment.getDataDirectory() method returns. APP_NAME is your application name. FILENAME is the name you specify in your application code for the database.</a:t>
+            </a:r>
           </a:p>
         </p:txBody>
       </p:sp>
@@ -955,7 +1541,7 @@
       </p:grpSpPr>
       <p:sp>
         <p:nvSpPr>
-          <p:cNvPr id="136" name="Shape 136"/>
+          <p:cNvPr id="142" name="Shape 142"/>
           <p:cNvSpPr/>
           <p:nvPr>
             <p:ph type="sldImg"/>
@@ -976,7 +1562,7 @@
       </p:sp>
       <p:sp>
         <p:nvSpPr>
-          <p:cNvPr id="137" name="Shape 137"/>
+          <p:cNvPr id="143" name="Shape 143"/>
           <p:cNvSpPr/>
           <p:nvPr>
             <p:ph type="body" sz="quarter" idx="1"/>
@@ -992,388 +1578,9 @@
           <a:lstStyle/>
           <a:p>
             <a:pPr lvl="0">
-              <a:defRPr sz="1800"/>
-            </a:pPr>
-            <a:r>
-              <a:rPr sz="1600"/>
-              <a:t>Lets talk about how you specify a component to receive implicit intent.</a:t>
-            </a:r>
-            <a:endParaRPr sz="1600"/>
-          </a:p>
-          <a:p>
-            <a:pPr lvl="0">
-              <a:defRPr sz="1800"/>
-            </a:pPr>
-            <a:endParaRPr sz="1600"/>
-          </a:p>
-          <a:p>
-            <a:pPr lvl="0">
-              <a:defRPr sz="1800"/>
-            </a:pPr>
-            <a:r>
-              <a:rPr sz="1600"/>
-              <a:t>When you start an activity with this intent, android searches a best component by comparing the intent to intent filters based on three aspects:</a:t>
-            </a:r>
-            <a:endParaRPr sz="1600"/>
-          </a:p>
-          <a:p>
-            <a:pPr lvl="0">
-              <a:defRPr sz="1800"/>
-            </a:pPr>
-            <a:endParaRPr sz="1600"/>
-          </a:p>
-          <a:p>
-            <a:pPr lvl="0" marL="282222" indent="-282222">
-              <a:buSzPct val="100000"/>
-              <a:buAutoNum type="arabicPeriod" startAt="1"/>
-              <a:defRPr sz="1800"/>
-            </a:pPr>
-            <a:r>
-              <a:rPr sz="1600"/>
-              <a:t>intent action</a:t>
-            </a:r>
-            <a:endParaRPr sz="1600"/>
-          </a:p>
-          <a:p>
-            <a:pPr lvl="0" marL="282222" indent="-282222">
-              <a:buSzPct val="100000"/>
-              <a:buAutoNum type="arabicPeriod" startAt="1"/>
-              <a:defRPr sz="1800"/>
-            </a:pPr>
-            <a:r>
-              <a:rPr sz="1600"/>
-              <a:t>intent data</a:t>
-            </a:r>
-            <a:endParaRPr sz="1600"/>
-          </a:p>
-          <a:p>
-            <a:pPr lvl="0" marL="282222" indent="-282222">
-              <a:buSzPct val="100000"/>
-              <a:buAutoNum type="arabicPeriod" startAt="1"/>
-              <a:defRPr sz="1800"/>
-            </a:pPr>
-            <a:r>
-              <a:rPr sz="1600"/>
-              <a:t>intent category</a:t>
-            </a:r>
-            <a:endParaRPr sz="1600"/>
-          </a:p>
-          <a:p>
-            <a:pPr lvl="0">
-              <a:defRPr sz="1800"/>
-            </a:pPr>
-            <a:endParaRPr sz="1600"/>
-          </a:p>
-          <a:p>
-            <a:pPr lvl="0">
-              <a:defRPr sz="1800"/>
-            </a:pPr>
-            <a:r>
-              <a:rPr sz="1600"/>
-              <a:t>If android finds multiple component satisfying these aspects then it displays a chooser dialog to ask user to choose one of them.</a:t>
-            </a:r>
-            <a:endParaRPr sz="1600"/>
-          </a:p>
-          <a:p>
-            <a:pPr lvl="0">
-              <a:defRPr sz="1800"/>
-            </a:pPr>
-            <a:endParaRPr sz="1600"/>
-          </a:p>
-        </p:txBody>
-      </p:sp>
-    </p:spTree>
-  </p:cSld>
-  <p:clrMapOvr>
-    <a:masterClrMapping/>
-  </p:clrMapOvr>
-</p:notes>
-</file>
-
-<file path=ppt/notesSlides/notesSlide7.xml><?xml version="1.0" encoding="utf-8"?>
-<p:notes xmlns:a="http://schemas.openxmlformats.org/drawingml/2006/main" xmlns:r="http://schemas.openxmlformats.org/officeDocument/2006/relationships" xmlns:p="http://schemas.openxmlformats.org/presentationml/2006/main" showMasterSp="1" showMasterPhAnim="1">
-  <p:cSld>
-    <p:spTree>
-      <p:nvGrpSpPr>
-        <p:cNvPr id="1" name=""/>
-        <p:cNvGrpSpPr/>
-        <p:nvPr/>
-      </p:nvGrpSpPr>
-      <p:grpSpPr>
-        <a:xfrm>
-          <a:off x="0" y="0"/>
-          <a:ext cx="0" cy="0"/>
-          <a:chOff x="0" y="0"/>
-          <a:chExt cx="0" cy="0"/>
-        </a:xfrm>
-      </p:grpSpPr>
-      <p:sp>
-        <p:nvSpPr>
-          <p:cNvPr id="145" name="Shape 145"/>
-          <p:cNvSpPr/>
-          <p:nvPr>
-            <p:ph type="sldImg"/>
-          </p:nvPr>
-        </p:nvSpPr>
-        <p:spPr>
-          <a:prstGeom prst="rect">
-            <a:avLst/>
-          </a:prstGeom>
-        </p:spPr>
-        <p:txBody>
-          <a:bodyPr/>
-          <a:lstStyle/>
-          <a:p>
-            <a:pPr lvl="0"/>
-          </a:p>
-        </p:txBody>
-      </p:sp>
-      <p:sp>
-        <p:nvSpPr>
-          <p:cNvPr id="146" name="Shape 146"/>
-          <p:cNvSpPr/>
-          <p:nvPr>
-            <p:ph type="body" sz="quarter" idx="1"/>
-          </p:nvPr>
-        </p:nvSpPr>
-        <p:spPr>
-          <a:prstGeom prst="rect">
-            <a:avLst/>
-          </a:prstGeom>
-        </p:spPr>
-        <p:txBody>
-          <a:bodyPr/>
-          <a:lstStyle/>
-          <a:p>
-            <a:pPr lvl="0">
-              <a:defRPr sz="1800"/>
-            </a:pPr>
-            <a:r>
-              <a:rPr sz="1200">
-                <a:latin typeface="Trebuchet MS"/>
-                <a:ea typeface="Trebuchet MS"/>
-                <a:cs typeface="Trebuchet MS"/>
-                <a:sym typeface="Trebuchet MS"/>
-              </a:rPr>
-              <a:t>SQLite is an Open Source database. SQLite supports standard relational database features like SQL syntax, transactions and prepared statements.</a:t>
-            </a:r>
-            <a:endParaRPr sz="1200">
-              <a:latin typeface="Trebuchet MS"/>
-              <a:ea typeface="Trebuchet MS"/>
-              <a:cs typeface="Trebuchet MS"/>
-              <a:sym typeface="Trebuchet MS"/>
-            </a:endParaRPr>
-          </a:p>
-          <a:p>
-            <a:pPr lvl="0">
-              <a:defRPr sz="1800"/>
-            </a:pPr>
-            <a:r>
-              <a:rPr sz="1200">
-                <a:latin typeface="Trebuchet MS"/>
-                <a:ea typeface="Trebuchet MS"/>
-                <a:cs typeface="Trebuchet MS"/>
-                <a:sym typeface="Trebuchet MS"/>
-              </a:rPr>
-              <a:t>SQLite supports the data types TEXT (similar to String in Java), INTEGER (similar to long in Java) and REAL (similar to double in Java). All other types must be converted into one of these fields before getting saved in the database.</a:t>
-            </a:r>
-            <a:endParaRPr sz="1200">
-              <a:latin typeface="Trebuchet MS"/>
-              <a:ea typeface="Trebuchet MS"/>
-              <a:cs typeface="Trebuchet MS"/>
-              <a:sym typeface="Trebuchet MS"/>
-            </a:endParaRPr>
-          </a:p>
-          <a:p>
-            <a:pPr lvl="0">
-              <a:defRPr sz="1800"/>
-            </a:pPr>
-            <a:endParaRPr sz="1200">
-              <a:latin typeface="Trebuchet MS"/>
-              <a:ea typeface="Trebuchet MS"/>
-              <a:cs typeface="Trebuchet MS"/>
-              <a:sym typeface="Trebuchet MS"/>
-            </a:endParaRPr>
-          </a:p>
-          <a:p>
-            <a:pPr lvl="0">
-              <a:defRPr sz="1800"/>
-            </a:pPr>
-            <a:r>
-              <a:rPr sz="1200">
-                <a:latin typeface="Trebuchet MS"/>
-                <a:ea typeface="Trebuchet MS"/>
-                <a:cs typeface="Trebuchet MS"/>
-                <a:sym typeface="Trebuchet MS"/>
-              </a:rPr>
-              <a:t>SQLite is embedded into every Android device. Using an SQLite database in Android does not require a setup procedure or administration of the database.</a:t>
-            </a:r>
-            <a:endParaRPr sz="1200">
-              <a:latin typeface="Trebuchet MS"/>
-              <a:ea typeface="Trebuchet MS"/>
-              <a:cs typeface="Trebuchet MS"/>
-              <a:sym typeface="Trebuchet MS"/>
-            </a:endParaRPr>
-          </a:p>
-          <a:p>
-            <a:pPr lvl="0">
-              <a:defRPr sz="1800"/>
-            </a:pPr>
-            <a:endParaRPr sz="1200">
-              <a:latin typeface="Trebuchet MS"/>
-              <a:ea typeface="Trebuchet MS"/>
-              <a:cs typeface="Trebuchet MS"/>
-              <a:sym typeface="Trebuchet MS"/>
-            </a:endParaRPr>
-          </a:p>
-          <a:p>
-            <a:pPr lvl="0">
-              <a:defRPr sz="1800"/>
-            </a:pPr>
-            <a:r>
-              <a:rPr sz="1200">
-                <a:latin typeface="Trebuchet MS"/>
-                <a:ea typeface="Trebuchet MS"/>
-                <a:cs typeface="Trebuchet MS"/>
-                <a:sym typeface="Trebuchet MS"/>
-              </a:rPr>
-              <a:t>You only have to define the SQL statements for creating and updating the database. Afterwards the database is automatically managed for you by the Android platform.</a:t>
-            </a:r>
-            <a:endParaRPr sz="1200">
-              <a:latin typeface="Trebuchet MS"/>
-              <a:ea typeface="Trebuchet MS"/>
-              <a:cs typeface="Trebuchet MS"/>
-              <a:sym typeface="Trebuchet MS"/>
-            </a:endParaRPr>
-          </a:p>
-          <a:p>
-            <a:pPr lvl="0">
-              <a:defRPr sz="1800"/>
-            </a:pPr>
-            <a:endParaRPr sz="1200">
-              <a:latin typeface="Trebuchet MS"/>
-              <a:ea typeface="Trebuchet MS"/>
-              <a:cs typeface="Trebuchet MS"/>
-              <a:sym typeface="Trebuchet MS"/>
-            </a:endParaRPr>
-          </a:p>
-          <a:p>
-            <a:pPr lvl="0">
-              <a:defRPr sz="1800"/>
-            </a:pPr>
-            <a:r>
-              <a:rPr sz="1200">
-                <a:latin typeface="Trebuchet MS"/>
-                <a:ea typeface="Trebuchet MS"/>
-                <a:cs typeface="Trebuchet MS"/>
-                <a:sym typeface="Trebuchet MS"/>
-              </a:rPr>
-              <a:t>If your application creates a database, this database is by default saved in the directory DATA/data/APP_NAME/databases/FILENAME.</a:t>
-            </a:r>
-            <a:endParaRPr sz="1200">
-              <a:latin typeface="Trebuchet MS"/>
-              <a:ea typeface="Trebuchet MS"/>
-              <a:cs typeface="Trebuchet MS"/>
-              <a:sym typeface="Trebuchet MS"/>
-            </a:endParaRPr>
-          </a:p>
-          <a:p>
-            <a:pPr lvl="0">
-              <a:defRPr sz="1800"/>
-            </a:pPr>
-            <a:endParaRPr sz="1200">
-              <a:latin typeface="Trebuchet MS"/>
-              <a:ea typeface="Trebuchet MS"/>
-              <a:cs typeface="Trebuchet MS"/>
-              <a:sym typeface="Trebuchet MS"/>
-            </a:endParaRPr>
-          </a:p>
-          <a:p>
-            <a:pPr lvl="0">
-              <a:defRPr sz="1800"/>
-            </a:pPr>
-            <a:r>
-              <a:rPr sz="1200">
-                <a:latin typeface="Trebuchet MS"/>
-                <a:ea typeface="Trebuchet MS"/>
-                <a:cs typeface="Trebuchet MS"/>
-                <a:sym typeface="Trebuchet MS"/>
-              </a:rPr>
-              <a:t>The parts of the above directory are constructed based on the following rules. DATA is the path which the Environment.getDataDirectory() method returns. APP_NAME is your application name. FILENAME is the name you specify in your application code for the database.</a:t>
-            </a:r>
-            <a:endParaRPr sz="1200">
-              <a:latin typeface="Trebuchet MS"/>
-              <a:ea typeface="Trebuchet MS"/>
-              <a:cs typeface="Trebuchet MS"/>
-              <a:sym typeface="Trebuchet MS"/>
-            </a:endParaRPr>
-          </a:p>
-        </p:txBody>
-      </p:sp>
-    </p:spTree>
-  </p:cSld>
-  <p:clrMapOvr>
-    <a:masterClrMapping/>
-  </p:clrMapOvr>
-</p:notes>
-</file>
-
-<file path=ppt/notesSlides/notesSlide8.xml><?xml version="1.0" encoding="utf-8"?>
-<p:notes xmlns:a="http://schemas.openxmlformats.org/drawingml/2006/main" xmlns:r="http://schemas.openxmlformats.org/officeDocument/2006/relationships" xmlns:p="http://schemas.openxmlformats.org/presentationml/2006/main" showMasterSp="1" showMasterPhAnim="1">
-  <p:cSld>
-    <p:spTree>
-      <p:nvGrpSpPr>
-        <p:cNvPr id="1" name=""/>
-        <p:cNvGrpSpPr/>
-        <p:nvPr/>
-      </p:nvGrpSpPr>
-      <p:grpSpPr>
-        <a:xfrm>
-          <a:off x="0" y="0"/>
-          <a:ext cx="0" cy="0"/>
-          <a:chOff x="0" y="0"/>
-          <a:chExt cx="0" cy="0"/>
-        </a:xfrm>
-      </p:grpSpPr>
-      <p:sp>
-        <p:nvSpPr>
-          <p:cNvPr id="150" name="Shape 150"/>
-          <p:cNvSpPr/>
-          <p:nvPr>
-            <p:ph type="sldImg"/>
-          </p:nvPr>
-        </p:nvSpPr>
-        <p:spPr>
-          <a:prstGeom prst="rect">
-            <a:avLst/>
-          </a:prstGeom>
-        </p:spPr>
-        <p:txBody>
-          <a:bodyPr/>
-          <a:lstStyle/>
-          <a:p>
-            <a:pPr lvl="0"/>
-          </a:p>
-        </p:txBody>
-      </p:sp>
-      <p:sp>
-        <p:nvSpPr>
-          <p:cNvPr id="151" name="Shape 151"/>
-          <p:cNvSpPr/>
-          <p:nvPr>
-            <p:ph type="body" sz="quarter" idx="1"/>
-          </p:nvPr>
-        </p:nvSpPr>
-        <p:spPr>
-          <a:prstGeom prst="rect">
-            <a:avLst/>
-          </a:prstGeom>
-        </p:spPr>
-        <p:txBody>
-          <a:bodyPr/>
-          <a:lstStyle/>
-          <a:p>
-            <a:pPr lvl="0">
+              <a:lnSpc>
+                <a:spcPct val="100000"/>
+              </a:lnSpc>
               <a:defRPr sz="1800"/>
             </a:pPr>
             <a:r>
@@ -1394,6 +1601,9 @@
           </a:p>
           <a:p>
             <a:pPr lvl="0">
+              <a:lnSpc>
+                <a:spcPct val="100000"/>
+              </a:lnSpc>
               <a:defRPr sz="1800"/>
             </a:pPr>
             <a:endParaRPr sz="1200">
@@ -1405,6 +1615,9 @@
           </a:p>
           <a:p>
             <a:pPr lvl="0">
+              <a:lnSpc>
+                <a:spcPct val="100000"/>
+              </a:lnSpc>
               <a:defRPr sz="1800"/>
             </a:pPr>
             <a:r>
@@ -1425,6 +1638,9 @@
           </a:p>
           <a:p>
             <a:pPr lvl="0">
+              <a:lnSpc>
+                <a:spcPct val="100000"/>
+              </a:lnSpc>
               <a:defRPr sz="1800"/>
             </a:pPr>
             <a:endParaRPr sz="1200">
@@ -1436,6 +1652,9 @@
           </a:p>
           <a:p>
             <a:pPr lvl="0">
+              <a:lnSpc>
+                <a:spcPct val="100000"/>
+              </a:lnSpc>
               <a:defRPr sz="1800"/>
             </a:pPr>
             <a:r>
@@ -1456,6 +1675,9 @@
           </a:p>
           <a:p>
             <a:pPr lvl="0">
+              <a:lnSpc>
+                <a:spcPct val="100000"/>
+              </a:lnSpc>
               <a:defRPr sz="1800"/>
             </a:pPr>
             <a:endParaRPr sz="1200">
@@ -1467,6 +1689,9 @@
           </a:p>
           <a:p>
             <a:pPr lvl="0">
+              <a:lnSpc>
+                <a:spcPct val="100000"/>
+              </a:lnSpc>
               <a:defRPr sz="1800"/>
             </a:pPr>
             <a:r>
@@ -1487,6 +1712,9 @@
           </a:p>
           <a:p>
             <a:pPr lvl="0">
+              <a:lnSpc>
+                <a:spcPct val="100000"/>
+              </a:lnSpc>
               <a:defRPr sz="1800"/>
             </a:pPr>
             <a:endParaRPr sz="1200">
@@ -1498,6 +1726,9 @@
           </a:p>
           <a:p>
             <a:pPr lvl="0">
+              <a:lnSpc>
+                <a:spcPct val="100000"/>
+              </a:lnSpc>
               <a:defRPr sz="1800"/>
             </a:pPr>
             <a:r>
@@ -1518,6 +1749,9 @@
           </a:p>
           <a:p>
             <a:pPr lvl="0">
+              <a:lnSpc>
+                <a:spcPct val="100000"/>
+              </a:lnSpc>
               <a:defRPr sz="1800"/>
             </a:pPr>
             <a:endParaRPr sz="1200">
@@ -1529,6 +1763,9 @@
           </a:p>
           <a:p>
             <a:pPr lvl="0">
+              <a:lnSpc>
+                <a:spcPct val="100000"/>
+              </a:lnSpc>
               <a:defRPr sz="1800"/>
             </a:pPr>
             <a:r>
@@ -1549,6 +1786,9 @@
           </a:p>
           <a:p>
             <a:pPr lvl="0">
+              <a:lnSpc>
+                <a:spcPct val="100000"/>
+              </a:lnSpc>
               <a:defRPr sz="1800"/>
             </a:pPr>
             <a:endParaRPr sz="1200">
@@ -1560,6 +1800,9 @@
           </a:p>
           <a:p>
             <a:pPr lvl="0">
+              <a:lnSpc>
+                <a:spcPct val="100000"/>
+              </a:lnSpc>
               <a:defRPr sz="1800"/>
             </a:pPr>
             <a:r>
@@ -1580,6 +1823,9 @@
           </a:p>
           <a:p>
             <a:pPr lvl="0">
+              <a:lnSpc>
+                <a:spcPct val="100000"/>
+              </a:lnSpc>
               <a:defRPr sz="1800"/>
             </a:pPr>
             <a:endParaRPr sz="1200">
@@ -1591,6 +1837,9 @@
           </a:p>
           <a:p>
             <a:pPr lvl="0">
+              <a:lnSpc>
+                <a:spcPct val="100000"/>
+              </a:lnSpc>
               <a:defRPr sz="1800"/>
             </a:pPr>
             <a:endParaRPr sz="1200">
@@ -1599,98 +1848,6 @@
               <a:cs typeface="Trebuchet MS"/>
               <a:sym typeface="Trebuchet MS"/>
             </a:endParaRPr>
-          </a:p>
-          <a:p>
-            <a:pPr lvl="0">
-              <a:defRPr sz="1800"/>
-            </a:pPr>
-            <a:endParaRPr sz="1200">
-              <a:latin typeface="Trebuchet MS"/>
-              <a:ea typeface="Trebuchet MS"/>
-              <a:cs typeface="Trebuchet MS"/>
-              <a:sym typeface="Trebuchet MS"/>
-            </a:endParaRPr>
-          </a:p>
-        </p:txBody>
-      </p:sp>
-    </p:spTree>
-  </p:cSld>
-  <p:clrMapOvr>
-    <a:masterClrMapping/>
-  </p:clrMapOvr>
-</p:notes>
-</file>
-
-<file path=ppt/notesSlides/notesSlide9.xml><?xml version="1.0" encoding="utf-8"?>
-<p:notes xmlns:a="http://schemas.openxmlformats.org/drawingml/2006/main" xmlns:r="http://schemas.openxmlformats.org/officeDocument/2006/relationships" xmlns:p="http://schemas.openxmlformats.org/presentationml/2006/main" showMasterSp="1" showMasterPhAnim="1">
-  <p:cSld>
-    <p:spTree>
-      <p:nvGrpSpPr>
-        <p:cNvPr id="1" name=""/>
-        <p:cNvGrpSpPr/>
-        <p:nvPr/>
-      </p:nvGrpSpPr>
-      <p:grpSpPr>
-        <a:xfrm>
-          <a:off x="0" y="0"/>
-          <a:ext cx="0" cy="0"/>
-          <a:chOff x="0" y="0"/>
-          <a:chExt cx="0" cy="0"/>
-        </a:xfrm>
-      </p:grpSpPr>
-      <p:sp>
-        <p:nvSpPr>
-          <p:cNvPr id="155" name="Shape 155"/>
-          <p:cNvSpPr/>
-          <p:nvPr>
-            <p:ph type="sldImg"/>
-          </p:nvPr>
-        </p:nvSpPr>
-        <p:spPr>
-          <a:prstGeom prst="rect">
-            <a:avLst/>
-          </a:prstGeom>
-        </p:spPr>
-        <p:txBody>
-          <a:bodyPr/>
-          <a:lstStyle/>
-          <a:p>
-            <a:pPr lvl="0"/>
-          </a:p>
-        </p:txBody>
-      </p:sp>
-      <p:sp>
-        <p:nvSpPr>
-          <p:cNvPr id="156" name="Shape 156"/>
-          <p:cNvSpPr/>
-          <p:nvPr>
-            <p:ph type="body" sz="quarter" idx="1"/>
-          </p:nvPr>
-        </p:nvSpPr>
-        <p:spPr>
-          <a:prstGeom prst="rect">
-            <a:avLst/>
-          </a:prstGeom>
-        </p:spPr>
-        <p:txBody>
-          <a:bodyPr/>
-          <a:lstStyle>
-            <a:lvl1pPr>
-              <a:defRPr u="sng">
-                <a:hlinkClick r:id="rId3" invalidUrl="" action="" tgtFrame="" tooltip="" history="1" highlightClick="0" endSnd="0"/>
-              </a:defRPr>
-            </a:lvl1pPr>
-          </a:lstStyle>
-          <a:p>
-            <a:pPr lvl="0">
-              <a:defRPr sz="1800" u="none"/>
-            </a:pPr>
-            <a:r>
-              <a:rPr sz="1600" u="sng">
-                <a:hlinkClick r:id="rId3" invalidUrl="" action="" tgtFrame="" tooltip="" history="1" highlightClick="0" endSnd="0"/>
-              </a:rPr>
-              <a:t>http://developer.android.com/guide/topics/resources/providing-resources.html</a:t>
-            </a:r>
           </a:p>
         </p:txBody>
       </p:sp>
@@ -1721,7 +1878,7 @@
       </p:grpSpPr>
       <p:pic>
         <p:nvPicPr>
-          <p:cNvPr id="8" name="image4.png"/>
+          <p:cNvPr id="8" name="image3.png"/>
           <p:cNvPicPr/>
           <p:nvPr/>
         </p:nvPicPr>
@@ -1748,7 +1905,7 @@
       </p:pic>
       <p:pic>
         <p:nvPicPr>
-          <p:cNvPr id="9" name="image5.png"/>
+          <p:cNvPr id="9" name="image2.png"/>
           <p:cNvPicPr/>
           <p:nvPr/>
         </p:nvPicPr>
@@ -1791,7 +1948,7 @@
         <p:spPr>
           <a:xfrm>
             <a:off x="571500" y="0"/>
-            <a:ext cx="8001000" cy="4101167"/>
+            <a:ext cx="8001000" cy="4101168"/>
           </a:xfrm>
           <a:prstGeom prst="rect">
             <a:avLst/>
@@ -1843,7 +2000,7 @@
               <a:buFontTx/>
               <a:buNone/>
             </a:lvl1pPr>
-            <a:lvl2pPr marL="0" indent="457200" algn="ctr">
+            <a:lvl2pPr marL="0" indent="0" algn="ctr">
               <a:spcBef>
                 <a:spcPts val="0"/>
               </a:spcBef>
@@ -1851,7 +2008,7 @@
               <a:buFontTx/>
               <a:buNone/>
             </a:lvl2pPr>
-            <a:lvl3pPr marL="0" indent="914400" algn="ctr">
+            <a:lvl3pPr marL="0" indent="0" algn="ctr">
               <a:spcBef>
                 <a:spcPts val="0"/>
               </a:spcBef>
@@ -1859,7 +2016,7 @@
               <a:buFontTx/>
               <a:buNone/>
             </a:lvl3pPr>
-            <a:lvl4pPr marL="0" indent="1371600" algn="ctr">
+            <a:lvl4pPr marL="0" indent="0" algn="ctr">
               <a:spcBef>
                 <a:spcPts val="0"/>
               </a:spcBef>
@@ -1867,7 +2024,7 @@
               <a:buFontTx/>
               <a:buNone/>
             </a:lvl4pPr>
-            <a:lvl5pPr marL="0" indent="1828800" algn="ctr">
+            <a:lvl5pPr marL="0" indent="0" algn="ctr">
               <a:spcBef>
                 <a:spcPts val="0"/>
               </a:spcBef>
@@ -1977,7 +2134,7 @@
       </p:grpSpPr>
       <p:pic>
         <p:nvPicPr>
-          <p:cNvPr id="54" name="image3.png"/>
+          <p:cNvPr id="54" name="image1.png"/>
           <p:cNvPicPr/>
           <p:nvPr/>
         </p:nvPicPr>
@@ -2004,7 +2161,7 @@
       </p:pic>
       <p:pic>
         <p:nvPicPr>
-          <p:cNvPr id="55" name="image7.png"/>
+          <p:cNvPr id="55" name="image5.png"/>
           <p:cNvPicPr/>
           <p:nvPr/>
         </p:nvPicPr>
@@ -2019,7 +2176,7 @@
         <p:spPr>
           <a:xfrm>
             <a:off x="1222898" y="2305609"/>
-            <a:ext cx="2495551" cy="95251"/>
+            <a:ext cx="2495551" cy="95252"/>
           </a:xfrm>
           <a:prstGeom prst="rect">
             <a:avLst/>
@@ -2038,7 +2195,7 @@
       </p:pic>
       <p:pic>
         <p:nvPicPr>
-          <p:cNvPr id="56" name="image8.png"/>
+          <p:cNvPr id="56" name="image6.png"/>
           <p:cNvPicPr/>
           <p:nvPr/>
         </p:nvPicPr>
@@ -2053,7 +2210,7 @@
         <p:spPr>
           <a:xfrm rot="308221">
             <a:off x="6798019" y="538594"/>
-            <a:ext cx="1808486" cy="516710"/>
+            <a:ext cx="1808487" cy="516710"/>
           </a:xfrm>
           <a:prstGeom prst="rect">
             <a:avLst/>
@@ -2074,7 +2231,7 @@
         <p:spPr>
           <a:xfrm>
             <a:off x="594359" y="0"/>
-            <a:ext cx="3749042" cy="2144537"/>
+            <a:ext cx="3749043" cy="2144537"/>
           </a:xfrm>
           <a:prstGeom prst="rect">
             <a:avLst/>
@@ -2109,7 +2266,7 @@
         <p:spPr>
           <a:xfrm>
             <a:off x="594359" y="2551176"/>
-            <a:ext cx="3749042" cy="4306824"/>
+            <a:ext cx="3749043" cy="4306824"/>
           </a:xfrm>
           <a:prstGeom prst="rect">
             <a:avLst/>
@@ -2127,7 +2284,7 @@
               <a:buNone/>
               <a:defRPr sz="1800"/>
             </a:lvl1pPr>
-            <a:lvl2pPr marL="0" indent="457200" algn="ctr">
+            <a:lvl2pPr marL="0" indent="0" algn="ctr">
               <a:spcBef>
                 <a:spcPts val="1800"/>
               </a:spcBef>
@@ -2136,7 +2293,7 @@
               <a:buNone/>
               <a:defRPr sz="1800"/>
             </a:lvl2pPr>
-            <a:lvl3pPr marL="0" indent="914400" algn="ctr">
+            <a:lvl3pPr marL="0" indent="0" algn="ctr">
               <a:spcBef>
                 <a:spcPts val="1800"/>
               </a:spcBef>
@@ -2145,7 +2302,7 @@
               <a:buNone/>
               <a:defRPr sz="1800"/>
             </a:lvl3pPr>
-            <a:lvl4pPr marL="0" indent="1371600" algn="ctr">
+            <a:lvl4pPr marL="0" indent="0" algn="ctr">
               <a:spcBef>
                 <a:spcPts val="1800"/>
               </a:spcBef>
@@ -2154,7 +2311,7 @@
               <a:buNone/>
               <a:defRPr sz="1800"/>
             </a:lvl4pPr>
-            <a:lvl5pPr marL="0" indent="1828800" algn="ctr">
+            <a:lvl5pPr marL="0" indent="0" algn="ctr">
               <a:spcBef>
                 <a:spcPts val="1800"/>
               </a:spcBef>
@@ -2246,7 +2403,7 @@
       </p:grpSpPr>
       <p:pic>
         <p:nvPicPr>
-          <p:cNvPr id="61" name="image4.png"/>
+          <p:cNvPr id="61" name="image3.png"/>
           <p:cNvPicPr/>
           <p:nvPr/>
         </p:nvPicPr>
@@ -2273,7 +2430,7 @@
       </p:pic>
       <p:pic>
         <p:nvPicPr>
-          <p:cNvPr id="62" name="image7.png"/>
+          <p:cNvPr id="62" name="image5.png"/>
           <p:cNvPicPr/>
           <p:nvPr/>
         </p:nvPicPr>
@@ -2288,7 +2445,7 @@
         <p:spPr>
           <a:xfrm>
             <a:off x="3324225" y="4666129"/>
-            <a:ext cx="2495550" cy="95251"/>
+            <a:ext cx="2495550" cy="95252"/>
           </a:xfrm>
           <a:prstGeom prst="rect">
             <a:avLst/>
@@ -2315,8 +2472,8 @@
         </p:nvSpPr>
         <p:spPr>
           <a:xfrm>
-            <a:off x="571500" y="1210324"/>
-            <a:ext cx="8001000" cy="3424430"/>
+            <a:off x="571500" y="0"/>
+            <a:ext cx="8001000" cy="4634755"/>
           </a:xfrm>
           <a:prstGeom prst="rect">
             <a:avLst/>
@@ -2369,7 +2526,7 @@
               <a:buNone/>
               <a:defRPr sz="1800"/>
             </a:lvl1pPr>
-            <a:lvl2pPr marL="0" indent="457200" algn="ctr">
+            <a:lvl2pPr marL="0" indent="0" algn="ctr">
               <a:spcBef>
                 <a:spcPts val="1800"/>
               </a:spcBef>
@@ -2378,7 +2535,7 @@
               <a:buNone/>
               <a:defRPr sz="1800"/>
             </a:lvl2pPr>
-            <a:lvl3pPr marL="0" indent="914400" algn="ctr">
+            <a:lvl3pPr marL="0" indent="0" algn="ctr">
               <a:spcBef>
                 <a:spcPts val="1800"/>
               </a:spcBef>
@@ -2387,7 +2544,7 @@
               <a:buNone/>
               <a:defRPr sz="1800"/>
             </a:lvl3pPr>
-            <a:lvl4pPr marL="0" indent="1371600" algn="ctr">
+            <a:lvl4pPr marL="0" indent="0" algn="ctr">
               <a:spcBef>
                 <a:spcPts val="1800"/>
               </a:spcBef>
@@ -2396,7 +2553,7 @@
               <a:buNone/>
               <a:defRPr sz="1800"/>
             </a:lvl4pPr>
-            <a:lvl5pPr marL="0" indent="1828800" algn="ctr">
+            <a:lvl5pPr marL="0" indent="0" algn="ctr">
               <a:spcBef>
                 <a:spcPts val="1800"/>
               </a:spcBef>
@@ -2488,7 +2645,7 @@
       </p:grpSpPr>
       <p:pic>
         <p:nvPicPr>
-          <p:cNvPr id="67" name="image4.png"/>
+          <p:cNvPr id="67" name="image3.png"/>
           <p:cNvPicPr/>
           <p:nvPr/>
         </p:nvPicPr>
@@ -2515,7 +2672,7 @@
       </p:pic>
       <p:pic>
         <p:nvPicPr>
-          <p:cNvPr id="68" name="image8.png"/>
+          <p:cNvPr id="68" name="image6.png"/>
           <p:cNvPicPr/>
           <p:nvPr/>
         </p:nvPicPr>
@@ -2530,7 +2687,7 @@
         <p:spPr>
           <a:xfrm rot="308221">
             <a:off x="6835967" y="278688"/>
-            <a:ext cx="1695955" cy="484559"/>
+            <a:ext cx="1695956" cy="484559"/>
           </a:xfrm>
           <a:prstGeom prst="rect">
             <a:avLst/>
@@ -2542,7 +2699,7 @@
       </p:pic>
       <p:pic>
         <p:nvPicPr>
-          <p:cNvPr id="69" name="image7.png"/>
+          <p:cNvPr id="69" name="image5.png"/>
           <p:cNvPicPr/>
           <p:nvPr/>
         </p:nvPicPr>
@@ -2557,7 +2714,7 @@
         <p:spPr>
           <a:xfrm>
             <a:off x="3324225" y="4666129"/>
-            <a:ext cx="2495550" cy="95251"/>
+            <a:ext cx="2495550" cy="95252"/>
           </a:xfrm>
           <a:prstGeom prst="rect">
             <a:avLst/>
@@ -2576,7 +2733,7 @@
       </p:pic>
       <p:pic>
         <p:nvPicPr>
-          <p:cNvPr id="70" name="image8.png"/>
+          <p:cNvPr id="70" name="image6.png"/>
           <p:cNvPicPr/>
           <p:nvPr/>
         </p:nvPicPr>
@@ -2590,8 +2747,8 @@
         </p:blipFill>
         <p:spPr>
           <a:xfrm rot="20785256">
-            <a:off x="2866027" y="3182425"/>
-            <a:ext cx="1695956" cy="484559"/>
+            <a:off x="2866026" y="3182424"/>
+            <a:ext cx="1695957" cy="484560"/>
           </a:xfrm>
           <a:prstGeom prst="rect">
             <a:avLst/>
@@ -2611,8 +2768,8 @@
         </p:nvSpPr>
         <p:spPr>
           <a:xfrm>
-            <a:off x="571500" y="1210324"/>
-            <a:ext cx="8001000" cy="3424430"/>
+            <a:off x="571500" y="0"/>
+            <a:ext cx="8001000" cy="4634755"/>
           </a:xfrm>
           <a:prstGeom prst="rect">
             <a:avLst/>
@@ -2665,7 +2822,7 @@
               <a:buNone/>
               <a:defRPr sz="1800"/>
             </a:lvl1pPr>
-            <a:lvl2pPr marL="0" indent="457200" algn="ctr">
+            <a:lvl2pPr marL="0" indent="0" algn="ctr">
               <a:spcBef>
                 <a:spcPts val="1800"/>
               </a:spcBef>
@@ -2674,7 +2831,7 @@
               <a:buNone/>
               <a:defRPr sz="1800"/>
             </a:lvl2pPr>
-            <a:lvl3pPr marL="0" indent="914400" algn="ctr">
+            <a:lvl3pPr marL="0" indent="0" algn="ctr">
               <a:spcBef>
                 <a:spcPts val="1800"/>
               </a:spcBef>
@@ -2683,7 +2840,7 @@
               <a:buNone/>
               <a:defRPr sz="1800"/>
             </a:lvl3pPr>
-            <a:lvl4pPr marL="0" indent="1371600" algn="ctr">
+            <a:lvl4pPr marL="0" indent="0" algn="ctr">
               <a:spcBef>
                 <a:spcPts val="1800"/>
               </a:spcBef>
@@ -2692,7 +2849,7 @@
               <a:buNone/>
               <a:defRPr sz="1800"/>
             </a:lvl4pPr>
-            <a:lvl5pPr marL="0" indent="1828800" algn="ctr">
+            <a:lvl5pPr marL="0" indent="0" algn="ctr">
               <a:spcBef>
                 <a:spcPts val="1800"/>
               </a:spcBef>
@@ -2784,7 +2941,7 @@
       </p:grpSpPr>
       <p:pic>
         <p:nvPicPr>
-          <p:cNvPr id="75" name="image4.png"/>
+          <p:cNvPr id="75" name="image3.png"/>
           <p:cNvPicPr/>
           <p:nvPr/>
         </p:nvPicPr>
@@ -2820,7 +2977,7 @@
         <p:spPr>
           <a:xfrm rot="21240000">
             <a:off x="4717562" y="3396153"/>
-            <a:ext cx="3474721" cy="1097281"/>
+            <a:ext cx="3474721" cy="1097282"/>
           </a:xfrm>
           <a:prstGeom prst="rect">
             <a:avLst/>
@@ -2863,7 +3020,7 @@
         <p:spPr>
           <a:xfrm>
             <a:off x="4983479" y="4800600"/>
-            <a:ext cx="3246121" cy="1188720"/>
+            <a:ext cx="3246122" cy="1188720"/>
           </a:xfrm>
           <a:prstGeom prst="rect">
             <a:avLst/>
@@ -2886,7 +3043,7 @@
                 <a:sym typeface="Noteworthy Light"/>
               </a:defRPr>
             </a:lvl1pPr>
-            <a:lvl2pPr marL="0" indent="457200" algn="ctr">
+            <a:lvl2pPr marL="0" indent="0" algn="ctr">
               <a:spcBef>
                 <a:spcPts val="1800"/>
               </a:spcBef>
@@ -2900,7 +3057,7 @@
                 <a:sym typeface="Noteworthy Light"/>
               </a:defRPr>
             </a:lvl2pPr>
-            <a:lvl3pPr marL="0" indent="914400" algn="ctr">
+            <a:lvl3pPr marL="0" indent="0" algn="ctr">
               <a:spcBef>
                 <a:spcPts val="1800"/>
               </a:spcBef>
@@ -2914,7 +3071,7 @@
                 <a:sym typeface="Noteworthy Light"/>
               </a:defRPr>
             </a:lvl3pPr>
-            <a:lvl4pPr marL="0" indent="1371600" algn="ctr">
+            <a:lvl4pPr marL="0" indent="0" algn="ctr">
               <a:spcBef>
                 <a:spcPts val="1800"/>
               </a:spcBef>
@@ -2928,7 +3085,7 @@
                 <a:sym typeface="Noteworthy Light"/>
               </a:defRPr>
             </a:lvl4pPr>
-            <a:lvl5pPr marL="0" indent="1828800" algn="ctr">
+            <a:lvl5pPr marL="0" indent="0" algn="ctr">
               <a:spcBef>
                 <a:spcPts val="1800"/>
               </a:spcBef>
@@ -3044,7 +3201,7 @@
       </p:grpSpPr>
       <p:pic>
         <p:nvPicPr>
-          <p:cNvPr id="80" name="image4.png"/>
+          <p:cNvPr id="80" name="image3.png"/>
           <p:cNvPicPr/>
           <p:nvPr/>
         </p:nvPicPr>
@@ -3071,7 +3228,7 @@
       </p:pic>
       <p:pic>
         <p:nvPicPr>
-          <p:cNvPr id="81" name="image8.png"/>
+          <p:cNvPr id="81" name="image6.png"/>
           <p:cNvPicPr/>
           <p:nvPr/>
         </p:nvPicPr>
@@ -3086,7 +3243,7 @@
         <p:spPr>
           <a:xfrm rot="308221">
             <a:off x="7428514" y="2619243"/>
-            <a:ext cx="1580738" cy="451640"/>
+            <a:ext cx="1580739" cy="451641"/>
           </a:xfrm>
           <a:prstGeom prst="rect">
             <a:avLst/>
@@ -3098,7 +3255,7 @@
       </p:pic>
       <p:pic>
         <p:nvPicPr>
-          <p:cNvPr id="82" name="image6.png"/>
+          <p:cNvPr id="82" name="image4.png"/>
           <p:cNvPicPr/>
           <p:nvPr/>
         </p:nvPicPr>
@@ -3112,8 +3269,8 @@
         </p:blipFill>
         <p:spPr>
           <a:xfrm rot="322260">
-            <a:off x="6339645" y="604321"/>
-            <a:ext cx="1610333" cy="2025115"/>
+            <a:off x="6339644" y="604321"/>
+            <a:ext cx="1610334" cy="2025115"/>
           </a:xfrm>
           <a:prstGeom prst="rect">
             <a:avLst/>
@@ -3125,7 +3282,7 @@
       </p:pic>
       <p:pic>
         <p:nvPicPr>
-          <p:cNvPr id="83" name="image6.png"/>
+          <p:cNvPr id="83" name="image4.png"/>
           <p:cNvPicPr/>
           <p:nvPr/>
         </p:nvPicPr>
@@ -3139,8 +3296,8 @@
         </p:blipFill>
         <p:spPr>
           <a:xfrm rot="322260">
-            <a:off x="4891845" y="985320"/>
-            <a:ext cx="1610333" cy="2025116"/>
+            <a:off x="4891844" y="985319"/>
+            <a:ext cx="1610334" cy="2025117"/>
           </a:xfrm>
           <a:prstGeom prst="rect">
             <a:avLst/>
@@ -3160,8 +3317,8 @@
         </p:nvSpPr>
         <p:spPr>
           <a:xfrm rot="21240000">
-            <a:off x="455724" y="3551614"/>
-            <a:ext cx="3474721" cy="1097282"/>
+            <a:off x="455724" y="3551613"/>
+            <a:ext cx="3474721" cy="1097283"/>
           </a:xfrm>
           <a:prstGeom prst="rect">
             <a:avLst/>
@@ -3227,7 +3384,7 @@
                 <a:sym typeface="Noteworthy Light"/>
               </a:defRPr>
             </a:lvl1pPr>
-            <a:lvl2pPr marL="0" indent="457200" algn="ctr">
+            <a:lvl2pPr marL="0" indent="0" algn="ctr">
               <a:spcBef>
                 <a:spcPts val="1800"/>
               </a:spcBef>
@@ -3241,7 +3398,7 @@
                 <a:sym typeface="Noteworthy Light"/>
               </a:defRPr>
             </a:lvl2pPr>
-            <a:lvl3pPr marL="0" indent="914400" algn="ctr">
+            <a:lvl3pPr marL="0" indent="0" algn="ctr">
               <a:spcBef>
                 <a:spcPts val="1800"/>
               </a:spcBef>
@@ -3255,7 +3412,7 @@
                 <a:sym typeface="Noteworthy Light"/>
               </a:defRPr>
             </a:lvl3pPr>
-            <a:lvl4pPr marL="0" indent="1371600" algn="ctr">
+            <a:lvl4pPr marL="0" indent="0" algn="ctr">
               <a:spcBef>
                 <a:spcPts val="1800"/>
               </a:spcBef>
@@ -3269,7 +3426,7 @@
                 <a:sym typeface="Noteworthy Light"/>
               </a:defRPr>
             </a:lvl4pPr>
-            <a:lvl5pPr marL="0" indent="1828800" algn="ctr">
+            <a:lvl5pPr marL="0" indent="0" algn="ctr">
               <a:spcBef>
                 <a:spcPts val="1800"/>
               </a:spcBef>
@@ -3527,7 +3684,7 @@
       </p:grpSpPr>
       <p:pic>
         <p:nvPicPr>
-          <p:cNvPr id="92" name="image3.png"/>
+          <p:cNvPr id="92" name="image1.png"/>
           <p:cNvPicPr/>
           <p:nvPr/>
         </p:nvPicPr>
@@ -3554,7 +3711,7 @@
       </p:pic>
       <p:pic>
         <p:nvPicPr>
-          <p:cNvPr id="93" name="image9.png"/>
+          <p:cNvPr id="93" name="image7.png"/>
           <p:cNvPicPr/>
           <p:nvPr/>
         </p:nvPicPr>
@@ -3569,7 +3726,7 @@
         <p:spPr>
           <a:xfrm>
             <a:off x="6512859" y="1562100"/>
-            <a:ext cx="152401" cy="3733800"/>
+            <a:ext cx="152402" cy="3733800"/>
           </a:xfrm>
           <a:prstGeom prst="rect">
             <a:avLst/>
@@ -3597,7 +3754,7 @@
         <p:spPr>
           <a:xfrm>
             <a:off x="6696633" y="0"/>
-            <a:ext cx="1882590" cy="6616700"/>
+            <a:ext cx="1882591" cy="6616700"/>
           </a:xfrm>
           <a:prstGeom prst="rect">
             <a:avLst/>
@@ -3632,7 +3789,7 @@
         <p:spPr>
           <a:xfrm>
             <a:off x="578224" y="577848"/>
-            <a:ext cx="5768789" cy="6280153"/>
+            <a:ext cx="5768789" cy="6280154"/>
           </a:xfrm>
           <a:prstGeom prst="rect">
             <a:avLst/>
@@ -3762,7 +3919,7 @@
       </p:grpSpPr>
       <p:pic>
         <p:nvPicPr>
-          <p:cNvPr id="98" name="image1.png" descr="TextPageOverlay.png"/>
+          <p:cNvPr id="98" name="image8.png" descr="TextPageOverlay.png"/>
           <p:cNvPicPr/>
           <p:nvPr/>
         </p:nvPicPr>
@@ -3839,8 +3996,8 @@
         </p:nvSpPr>
         <p:spPr>
           <a:xfrm>
-            <a:off x="4046220" y="6206695"/>
-            <a:ext cx="1051562" cy="269239"/>
+            <a:off x="4046220" y="6206694"/>
+            <a:ext cx="1051563" cy="269237"/>
           </a:xfrm>
           <a:prstGeom prst="rect">
             <a:avLst/>
@@ -4036,7 +4193,7 @@
       </p:grpSpPr>
       <p:pic>
         <p:nvPicPr>
-          <p:cNvPr id="18" name="image4.png"/>
+          <p:cNvPr id="18" name="image3.png"/>
           <p:cNvPicPr/>
           <p:nvPr/>
         </p:nvPicPr>
@@ -4063,7 +4220,7 @@
       </p:pic>
       <p:pic>
         <p:nvPicPr>
-          <p:cNvPr id="19" name="image5.png"/>
+          <p:cNvPr id="19" name="image2.png"/>
           <p:cNvPicPr/>
           <p:nvPr/>
         </p:nvPicPr>
@@ -4097,7 +4254,7 @@
       </p:pic>
       <p:pic>
         <p:nvPicPr>
-          <p:cNvPr id="20" name="image6.png"/>
+          <p:cNvPr id="20" name="image4.png"/>
           <p:cNvPicPr/>
           <p:nvPr/>
         </p:nvPicPr>
@@ -4112,7 +4269,7 @@
         <p:spPr>
           <a:xfrm rot="21366660">
             <a:off x="5138373" y="599839"/>
-            <a:ext cx="1610333" cy="2025115"/>
+            <a:ext cx="1610334" cy="2025115"/>
           </a:xfrm>
           <a:prstGeom prst="rect">
             <a:avLst/>
@@ -4124,7 +4281,7 @@
       </p:pic>
       <p:pic>
         <p:nvPicPr>
-          <p:cNvPr id="21" name="image6.png"/>
+          <p:cNvPr id="21" name="image4.png"/>
           <p:cNvPicPr/>
           <p:nvPr/>
         </p:nvPicPr>
@@ -4138,8 +4295,8 @@
         </p:blipFill>
         <p:spPr>
           <a:xfrm rot="21329777">
-            <a:off x="2072771" y="555386"/>
-            <a:ext cx="1610333" cy="2025115"/>
+            <a:off x="2072770" y="555386"/>
+            <a:ext cx="1610334" cy="2025115"/>
           </a:xfrm>
           <a:prstGeom prst="rect">
             <a:avLst/>
@@ -4151,7 +4308,7 @@
       </p:pic>
       <p:pic>
         <p:nvPicPr>
-          <p:cNvPr id="22" name="image6.png"/>
+          <p:cNvPr id="22" name="image4.png"/>
           <p:cNvPicPr/>
           <p:nvPr/>
         </p:nvPicPr>
@@ -4165,8 +4322,8 @@
         </p:blipFill>
         <p:spPr>
           <a:xfrm rot="151791">
-            <a:off x="3591962" y="936014"/>
-            <a:ext cx="1610333" cy="2025116"/>
+            <a:off x="3591962" y="936013"/>
+            <a:ext cx="1610334" cy="2025117"/>
           </a:xfrm>
           <a:prstGeom prst="rect">
             <a:avLst/>
@@ -4186,8 +4343,8 @@
         </p:nvSpPr>
         <p:spPr>
           <a:xfrm>
-            <a:off x="571500" y="342900"/>
-            <a:ext cx="8001000" cy="4139267"/>
+            <a:off x="571500" y="0"/>
+            <a:ext cx="8001000" cy="4482168"/>
           </a:xfrm>
           <a:prstGeom prst="rect">
             <a:avLst/>
@@ -4239,7 +4396,7 @@
               <a:buFontTx/>
               <a:buNone/>
             </a:lvl1pPr>
-            <a:lvl2pPr marL="0" indent="457200" algn="ctr">
+            <a:lvl2pPr marL="0" indent="0" algn="ctr">
               <a:spcBef>
                 <a:spcPts val="0"/>
               </a:spcBef>
@@ -4247,7 +4404,7 @@
               <a:buFontTx/>
               <a:buNone/>
             </a:lvl2pPr>
-            <a:lvl3pPr marL="0" indent="914400" algn="ctr">
+            <a:lvl3pPr marL="0" indent="0" algn="ctr">
               <a:spcBef>
                 <a:spcPts val="0"/>
               </a:spcBef>
@@ -4255,7 +4412,7 @@
               <a:buFontTx/>
               <a:buNone/>
             </a:lvl3pPr>
-            <a:lvl4pPr marL="0" indent="1371600" algn="ctr">
+            <a:lvl4pPr marL="0" indent="0" algn="ctr">
               <a:spcBef>
                 <a:spcPts val="0"/>
               </a:spcBef>
@@ -4263,7 +4420,7 @@
               <a:buFontTx/>
               <a:buNone/>
             </a:lvl4pPr>
-            <a:lvl5pPr marL="0" indent="1828800" algn="ctr">
+            <a:lvl5pPr marL="0" indent="0" algn="ctr">
               <a:spcBef>
                 <a:spcPts val="0"/>
               </a:spcBef>
@@ -4373,7 +4530,7 @@
       </p:grpSpPr>
       <p:pic>
         <p:nvPicPr>
-          <p:cNvPr id="27" name="image3.png"/>
+          <p:cNvPr id="27" name="image1.png"/>
           <p:cNvPicPr/>
           <p:nvPr/>
         </p:nvPicPr>
@@ -4400,7 +4557,7 @@
       </p:pic>
       <p:pic>
         <p:nvPicPr>
-          <p:cNvPr id="28" name="image5.png"/>
+          <p:cNvPr id="28" name="image2.png"/>
           <p:cNvPicPr/>
           <p:nvPr/>
         </p:nvPicPr>
@@ -4478,7 +4635,7 @@
         <p:spPr>
           <a:xfrm>
             <a:off x="571500" y="3644153"/>
-            <a:ext cx="8001000" cy="2548219"/>
+            <a:ext cx="8001000" cy="3213847"/>
           </a:xfrm>
           <a:prstGeom prst="rect">
             <a:avLst/>
@@ -4496,7 +4653,7 @@
               <a:buNone/>
               <a:defRPr sz="2000"/>
             </a:lvl1pPr>
-            <a:lvl2pPr marL="0" indent="457200" algn="ctr">
+            <a:lvl2pPr marL="0" indent="0" algn="ctr">
               <a:spcBef>
                 <a:spcPts val="0"/>
               </a:spcBef>
@@ -4505,7 +4662,7 @@
               <a:buNone/>
               <a:defRPr sz="2000"/>
             </a:lvl2pPr>
-            <a:lvl3pPr marL="0" indent="914400" algn="ctr">
+            <a:lvl3pPr marL="0" indent="0" algn="ctr">
               <a:spcBef>
                 <a:spcPts val="0"/>
               </a:spcBef>
@@ -4514,7 +4671,7 @@
               <a:buNone/>
               <a:defRPr sz="2000"/>
             </a:lvl3pPr>
-            <a:lvl4pPr marL="0" indent="1371600" algn="ctr">
+            <a:lvl4pPr marL="0" indent="0" algn="ctr">
               <a:spcBef>
                 <a:spcPts val="0"/>
               </a:spcBef>
@@ -4523,7 +4680,7 @@
               <a:buNone/>
               <a:defRPr sz="2000"/>
             </a:lvl4pPr>
-            <a:lvl5pPr marL="0" indent="1828800" algn="ctr">
+            <a:lvl5pPr marL="0" indent="0" algn="ctr">
               <a:spcBef>
                 <a:spcPts val="0"/>
               </a:spcBef>
@@ -4670,7 +4827,7 @@
         <p:spPr>
           <a:xfrm>
             <a:off x="571500" y="1936750"/>
-            <a:ext cx="3749041" cy="4921251"/>
+            <a:ext cx="3749041" cy="4921252"/>
           </a:xfrm>
           <a:prstGeom prst="rect">
             <a:avLst/>
@@ -4819,8 +4976,8 @@
         </p:nvSpPr>
         <p:spPr>
           <a:xfrm>
-            <a:off x="571500" y="163704"/>
-            <a:ext cx="8001000" cy="1364868"/>
+            <a:off x="571500" y="163703"/>
+            <a:ext cx="8001000" cy="1364870"/>
           </a:xfrm>
           <a:prstGeom prst="rect">
             <a:avLst/>
@@ -4851,7 +5008,7 @@
         <p:spPr>
           <a:xfrm>
             <a:off x="571500" y="1528571"/>
-            <a:ext cx="3749041" cy="1332296"/>
+            <a:ext cx="3749041" cy="1332297"/>
           </a:xfrm>
           <a:prstGeom prst="rect">
             <a:avLst/>
@@ -4868,7 +5025,7 @@
               <a:buFontTx/>
               <a:buNone/>
             </a:lvl1pPr>
-            <a:lvl2pPr marL="0" indent="457200" algn="ctr">
+            <a:lvl2pPr marL="0" indent="0" algn="ctr">
               <a:spcBef>
                 <a:spcPts val="0"/>
               </a:spcBef>
@@ -4876,7 +5033,7 @@
               <a:buFontTx/>
               <a:buNone/>
             </a:lvl2pPr>
-            <a:lvl3pPr marL="0" indent="914400" algn="ctr">
+            <a:lvl3pPr marL="0" indent="0" algn="ctr">
               <a:spcBef>
                 <a:spcPts val="0"/>
               </a:spcBef>
@@ -4884,7 +5041,7 @@
               <a:buFontTx/>
               <a:buNone/>
             </a:lvl3pPr>
-            <a:lvl4pPr marL="0" indent="1371600" algn="ctr">
+            <a:lvl4pPr marL="0" indent="0" algn="ctr">
               <a:spcBef>
                 <a:spcPts val="0"/>
               </a:spcBef>
@@ -4892,7 +5049,7 @@
               <a:buFontTx/>
               <a:buNone/>
             </a:lvl4pPr>
-            <a:lvl5pPr marL="0" indent="1828800" algn="ctr">
+            <a:lvl5pPr marL="0" indent="0" algn="ctr">
               <a:spcBef>
                 <a:spcPts val="0"/>
               </a:spcBef>
@@ -5002,7 +5159,7 @@
       </p:grpSpPr>
       <p:pic>
         <p:nvPicPr>
-          <p:cNvPr id="41" name="image3.png"/>
+          <p:cNvPr id="41" name="image1.png"/>
           <p:cNvPicPr/>
           <p:nvPr/>
         </p:nvPicPr>
@@ -5037,8 +5194,8 @@
         </p:nvSpPr>
         <p:spPr>
           <a:xfrm>
-            <a:off x="571500" y="92076"/>
-            <a:ext cx="8001000" cy="1508125"/>
+            <a:off x="571500" y="0"/>
+            <a:ext cx="8001000" cy="1692277"/>
           </a:xfrm>
           <a:prstGeom prst="rect">
             <a:avLst/>
@@ -5108,7 +5265,7 @@
       </p:grpSpPr>
       <p:pic>
         <p:nvPicPr>
-          <p:cNvPr id="45" name="image3.png"/>
+          <p:cNvPr id="45" name="image1.png"/>
           <p:cNvPicPr/>
           <p:nvPr/>
         </p:nvPicPr>
@@ -5183,7 +5340,7 @@
       </p:grpSpPr>
       <p:pic>
         <p:nvPicPr>
-          <p:cNvPr id="48" name="image3.png"/>
+          <p:cNvPr id="48" name="image1.png"/>
           <p:cNvPicPr/>
           <p:nvPr/>
         </p:nvPicPr>
@@ -5210,7 +5367,7 @@
       </p:pic>
       <p:pic>
         <p:nvPicPr>
-          <p:cNvPr id="49" name="image7.png"/>
+          <p:cNvPr id="49" name="image5.png"/>
           <p:cNvPicPr/>
           <p:nvPr/>
         </p:nvPicPr>
@@ -5225,7 +5382,7 @@
         <p:spPr>
           <a:xfrm>
             <a:off x="1222898" y="2305609"/>
-            <a:ext cx="2495551" cy="95251"/>
+            <a:ext cx="2495551" cy="95252"/>
           </a:xfrm>
           <a:prstGeom prst="rect">
             <a:avLst/>
@@ -5288,7 +5445,7 @@
         <p:spPr>
           <a:xfrm>
             <a:off x="4827494" y="430306"/>
-            <a:ext cx="3749041" cy="6427695"/>
+            <a:ext cx="3749042" cy="6427695"/>
           </a:xfrm>
           <a:prstGeom prst="rect">
             <a:avLst/>
@@ -5413,7 +5570,7 @@
       </p:grpSpPr>
       <p:pic>
         <p:nvPicPr>
-          <p:cNvPr id="2" name="image3.png"/>
+          <p:cNvPr id="2" name="image1.png"/>
           <p:cNvPicPr/>
           <p:nvPr/>
         </p:nvPicPr>
@@ -5440,7 +5597,7 @@
       </p:pic>
       <p:pic>
         <p:nvPicPr>
-          <p:cNvPr id="3" name="image5.png"/>
+          <p:cNvPr id="3" name="image2.png"/>
           <p:cNvPicPr/>
           <p:nvPr/>
         </p:nvPicPr>
@@ -5498,7 +5655,7 @@
           </a:extLst>
         </p:spPr>
         <p:txBody>
-          <a:bodyPr lIns="45719" rIns="45719" anchor="ctr">
+          <a:bodyPr lIns="45718" tIns="45718" rIns="45718" bIns="45718" anchor="ctr">
             <a:normAutofit fontScale="100000" lnSpcReduction="0"/>
           </a:bodyPr>
           <a:lstStyle/>
@@ -5539,7 +5696,7 @@
           </a:extLst>
         </p:spPr>
         <p:txBody>
-          <a:bodyPr lIns="45719" rIns="45719">
+          <a:bodyPr lIns="45718" tIns="45718" rIns="45718" bIns="45718">
             <a:normAutofit fontScale="100000" lnSpcReduction="0"/>
           </a:bodyPr>
           <a:lstStyle/>
@@ -5604,8 +5761,8 @@
         </p:nvSpPr>
         <p:spPr>
           <a:xfrm>
-            <a:off x="4046220" y="6072075"/>
-            <a:ext cx="1051561" cy="269241"/>
+            <a:off x="4046220" y="5937454"/>
+            <a:ext cx="1051562" cy="269239"/>
           </a:xfrm>
           <a:prstGeom prst="rect">
             <a:avLst/>
@@ -5615,7 +5772,7 @@
           </a:ln>
         </p:spPr>
         <p:txBody>
-          <a:bodyPr lIns="45719" rIns="45719" anchor="ctr">
+          <a:bodyPr lIns="45718" tIns="45718" rIns="45718" bIns="45718" anchor="ctr">
             <a:normAutofit fontScale="100000" lnSpcReduction="0"/>
           </a:bodyPr>
           <a:lstStyle>
@@ -5660,74 +5817,74 @@
     <p:titleStyle>
       <a:lvl1pPr algn="ctr">
         <a:defRPr sz="5400">
-          <a:latin typeface="+mn-lt"/>
-          <a:ea typeface="+mn-ea"/>
-          <a:cs typeface="+mn-cs"/>
-          <a:sym typeface="Times Roman"/>
+          <a:latin typeface="Times"/>
+          <a:ea typeface="Times"/>
+          <a:cs typeface="Times"/>
+          <a:sym typeface="Times"/>
         </a:defRPr>
       </a:lvl1pPr>
-      <a:lvl2pPr indent="228600" algn="ctr">
+      <a:lvl2pPr algn="ctr">
         <a:defRPr sz="5400">
-          <a:latin typeface="+mn-lt"/>
-          <a:ea typeface="+mn-ea"/>
-          <a:cs typeface="+mn-cs"/>
-          <a:sym typeface="Times Roman"/>
+          <a:latin typeface="Times"/>
+          <a:ea typeface="Times"/>
+          <a:cs typeface="Times"/>
+          <a:sym typeface="Times"/>
         </a:defRPr>
       </a:lvl2pPr>
-      <a:lvl3pPr indent="457200" algn="ctr">
+      <a:lvl3pPr algn="ctr">
         <a:defRPr sz="5400">
-          <a:latin typeface="+mn-lt"/>
-          <a:ea typeface="+mn-ea"/>
-          <a:cs typeface="+mn-cs"/>
-          <a:sym typeface="Times Roman"/>
+          <a:latin typeface="Times"/>
+          <a:ea typeface="Times"/>
+          <a:cs typeface="Times"/>
+          <a:sym typeface="Times"/>
         </a:defRPr>
       </a:lvl3pPr>
-      <a:lvl4pPr indent="685800" algn="ctr">
+      <a:lvl4pPr algn="ctr">
         <a:defRPr sz="5400">
-          <a:latin typeface="+mn-lt"/>
-          <a:ea typeface="+mn-ea"/>
-          <a:cs typeface="+mn-cs"/>
-          <a:sym typeface="Times Roman"/>
+          <a:latin typeface="Times"/>
+          <a:ea typeface="Times"/>
+          <a:cs typeface="Times"/>
+          <a:sym typeface="Times"/>
         </a:defRPr>
       </a:lvl4pPr>
-      <a:lvl5pPr indent="914400" algn="ctr">
+      <a:lvl5pPr algn="ctr">
         <a:defRPr sz="5400">
-          <a:latin typeface="+mn-lt"/>
-          <a:ea typeface="+mn-ea"/>
-          <a:cs typeface="+mn-cs"/>
-          <a:sym typeface="Times Roman"/>
+          <a:latin typeface="Times"/>
+          <a:ea typeface="Times"/>
+          <a:cs typeface="Times"/>
+          <a:sym typeface="Times"/>
         </a:defRPr>
       </a:lvl5pPr>
-      <a:lvl6pPr indent="1143000" algn="ctr">
+      <a:lvl6pPr algn="ctr">
         <a:defRPr sz="5400">
-          <a:latin typeface="+mn-lt"/>
-          <a:ea typeface="+mn-ea"/>
-          <a:cs typeface="+mn-cs"/>
-          <a:sym typeface="Times Roman"/>
+          <a:latin typeface="Times"/>
+          <a:ea typeface="Times"/>
+          <a:cs typeface="Times"/>
+          <a:sym typeface="Times"/>
         </a:defRPr>
       </a:lvl6pPr>
-      <a:lvl7pPr indent="1371600" algn="ctr">
+      <a:lvl7pPr algn="ctr">
         <a:defRPr sz="5400">
-          <a:latin typeface="+mn-lt"/>
-          <a:ea typeface="+mn-ea"/>
-          <a:cs typeface="+mn-cs"/>
-          <a:sym typeface="Times Roman"/>
+          <a:latin typeface="Times"/>
+          <a:ea typeface="Times"/>
+          <a:cs typeface="Times"/>
+          <a:sym typeface="Times"/>
         </a:defRPr>
       </a:lvl7pPr>
-      <a:lvl8pPr indent="1600200" algn="ctr">
+      <a:lvl8pPr algn="ctr">
         <a:defRPr sz="5400">
-          <a:latin typeface="+mn-lt"/>
-          <a:ea typeface="+mn-ea"/>
-          <a:cs typeface="+mn-cs"/>
-          <a:sym typeface="Times Roman"/>
+          <a:latin typeface="Times"/>
+          <a:ea typeface="Times"/>
+          <a:cs typeface="Times"/>
+          <a:sym typeface="Times"/>
         </a:defRPr>
       </a:lvl8pPr>
-      <a:lvl9pPr indent="1828800" algn="ctr">
+      <a:lvl9pPr algn="ctr">
         <a:defRPr sz="5400">
-          <a:latin typeface="+mn-lt"/>
-          <a:ea typeface="+mn-ea"/>
-          <a:cs typeface="+mn-cs"/>
-          <a:sym typeface="Times Roman"/>
+          <a:latin typeface="Times"/>
+          <a:ea typeface="Times"/>
+          <a:cs typeface="Times"/>
+          <a:sym typeface="Times"/>
         </a:defRPr>
       </a:lvl9pPr>
     </p:titleStyle>
@@ -5740,13 +5897,13 @@
         <a:buFont typeface="Wingdings 2"/>
         <a:buChar char=""/>
         <a:defRPr sz="2400">
-          <a:latin typeface="+mn-lt"/>
-          <a:ea typeface="+mn-ea"/>
-          <a:cs typeface="+mn-cs"/>
-          <a:sym typeface="Times Roman"/>
+          <a:latin typeface="Times"/>
+          <a:ea typeface="Times"/>
+          <a:cs typeface="Times"/>
+          <a:sym typeface="Times"/>
         </a:defRPr>
       </a:lvl1pPr>
-      <a:lvl2pPr marL="955963" indent="-498763">
+      <a:lvl2pPr marL="955962" indent="-498763">
         <a:spcBef>
           <a:spcPts val="2000"/>
         </a:spcBef>
@@ -5754,13 +5911,13 @@
         <a:buFont typeface="Wingdings 2"/>
         <a:buChar char=""/>
         <a:defRPr sz="2400">
-          <a:latin typeface="+mn-lt"/>
-          <a:ea typeface="+mn-ea"/>
-          <a:cs typeface="+mn-cs"/>
-          <a:sym typeface="Times Roman"/>
+          <a:latin typeface="Times"/>
+          <a:ea typeface="Times"/>
+          <a:cs typeface="Times"/>
+          <a:sym typeface="Times"/>
         </a:defRPr>
       </a:lvl2pPr>
-      <a:lvl3pPr marL="1463039" indent="-548639">
+      <a:lvl3pPr marL="1463038" indent="-548638">
         <a:spcBef>
           <a:spcPts val="2000"/>
         </a:spcBef>
@@ -5768,10 +5925,10 @@
         <a:buFont typeface="Wingdings 2"/>
         <a:buChar char=""/>
         <a:defRPr sz="2400">
-          <a:latin typeface="+mn-lt"/>
-          <a:ea typeface="+mn-ea"/>
-          <a:cs typeface="+mn-cs"/>
-          <a:sym typeface="Times Roman"/>
+          <a:latin typeface="Times"/>
+          <a:ea typeface="Times"/>
+          <a:cs typeface="Times"/>
+          <a:sym typeface="Times"/>
         </a:defRPr>
       </a:lvl3pPr>
       <a:lvl4pPr marL="1981200" indent="-609600">
@@ -5782,10 +5939,10 @@
         <a:buFont typeface="Wingdings 2"/>
         <a:buChar char=""/>
         <a:defRPr sz="2400">
-          <a:latin typeface="+mn-lt"/>
-          <a:ea typeface="+mn-ea"/>
-          <a:cs typeface="+mn-cs"/>
-          <a:sym typeface="Times Roman"/>
+          <a:latin typeface="Times"/>
+          <a:ea typeface="Times"/>
+          <a:cs typeface="Times"/>
+          <a:sym typeface="Times"/>
         </a:defRPr>
       </a:lvl4pPr>
       <a:lvl5pPr marL="2438400" indent="-609600">
@@ -5796,13 +5953,13 @@
         <a:buFont typeface="Wingdings 2"/>
         <a:buChar char=""/>
         <a:defRPr sz="2400">
-          <a:latin typeface="+mn-lt"/>
-          <a:ea typeface="+mn-ea"/>
-          <a:cs typeface="+mn-cs"/>
-          <a:sym typeface="Times Roman"/>
+          <a:latin typeface="Times"/>
+          <a:ea typeface="Times"/>
+          <a:cs typeface="Times"/>
+          <a:sym typeface="Times"/>
         </a:defRPr>
       </a:lvl5pPr>
-      <a:lvl6pPr marL="2897187" indent="-615950">
+      <a:lvl6pPr marL="2897186" indent="-615950">
         <a:spcBef>
           <a:spcPts val="2000"/>
         </a:spcBef>
@@ -5810,10 +5967,10 @@
         <a:buFont typeface="Wingdings 2"/>
         <a:buChar char=""/>
         <a:defRPr sz="2400">
-          <a:latin typeface="+mn-lt"/>
-          <a:ea typeface="+mn-ea"/>
-          <a:cs typeface="+mn-cs"/>
-          <a:sym typeface="Times Roman"/>
+          <a:latin typeface="Times"/>
+          <a:ea typeface="Times"/>
+          <a:cs typeface="Times"/>
+          <a:sym typeface="Times"/>
         </a:defRPr>
       </a:lvl6pPr>
       <a:lvl7pPr marL="3359150" indent="-615950">
@@ -5824,10 +5981,10 @@
         <a:buFont typeface="Wingdings 2"/>
         <a:buChar char=""/>
         <a:defRPr sz="2400">
-          <a:latin typeface="+mn-lt"/>
-          <a:ea typeface="+mn-ea"/>
-          <a:cs typeface="+mn-cs"/>
-          <a:sym typeface="Times Roman"/>
+          <a:latin typeface="Times"/>
+          <a:ea typeface="Times"/>
+          <a:cs typeface="Times"/>
+          <a:sym typeface="Times"/>
         </a:defRPr>
       </a:lvl7pPr>
       <a:lvl8pPr marL="3811587" indent="-615950">
@@ -5838,13 +5995,13 @@
         <a:buFont typeface="Wingdings 2"/>
         <a:buChar char=""/>
         <a:defRPr sz="2400">
-          <a:latin typeface="+mn-lt"/>
-          <a:ea typeface="+mn-ea"/>
-          <a:cs typeface="+mn-cs"/>
-          <a:sym typeface="Times Roman"/>
+          <a:latin typeface="Times"/>
+          <a:ea typeface="Times"/>
+          <a:cs typeface="Times"/>
+          <a:sym typeface="Times"/>
         </a:defRPr>
       </a:lvl8pPr>
-      <a:lvl9pPr marL="4264024" indent="-615950">
+      <a:lvl9pPr marL="4264023" indent="-615950">
         <a:spcBef>
           <a:spcPts val="2000"/>
         </a:spcBef>
@@ -5852,10 +6009,10 @@
         <a:buFont typeface="Wingdings 2"/>
         <a:buChar char=""/>
         <a:defRPr sz="2400">
-          <a:latin typeface="+mn-lt"/>
-          <a:ea typeface="+mn-ea"/>
-          <a:cs typeface="+mn-cs"/>
-          <a:sym typeface="Times Roman"/>
+          <a:latin typeface="Times"/>
+          <a:ea typeface="Times"/>
+          <a:cs typeface="Times"/>
+          <a:sym typeface="Times"/>
         </a:defRPr>
       </a:lvl9pPr>
     </p:bodyStyle>
@@ -5868,10 +6025,10 @@
           <a:latin typeface="+mn-lt"/>
           <a:ea typeface="+mn-ea"/>
           <a:cs typeface="+mn-cs"/>
-          <a:sym typeface="Times Roman"/>
+          <a:sym typeface="Times"/>
         </a:defRPr>
       </a:lvl1pPr>
-      <a:lvl2pPr indent="228600" algn="ctr">
+      <a:lvl2pPr algn="ctr">
         <a:defRPr sz="1200">
           <a:solidFill>
             <a:schemeClr val="tx1"/>
@@ -5879,10 +6036,10 @@
           <a:latin typeface="+mn-lt"/>
           <a:ea typeface="+mn-ea"/>
           <a:cs typeface="+mn-cs"/>
-          <a:sym typeface="Times Roman"/>
+          <a:sym typeface="Times"/>
         </a:defRPr>
       </a:lvl2pPr>
-      <a:lvl3pPr indent="457200" algn="ctr">
+      <a:lvl3pPr algn="ctr">
         <a:defRPr sz="1200">
           <a:solidFill>
             <a:schemeClr val="tx1"/>
@@ -5890,10 +6047,10 @@
           <a:latin typeface="+mn-lt"/>
           <a:ea typeface="+mn-ea"/>
           <a:cs typeface="+mn-cs"/>
-          <a:sym typeface="Times Roman"/>
+          <a:sym typeface="Times"/>
         </a:defRPr>
       </a:lvl3pPr>
-      <a:lvl4pPr indent="685800" algn="ctr">
+      <a:lvl4pPr algn="ctr">
         <a:defRPr sz="1200">
           <a:solidFill>
             <a:schemeClr val="tx1"/>
@@ -5901,10 +6058,10 @@
           <a:latin typeface="+mn-lt"/>
           <a:ea typeface="+mn-ea"/>
           <a:cs typeface="+mn-cs"/>
-          <a:sym typeface="Times Roman"/>
+          <a:sym typeface="Times"/>
         </a:defRPr>
       </a:lvl4pPr>
-      <a:lvl5pPr indent="914400" algn="ctr">
+      <a:lvl5pPr algn="ctr">
         <a:defRPr sz="1200">
           <a:solidFill>
             <a:schemeClr val="tx1"/>
@@ -5912,10 +6069,10 @@
           <a:latin typeface="+mn-lt"/>
           <a:ea typeface="+mn-ea"/>
           <a:cs typeface="+mn-cs"/>
-          <a:sym typeface="Times Roman"/>
+          <a:sym typeface="Times"/>
         </a:defRPr>
       </a:lvl5pPr>
-      <a:lvl6pPr indent="1143000" algn="ctr">
+      <a:lvl6pPr algn="ctr">
         <a:defRPr sz="1200">
           <a:solidFill>
             <a:schemeClr val="tx1"/>
@@ -5923,10 +6080,10 @@
           <a:latin typeface="+mn-lt"/>
           <a:ea typeface="+mn-ea"/>
           <a:cs typeface="+mn-cs"/>
-          <a:sym typeface="Times Roman"/>
+          <a:sym typeface="Times"/>
         </a:defRPr>
       </a:lvl6pPr>
-      <a:lvl7pPr indent="1371600" algn="ctr">
+      <a:lvl7pPr algn="ctr">
         <a:defRPr sz="1200">
           <a:solidFill>
             <a:schemeClr val="tx1"/>
@@ -5934,10 +6091,10 @@
           <a:latin typeface="+mn-lt"/>
           <a:ea typeface="+mn-ea"/>
           <a:cs typeface="+mn-cs"/>
-          <a:sym typeface="Times Roman"/>
+          <a:sym typeface="Times"/>
         </a:defRPr>
       </a:lvl7pPr>
-      <a:lvl8pPr indent="1600200" algn="ctr">
+      <a:lvl8pPr algn="ctr">
         <a:defRPr sz="1200">
           <a:solidFill>
             <a:schemeClr val="tx1"/>
@@ -5945,10 +6102,10 @@
           <a:latin typeface="+mn-lt"/>
           <a:ea typeface="+mn-ea"/>
           <a:cs typeface="+mn-cs"/>
-          <a:sym typeface="Times Roman"/>
+          <a:sym typeface="Times"/>
         </a:defRPr>
       </a:lvl8pPr>
-      <a:lvl9pPr indent="1828800" algn="ctr">
+      <a:lvl9pPr algn="ctr">
         <a:defRPr sz="1200">
           <a:solidFill>
             <a:schemeClr val="tx1"/>
@@ -5956,7 +6113,7 @@
           <a:latin typeface="+mn-lt"/>
           <a:ea typeface="+mn-ea"/>
           <a:cs typeface="+mn-cs"/>
-          <a:sym typeface="Times Roman"/>
+          <a:sym typeface="Times"/>
         </a:defRPr>
       </a:lvl9pPr>
     </p:otherStyle>
@@ -5991,8 +6148,8 @@
         </p:nvSpPr>
         <p:spPr>
           <a:xfrm>
-            <a:off x="693964" y="433112"/>
-            <a:ext cx="8001001" cy="1207502"/>
+            <a:off x="693964" y="433111"/>
+            <a:ext cx="8001001" cy="1207503"/>
           </a:xfrm>
           <a:prstGeom prst="rect">
             <a:avLst/>
@@ -6002,7 +6159,7 @@
           <a:bodyPr/>
           <a:lstStyle>
             <a:lvl1pPr defTabSz="758951">
-              <a:defRPr sz="4482"/>
+              <a:defRPr sz="4400"/>
             </a:lvl1pPr>
           </a:lstStyle>
           <a:p>
@@ -6010,7 +6167,7 @@
               <a:defRPr sz="1800"/>
             </a:pPr>
             <a:r>
-              <a:rPr sz="4482"/>
+              <a:rPr sz="4400"/>
               <a:t>Before We Start Make Sure that…</a:t>
             </a:r>
           </a:p>
@@ -6027,7 +6184,7 @@
         <p:spPr>
           <a:xfrm>
             <a:off x="571500" y="2190187"/>
-            <a:ext cx="8001001" cy="4114801"/>
+            <a:ext cx="8001001" cy="4114802"/>
           </a:xfrm>
           <a:prstGeom prst="rect">
             <a:avLst/>
@@ -6037,7 +6194,7 @@
           <a:bodyPr/>
           <a:lstStyle/>
           <a:p>
-            <a:pPr lvl="0">
+            <a:pPr lvl="0" marL="609600" indent="-609600">
               <a:defRPr sz="1800"/>
             </a:pPr>
             <a:r>
@@ -6047,7 +6204,7 @@
             <a:endParaRPr sz="2400"/>
           </a:p>
           <a:p>
-            <a:pPr lvl="0">
+            <a:pPr lvl="0" marL="609600" indent="-609600">
               <a:defRPr sz="1800"/>
             </a:pPr>
             <a:r>
@@ -6085,7 +6242,7 @@
       </p:grpSpPr>
       <p:sp>
         <p:nvSpPr>
-          <p:cNvPr id="148" name="Shape 148"/>
+          <p:cNvPr id="145" name="Shape 145"/>
           <p:cNvSpPr/>
           <p:nvPr>
             <p:ph type="title"/>
@@ -6093,8 +6250,8 @@
         </p:nvSpPr>
         <p:spPr>
           <a:xfrm>
-            <a:off x="571500" y="274638"/>
-            <a:ext cx="8001000" cy="1143001"/>
+            <a:off x="571500" y="2215468"/>
+            <a:ext cx="8001000" cy="1692278"/>
           </a:xfrm>
           <a:prstGeom prst="rect">
             <a:avLst/>
@@ -6109,59 +6266,47 @@
             </a:pPr>
             <a:r>
               <a:rPr sz="5400"/>
-              <a:t>Assignment 7</a:t>
+              <a:t>Qualifiers</a:t>
             </a:r>
           </a:p>
         </p:txBody>
       </p:sp>
       <p:sp>
         <p:nvSpPr>
-          <p:cNvPr id="149" name="Shape 149"/>
+          <p:cNvPr id="146" name="Shape 146"/>
           <p:cNvSpPr/>
           <p:nvPr>
-            <p:ph type="body" idx="1"/>
+            <p:ph type="sldNum" sz="quarter" idx="2"/>
           </p:nvPr>
         </p:nvSpPr>
         <p:spPr>
-          <a:xfrm>
-            <a:off x="571500" y="1905000"/>
-            <a:ext cx="8001000" cy="4114800"/>
-          </a:xfrm>
-          <a:prstGeom prst="rect">
-            <a:avLst/>
-          </a:prstGeom>
+          <a:prstGeom prst="rect">
+            <a:avLst/>
+          </a:prstGeom>
+          <a:extLst>
+            <a:ext uri="{C572A759-6A51-4108-AA02-DFA0A04FC94B}">
+              <ma14:wrappingTextBoxFlag xmlns:ma14="http://schemas.microsoft.com/office/mac/drawingml/2011/main" val="1"/>
+            </a:ext>
+          </a:extLst>
         </p:spPr>
         <p:txBody>
           <a:bodyPr/>
           <a:lstStyle/>
           <a:p>
             <a:pPr lvl="0">
-              <a:defRPr sz="1800"/>
-            </a:pPr>
-            <a:r>
-              <a:rPr sz="2400"/>
-              <a:t>Create the database</a:t>
-            </a:r>
-            <a:endParaRPr sz="2400"/>
-          </a:p>
-          <a:p>
-            <a:pPr lvl="0">
-              <a:defRPr sz="1800"/>
-            </a:pPr>
-            <a:r>
-              <a:rPr sz="2400"/>
-              <a:t>Insert</a:t>
-            </a:r>
-            <a:endParaRPr sz="2400"/>
-          </a:p>
-          <a:p>
-            <a:pPr lvl="0">
-              <a:defRPr sz="1800"/>
-            </a:pPr>
-            <a:r>
-              <a:rPr sz="2400"/>
-              <a:t>Select</a:t>
-            </a:r>
+              <a:defRPr sz="1800">
+                <a:solidFill>
+                  <a:srgbClr val="000000"/>
+                </a:solidFill>
+              </a:defRPr>
+            </a:pPr>
+            <a:fld id="{86CB4B4D-7CA3-9044-876B-883B54F8677D}" type="slidenum">
+              <a:rPr sz="1200">
+                <a:solidFill>
+                  <a:srgbClr val="82682C"/>
+                </a:solidFill>
+              </a:rPr>
+            </a:fld>
           </a:p>
         </p:txBody>
       </p:sp>
@@ -6193,7 +6338,7 @@
       </p:grpSpPr>
       <p:sp>
         <p:nvSpPr>
-          <p:cNvPr id="153" name="Shape 153"/>
+          <p:cNvPr id="148" name="Shape 148"/>
           <p:cNvSpPr/>
           <p:nvPr>
             <p:ph type="title"/>
@@ -6201,17 +6346,15 @@
         </p:nvSpPr>
         <p:spPr>
           <a:xfrm>
-            <a:off x="571500" y="2168381"/>
-            <a:ext cx="8001000" cy="1508126"/>
+            <a:off x="571500" y="274638"/>
+            <a:ext cx="8001000" cy="1143002"/>
           </a:xfrm>
           <a:prstGeom prst="rect">
             <a:avLst/>
           </a:prstGeom>
         </p:spPr>
         <p:txBody>
-          <a:bodyPr lIns="0" tIns="0" rIns="0" bIns="0">
-            <a:normAutofit fontScale="100000" lnSpcReduction="0"/>
-          </a:bodyPr>
+          <a:bodyPr/>
           <a:lstStyle/>
           <a:p>
             <a:pPr lvl="0">
@@ -6219,116 +6362,14 @@
             </a:pPr>
             <a:r>
               <a:rPr sz="5400"/>
-              <a:t>QUALIFIERS</a:t>
+              <a:t>References</a:t>
             </a:r>
           </a:p>
         </p:txBody>
       </p:sp>
       <p:sp>
         <p:nvSpPr>
-          <p:cNvPr id="154" name="Shape 154"/>
-          <p:cNvSpPr/>
-          <p:nvPr>
-            <p:ph type="sldNum" sz="quarter" idx="2"/>
-          </p:nvPr>
-        </p:nvSpPr>
-        <p:spPr>
-          <a:xfrm>
-            <a:off x="4046220" y="6117795"/>
-            <a:ext cx="1051562" cy="177801"/>
-          </a:xfrm>
-          <a:prstGeom prst="rect">
-            <a:avLst/>
-          </a:prstGeom>
-          <a:extLst>
-            <a:ext uri="{C572A759-6A51-4108-AA02-DFA0A04FC94B}">
-              <ma14:wrappingTextBoxFlag xmlns:ma14="http://schemas.microsoft.com/office/mac/drawingml/2011/main" val="1"/>
-            </a:ext>
-          </a:extLst>
-        </p:spPr>
-        <p:txBody>
-          <a:bodyPr lIns="0" tIns="0" rIns="0" bIns="0">
-            <a:normAutofit fontScale="100000" lnSpcReduction="0"/>
-          </a:bodyPr>
-          <a:lstStyle/>
-          <a:p>
-            <a:pPr lvl="0">
-              <a:defRPr sz="1800">
-                <a:solidFill>
-                  <a:srgbClr val="000000"/>
-                </a:solidFill>
-              </a:defRPr>
-            </a:pPr>
-            <a:fld id="{86CB4B4D-7CA3-9044-876B-883B54F8677D}" type="slidenum">
-              <a:rPr sz="1200">
-                <a:solidFill>
-                  <a:srgbClr val="82682C"/>
-                </a:solidFill>
-              </a:rPr>
-            </a:fld>
-          </a:p>
-        </p:txBody>
-      </p:sp>
-    </p:spTree>
-  </p:cSld>
-  <p:clrMapOvr>
-    <a:masterClrMapping/>
-  </p:clrMapOvr>
-  <p:transition spd="med" advClick="1"/>
-</p:sld>
-</file>
-
-<file path=ppt/slides/slide12.xml><?xml version="1.0" encoding="utf-8"?>
-<p:sld xmlns:a="http://schemas.openxmlformats.org/drawingml/2006/main" xmlns:r="http://schemas.openxmlformats.org/officeDocument/2006/relationships" xmlns:p="http://schemas.openxmlformats.org/presentationml/2006/main" showMasterSp="1" showMasterPhAnim="1">
-  <p:cSld>
-    <p:spTree>
-      <p:nvGrpSpPr>
-        <p:cNvPr id="1" name=""/>
-        <p:cNvGrpSpPr/>
-        <p:nvPr/>
-      </p:nvGrpSpPr>
-      <p:grpSpPr>
-        <a:xfrm>
-          <a:off x="0" y="0"/>
-          <a:ext cx="0" cy="0"/>
-          <a:chOff x="0" y="0"/>
-          <a:chExt cx="0" cy="0"/>
-        </a:xfrm>
-      </p:grpSpPr>
-      <p:sp>
-        <p:nvSpPr>
-          <p:cNvPr id="158" name="Shape 158"/>
-          <p:cNvSpPr/>
-          <p:nvPr>
-            <p:ph type="title"/>
-          </p:nvPr>
-        </p:nvSpPr>
-        <p:spPr>
-          <a:xfrm>
-            <a:off x="571500" y="274638"/>
-            <a:ext cx="8001000" cy="1143001"/>
-          </a:xfrm>
-          <a:prstGeom prst="rect">
-            <a:avLst/>
-          </a:prstGeom>
-        </p:spPr>
-        <p:txBody>
-          <a:bodyPr/>
-          <a:lstStyle/>
-          <a:p>
-            <a:pPr lvl="0">
-              <a:defRPr sz="1800"/>
-            </a:pPr>
-            <a:r>
-              <a:rPr sz="5400"/>
-              <a:t>References</a:t>
-            </a:r>
-          </a:p>
-        </p:txBody>
-      </p:sp>
-      <p:sp>
-        <p:nvSpPr>
-          <p:cNvPr id="159" name="Shape 159"/>
+          <p:cNvPr id="149" name="Shape 149"/>
           <p:cNvSpPr/>
           <p:nvPr>
             <p:ph type="body" idx="1"/>
@@ -6347,130 +6388,80 @@
           <a:bodyPr/>
           <a:lstStyle/>
           <a:p>
-            <a:pPr lvl="0">
+            <a:pPr lvl="0" marL="609600" indent="-609600">
+              <a:buClr>
+                <a:srgbClr val="99350B"/>
+              </a:buClr>
               <a:defRPr sz="1800"/>
             </a:pPr>
             <a:r>
               <a:rPr sz="2400">
-                <a:solidFill>
-                  <a:srgbClr val="99350B"/>
-                </a:solidFill>
-                <a:uFill>
-                  <a:solidFill>
-                    <a:srgbClr val="99350B"/>
-                  </a:solidFill>
-                </a:uFill>
                 <a:hlinkClick r:id="rId2" invalidUrl="" action="" tgtFrame="" tooltip="" history="1" highlightClick="0" endSnd="0"/>
               </a:rPr>
               <a:t>http</a:t>
             </a:r>
             <a:r>
               <a:rPr sz="2400">
-                <a:solidFill>
-                  <a:srgbClr val="99350B"/>
-                </a:solidFill>
-                <a:uFill>
-                  <a:solidFill>
-                    <a:srgbClr val="99350B"/>
-                  </a:solidFill>
-                </a:uFill>
                 <a:hlinkClick r:id="rId2" invalidUrl="" action="" tgtFrame="" tooltip="" history="1" highlightClick="0" endSnd="0"/>
               </a:rPr>
               <a:t>://developer.android.com/guide/components/intents-</a:t>
             </a:r>
             <a:r>
               <a:rPr sz="2400">
-                <a:solidFill>
-                  <a:srgbClr val="99350B"/>
-                </a:solidFill>
-                <a:uFill>
-                  <a:solidFill>
-                    <a:srgbClr val="99350B"/>
-                  </a:solidFill>
-                </a:uFill>
                 <a:hlinkClick r:id="rId2" invalidUrl="" action="" tgtFrame="" tooltip="" history="1" highlightClick="0" endSnd="0"/>
               </a:rPr>
               <a:t>filters.html</a:t>
             </a:r>
-            <a:endParaRPr sz="2400"/>
-          </a:p>
-          <a:p>
-            <a:pPr lvl="0">
+          </a:p>
+          <a:p>
+            <a:pPr lvl="0" marL="609600" indent="-609600">
+              <a:buClr>
+                <a:srgbClr val="99350B"/>
+              </a:buClr>
               <a:defRPr sz="1800"/>
             </a:pPr>
             <a:r>
               <a:rPr sz="2400">
-                <a:solidFill>
-                  <a:srgbClr val="99350B"/>
-                </a:solidFill>
-                <a:uFill>
-                  <a:solidFill>
-                    <a:srgbClr val="99350B"/>
-                  </a:solidFill>
-                </a:uFill>
                 <a:hlinkClick r:id="rId3" invalidUrl="" action="" tgtFrame="" tooltip="" history="1" highlightClick="0" endSnd="0"/>
               </a:rPr>
               <a:t>http://developer.android.com/training/basics/data-storage/</a:t>
             </a:r>
             <a:r>
               <a:rPr sz="2400">
-                <a:solidFill>
-                  <a:srgbClr val="99350B"/>
-                </a:solidFill>
-                <a:uFill>
-                  <a:solidFill>
-                    <a:srgbClr val="99350B"/>
-                  </a:solidFill>
-                </a:uFill>
                 <a:hlinkClick r:id="rId3" invalidUrl="" action="" tgtFrame="" tooltip="" history="1" highlightClick="0" endSnd="0"/>
               </a:rPr>
               <a:t>databases.html</a:t>
             </a:r>
-            <a:endParaRPr sz="2400"/>
-          </a:p>
-          <a:p>
-            <a:pPr lvl="0">
+          </a:p>
+          <a:p>
+            <a:pPr lvl="0" marL="609600" indent="-609600">
+              <a:buClr>
+                <a:srgbClr val="99350B"/>
+              </a:buClr>
               <a:defRPr sz="1800"/>
             </a:pPr>
             <a:r>
               <a:rPr sz="2400">
-                <a:solidFill>
-                  <a:srgbClr val="99350B"/>
-                </a:solidFill>
-                <a:uFill>
-                  <a:solidFill>
-                    <a:srgbClr val="99350B"/>
-                  </a:solidFill>
-                </a:uFill>
                 <a:hlinkClick r:id="rId4" invalidUrl="" action="" tgtFrame="" tooltip="" history="1" highlightClick="0" endSnd="0"/>
               </a:rPr>
               <a:t>http://developer.android.com/reference/android/database/sqlite/package-</a:t>
             </a:r>
             <a:r>
               <a:rPr sz="2400">
-                <a:solidFill>
-                  <a:srgbClr val="924607"/>
-                </a:solidFill>
-                <a:uFill>
-                  <a:solidFill>
-                    <a:srgbClr val="99350B"/>
-                  </a:solidFill>
-                </a:uFill>
                 <a:hlinkClick r:id="rId4" invalidUrl="" action="" tgtFrame="" tooltip="" history="1" highlightClick="0" endSnd="0"/>
               </a:rPr>
               <a:t>summary.html</a:t>
             </a:r>
-            <a:endParaRPr sz="2400"/>
-          </a:p>
-          <a:p>
-            <a:pPr lvl="0">
-              <a:defRPr sz="1800"/>
-            </a:pPr>
-            <a:r>
-              <a:rPr sz="2400" u="sng">
-                <a:solidFill>
-                  <a:srgbClr val="924607"/>
-                </a:solidFill>
+          </a:p>
+          <a:p>
+            <a:pPr lvl="0" marL="609600" indent="-609600">
+              <a:buClr>
+                <a:srgbClr val="924607"/>
+              </a:buClr>
+              <a:defRPr sz="1800"/>
+            </a:pPr>
+            <a:r>
+              <a:rPr sz="2400">
                 <a:hlinkClick r:id="rId5" invalidUrl="" action="" tgtFrame="" tooltip="" history="1" highlightClick="0" endSnd="0"/>
               </a:rPr>
               <a:t>http://developer.android.com/guide/topics/resources/providing-resources.html</a:t>
@@ -6506,7 +6497,7 @@
       </p:grpSpPr>
       <p:sp>
         <p:nvSpPr>
-          <p:cNvPr id="109" name="Shape 109"/>
+          <p:cNvPr id="107" name="Shape 107"/>
           <p:cNvSpPr/>
           <p:nvPr>
             <p:ph type="title"/>
@@ -6515,7 +6506,7 @@
         <p:spPr>
           <a:xfrm>
             <a:off x="571500" y="274638"/>
-            <a:ext cx="8001000" cy="1143001"/>
+            <a:ext cx="8001000" cy="1143002"/>
           </a:xfrm>
           <a:prstGeom prst="rect">
             <a:avLst/>
@@ -6537,7 +6528,7 @@
       </p:sp>
       <p:sp>
         <p:nvSpPr>
-          <p:cNvPr id="110" name="Shape 110"/>
+          <p:cNvPr id="108" name="Shape 108"/>
           <p:cNvSpPr/>
           <p:nvPr>
             <p:ph type="body" idx="1"/>
@@ -6556,7 +6547,7 @@
           <a:bodyPr/>
           <a:lstStyle/>
           <a:p>
-            <a:pPr lvl="0">
+            <a:pPr lvl="0" marL="609600" indent="-609600">
               <a:defRPr sz="1800"/>
             </a:pPr>
             <a:r>
@@ -6566,7 +6557,7 @@
             <a:endParaRPr sz="2400"/>
           </a:p>
           <a:p>
-            <a:pPr lvl="0">
+            <a:pPr lvl="0" marL="609600" indent="-609600">
               <a:defRPr sz="1800"/>
             </a:pPr>
             <a:r>
@@ -6576,7 +6567,7 @@
             <a:endParaRPr sz="2400"/>
           </a:p>
           <a:p>
-            <a:pPr lvl="0">
+            <a:pPr lvl="0" marL="609600" indent="-609600">
               <a:defRPr sz="1800"/>
             </a:pPr>
             <a:r>
@@ -6586,7 +6577,7 @@
             <a:endParaRPr sz="2400"/>
           </a:p>
           <a:p>
-            <a:pPr lvl="0">
+            <a:pPr lvl="0" marL="609600" indent="-609600">
               <a:defRPr sz="1800"/>
             </a:pPr>
             <a:r>
@@ -6596,7 +6587,7 @@
             <a:endParaRPr sz="2400"/>
           </a:p>
           <a:p>
-            <a:pPr lvl="0">
+            <a:pPr lvl="0" marL="609600" indent="-609600">
               <a:defRPr sz="1800"/>
             </a:pPr>
             <a:r>
@@ -6606,7 +6597,7 @@
             <a:endParaRPr sz="2400"/>
           </a:p>
           <a:p>
-            <a:pPr lvl="0">
+            <a:pPr lvl="0" marL="609600" indent="-609600">
               <a:defRPr sz="1800"/>
             </a:pPr>
             <a:r>
@@ -6644,7 +6635,7 @@
       </p:grpSpPr>
       <p:sp>
         <p:nvSpPr>
-          <p:cNvPr id="114" name="Shape 114"/>
+          <p:cNvPr id="112" name="Shape 112"/>
           <p:cNvSpPr/>
           <p:nvPr>
             <p:ph type="title"/>
@@ -6653,7 +6644,7 @@
         <p:spPr>
           <a:xfrm>
             <a:off x="571500" y="274638"/>
-            <a:ext cx="8001000" cy="1143001"/>
+            <a:ext cx="8001000" cy="1143002"/>
           </a:xfrm>
           <a:prstGeom prst="rect">
             <a:avLst/>
@@ -6675,7 +6666,7 @@
       </p:sp>
       <p:sp>
         <p:nvSpPr>
-          <p:cNvPr id="115" name="Shape 115"/>
+          <p:cNvPr id="113" name="Shape 113"/>
           <p:cNvSpPr/>
           <p:nvPr>
             <p:ph type="body" idx="1"/>
@@ -6694,17 +6685,17 @@
           <a:bodyPr/>
           <a:lstStyle/>
           <a:p>
-            <a:pPr lvl="0">
+            <a:pPr lvl="0" marL="609600" indent="-609600">
               <a:defRPr sz="1800"/>
             </a:pPr>
             <a:r>
               <a:rPr sz="2400"/>
-              <a:t>Intent types</a:t>
+              <a:t>Intent Resolution</a:t>
             </a:r>
             <a:endParaRPr sz="2400"/>
           </a:p>
           <a:p>
-            <a:pPr lvl="0">
+            <a:pPr lvl="0" marL="609600" indent="-609600">
               <a:defRPr sz="1800"/>
             </a:pPr>
             <a:r>
@@ -6742,7 +6733,7 @@
       </p:grpSpPr>
       <p:sp>
         <p:nvSpPr>
-          <p:cNvPr id="119" name="Shape 119"/>
+          <p:cNvPr id="117" name="Shape 117"/>
           <p:cNvSpPr/>
           <p:nvPr>
             <p:ph type="title"/>
@@ -6751,7 +6742,7 @@
         <p:spPr>
           <a:xfrm>
             <a:off x="571500" y="274638"/>
-            <a:ext cx="8001000" cy="1143001"/>
+            <a:ext cx="8001000" cy="1143002"/>
           </a:xfrm>
           <a:prstGeom prst="rect">
             <a:avLst/>
@@ -6766,14 +6757,14 @@
             </a:pPr>
             <a:r>
               <a:rPr sz="5400"/>
-              <a:t>Intent Types</a:t>
+              <a:t>Intents</a:t>
             </a:r>
           </a:p>
         </p:txBody>
       </p:sp>
       <p:sp>
         <p:nvSpPr>
-          <p:cNvPr id="120" name="Shape 120"/>
+          <p:cNvPr id="118" name="Shape 118"/>
           <p:cNvSpPr/>
           <p:nvPr>
             <p:ph type="body" idx="1"/>
@@ -6781,8 +6772,8 @@
         </p:nvSpPr>
         <p:spPr>
           <a:xfrm>
-            <a:off x="571500" y="2450721"/>
-            <a:ext cx="8001000" cy="3569079"/>
+            <a:off x="571500" y="2450720"/>
+            <a:ext cx="8001000" cy="3569080"/>
           </a:xfrm>
           <a:prstGeom prst="rect">
             <a:avLst/>
@@ -6792,22 +6783,22 @@
           <a:bodyPr/>
           <a:lstStyle/>
           <a:p>
-            <a:pPr lvl="0">
+            <a:pPr lvl="0" marL="609600" indent="-609600">
               <a:defRPr sz="1800"/>
             </a:pPr>
             <a:r>
               <a:rPr sz="2400"/>
-              <a:t>Explicit</a:t>
+              <a:t>Explicit Activation</a:t>
             </a:r>
             <a:endParaRPr sz="2400"/>
           </a:p>
           <a:p>
-            <a:pPr lvl="0">
+            <a:pPr lvl="0" marL="609600" indent="-609600">
               <a:defRPr sz="1800"/>
             </a:pPr>
             <a:r>
               <a:rPr sz="2400"/>
-              <a:t>Implicit</a:t>
+              <a:t>Implicit Activation</a:t>
             </a:r>
           </a:p>
         </p:txBody>
@@ -6840,13 +6831,17 @@
       </p:grpSpPr>
       <p:sp>
         <p:nvSpPr>
-          <p:cNvPr id="124" name="Shape 124"/>
+          <p:cNvPr id="122" name="Shape 122"/>
           <p:cNvSpPr/>
           <p:nvPr>
             <p:ph type="title"/>
           </p:nvPr>
         </p:nvSpPr>
         <p:spPr>
+          <a:xfrm>
+            <a:off x="571500" y="274638"/>
+            <a:ext cx="8001000" cy="1143002"/>
+          </a:xfrm>
           <a:prstGeom prst="rect">
             <a:avLst/>
           </a:prstGeom>
@@ -6860,20 +6855,24 @@
             </a:pPr>
             <a:r>
               <a:rPr sz="5400"/>
-              <a:t>Building an Implicit Intent</a:t>
+              <a:t>Assignment 5</a:t>
             </a:r>
           </a:p>
         </p:txBody>
       </p:sp>
       <p:sp>
         <p:nvSpPr>
-          <p:cNvPr id="125" name="Shape 125"/>
+          <p:cNvPr id="123" name="Shape 123"/>
           <p:cNvSpPr/>
           <p:nvPr>
             <p:ph type="body" idx="1"/>
           </p:nvPr>
         </p:nvSpPr>
         <p:spPr>
+          <a:xfrm>
+            <a:off x="571500" y="1905000"/>
+            <a:ext cx="8001000" cy="4114800"/>
+          </a:xfrm>
           <a:prstGeom prst="rect">
             <a:avLst/>
           </a:prstGeom>
@@ -6882,175 +6881,40 @@
           <a:bodyPr/>
           <a:lstStyle/>
           <a:p>
-            <a:pPr lvl="0">
+            <a:pPr lvl="0" marL="0" indent="0">
+              <a:buSzTx/>
+              <a:buNone/>
+              <a:defRPr sz="1800"/>
+            </a:pPr>
+          </a:p>
+          <a:p>
+            <a:pPr lvl="0" marL="609600" indent="-609600">
               <a:defRPr sz="1800"/>
             </a:pPr>
             <a:r>
               <a:rPr sz="2400"/>
-              <a:t>action</a:t>
+              <a:t>Launch Camera</a:t>
             </a:r>
             <a:endParaRPr sz="2400"/>
           </a:p>
           <a:p>
-            <a:pPr lvl="0">
+            <a:pPr lvl="0" marL="609600" indent="-609600">
               <a:defRPr sz="1800"/>
             </a:pPr>
             <a:r>
               <a:rPr sz="2400"/>
-              <a:t>data</a:t>
+              <a:t>Capture the image and send it back to Application </a:t>
             </a:r>
             <a:endParaRPr sz="2400"/>
           </a:p>
           <a:p>
-            <a:pPr lvl="0">
+            <a:pPr lvl="0" marL="609600" indent="-609600">
               <a:defRPr sz="1800"/>
             </a:pPr>
             <a:r>
               <a:rPr sz="2400"/>
-              <a:t>category</a:t>
-            </a:r>
-            <a:endParaRPr sz="2400"/>
-          </a:p>
-          <a:p>
-            <a:pPr lvl="0" marL="0" indent="0" defTabSz="457200">
-              <a:spcBef>
-                <a:spcPts val="0"/>
-              </a:spcBef>
-              <a:buSzTx/>
-              <a:buFontTx/>
-              <a:buNone/>
-              <a:defRPr sz="1800"/>
-            </a:pPr>
-            <a:r>
-              <a:rPr sz="1600">
-                <a:latin typeface="Georgia"/>
-                <a:ea typeface="Georgia"/>
-                <a:cs typeface="Georgia"/>
-                <a:sym typeface="Georgia"/>
-              </a:rPr>
-              <a:t>Intent sendIntent = new Intent();</a:t>
-            </a:r>
-            <a:endParaRPr sz="1600">
-              <a:latin typeface="Georgia"/>
-              <a:ea typeface="Georgia"/>
-              <a:cs typeface="Georgia"/>
-              <a:sym typeface="Georgia"/>
-            </a:endParaRPr>
-          </a:p>
-          <a:p>
-            <a:pPr lvl="0" marL="0" indent="0" defTabSz="457200">
-              <a:spcBef>
-                <a:spcPts val="0"/>
-              </a:spcBef>
-              <a:buSzTx/>
-              <a:buFontTx/>
-              <a:buNone/>
-              <a:defRPr sz="1800"/>
-            </a:pPr>
-            <a:r>
-              <a:rPr sz="1600">
-                <a:latin typeface="Georgia"/>
-                <a:ea typeface="Georgia"/>
-                <a:cs typeface="Georgia"/>
-                <a:sym typeface="Georgia"/>
-              </a:rPr>
-              <a:t>sendIntent.setAction(Intent.ACTION_SEND);</a:t>
-            </a:r>
-            <a:endParaRPr sz="1600">
-              <a:latin typeface="Georgia"/>
-              <a:ea typeface="Georgia"/>
-              <a:cs typeface="Georgia"/>
-              <a:sym typeface="Georgia"/>
-            </a:endParaRPr>
-          </a:p>
-          <a:p>
-            <a:pPr lvl="0" marL="0" indent="0" defTabSz="457200">
-              <a:spcBef>
-                <a:spcPts val="0"/>
-              </a:spcBef>
-              <a:buSzTx/>
-              <a:buFontTx/>
-              <a:buNone/>
-              <a:defRPr sz="1800"/>
-            </a:pPr>
-            <a:r>
-              <a:rPr sz="1600">
-                <a:latin typeface="Georgia"/>
-                <a:ea typeface="Georgia"/>
-                <a:cs typeface="Georgia"/>
-                <a:sym typeface="Georgia"/>
-              </a:rPr>
-              <a:t>sendIntent.putExtra(Intent.EXTRA_TEXT, textMessage);</a:t>
-            </a:r>
-            <a:endParaRPr sz="1600">
-              <a:latin typeface="Georgia"/>
-              <a:ea typeface="Georgia"/>
-              <a:cs typeface="Georgia"/>
-              <a:sym typeface="Georgia"/>
-            </a:endParaRPr>
-          </a:p>
-          <a:p>
-            <a:pPr lvl="0" marL="0" indent="0" defTabSz="457200">
-              <a:spcBef>
-                <a:spcPts val="0"/>
-              </a:spcBef>
-              <a:buSzTx/>
-              <a:buFontTx/>
-              <a:buNone/>
-              <a:defRPr sz="1800"/>
-            </a:pPr>
-            <a:r>
-              <a:rPr sz="1600">
-                <a:latin typeface="Georgia"/>
-                <a:ea typeface="Georgia"/>
-                <a:cs typeface="Georgia"/>
-                <a:sym typeface="Georgia"/>
-              </a:rPr>
-              <a:t>sendIntent.setType(HTTP.PLAIN_TEXT_TYPE);</a:t>
-            </a:r>
-          </a:p>
-        </p:txBody>
-      </p:sp>
-      <p:sp>
-        <p:nvSpPr>
-          <p:cNvPr id="126" name="Shape 126"/>
-          <p:cNvSpPr/>
-          <p:nvPr>
-            <p:ph type="sldNum" sz="quarter" idx="2"/>
-          </p:nvPr>
-        </p:nvSpPr>
-        <p:spPr>
-          <a:xfrm>
-            <a:off x="4046220" y="6072075"/>
-            <a:ext cx="1051561" cy="269241"/>
-          </a:xfrm>
-          <a:prstGeom prst="rect">
-            <a:avLst/>
-          </a:prstGeom>
-          <a:extLst>
-            <a:ext uri="{C572A759-6A51-4108-AA02-DFA0A04FC94B}">
-              <ma14:wrappingTextBoxFlag xmlns:ma14="http://schemas.microsoft.com/office/mac/drawingml/2011/main" val="1"/>
-            </a:ext>
-          </a:extLst>
-        </p:spPr>
-        <p:txBody>
-          <a:bodyPr/>
-          <a:lstStyle/>
-          <a:p>
-            <a:pPr lvl="0">
-              <a:defRPr sz="1800">
-                <a:solidFill>
-                  <a:srgbClr val="000000"/>
-                </a:solidFill>
-              </a:defRPr>
-            </a:pPr>
-            <a:fld id="{86CB4B4D-7CA3-9044-876B-883B54F8677D}" type="slidenum">
-              <a:rPr sz="1200">
-                <a:solidFill>
-                  <a:srgbClr val="82682C"/>
-                </a:solidFill>
-              </a:rPr>
-            </a:fld>
+              <a:t>Show image as thumbnail</a:t>
+            </a:r>
           </a:p>
         </p:txBody>
       </p:sp>
@@ -7082,7 +6946,7 @@
       </p:grpSpPr>
       <p:sp>
         <p:nvSpPr>
-          <p:cNvPr id="130" name="Shape 130"/>
+          <p:cNvPr id="125" name="Shape 125"/>
           <p:cNvSpPr/>
           <p:nvPr>
             <p:ph type="title"/>
@@ -7090,8 +6954,8 @@
         </p:nvSpPr>
         <p:spPr>
           <a:xfrm>
-            <a:off x="571500" y="274638"/>
-            <a:ext cx="8001000" cy="1143001"/>
+            <a:off x="571500" y="0"/>
+            <a:ext cx="8001000" cy="1692276"/>
           </a:xfrm>
           <a:prstGeom prst="rect">
             <a:avLst/>
@@ -7106,24 +6970,20 @@
             </a:pPr>
             <a:r>
               <a:rPr sz="5400"/>
-              <a:t>Assignment 5</a:t>
+              <a:t>Receiving an Implicit Intent</a:t>
             </a:r>
           </a:p>
         </p:txBody>
       </p:sp>
       <p:sp>
         <p:nvSpPr>
-          <p:cNvPr id="131" name="Shape 131"/>
+          <p:cNvPr id="126" name="Shape 126"/>
           <p:cNvSpPr/>
           <p:nvPr>
             <p:ph type="body" idx="1"/>
           </p:nvPr>
         </p:nvSpPr>
         <p:spPr>
-          <a:xfrm>
-            <a:off x="571500" y="1905000"/>
-            <a:ext cx="8001000" cy="4114800"/>
-          </a:xfrm>
           <a:prstGeom prst="rect">
             <a:avLst/>
           </a:prstGeom>
@@ -7133,40 +6993,146 @@
           <a:lstStyle/>
           <a:p>
             <a:pPr lvl="0" marL="0" indent="0">
+              <a:spcBef>
+                <a:spcPts val="0"/>
+              </a:spcBef>
               <a:buSzTx/>
               <a:buNone/>
               <a:defRPr sz="1800"/>
             </a:pPr>
+            <a:r>
+              <a:rPr sz="2400"/>
+              <a:t>&lt;activity android:name="ShareActivity"&gt;</a:t>
+            </a:r>
             <a:endParaRPr sz="2400"/>
           </a:p>
           <a:p>
-            <a:pPr lvl="0">
+            <a:pPr lvl="0" marL="0" indent="0">
+              <a:spcBef>
+                <a:spcPts val="0"/>
+              </a:spcBef>
+              <a:buSzTx/>
+              <a:buNone/>
               <a:defRPr sz="1800"/>
             </a:pPr>
             <a:r>
               <a:rPr sz="2400"/>
-              <a:t>Launch Camera</a:t>
+              <a:t>    &lt;intent-filter&gt;</a:t>
             </a:r>
             <a:endParaRPr sz="2400"/>
           </a:p>
           <a:p>
-            <a:pPr lvl="0">
+            <a:pPr lvl="0" marL="0" indent="0">
+              <a:spcBef>
+                <a:spcPts val="0"/>
+              </a:spcBef>
+              <a:buSzTx/>
+              <a:buNone/>
               <a:defRPr sz="1800"/>
             </a:pPr>
             <a:r>
               <a:rPr sz="2400"/>
-              <a:t>Capture the image and send it back to Application </a:t>
+              <a:t>        &lt;action android:name="android.intent.action.SEND"/&gt;</a:t>
             </a:r>
             <a:endParaRPr sz="2400"/>
           </a:p>
           <a:p>
-            <a:pPr lvl="0">
+            <a:pPr lvl="0" marL="0" indent="0">
+              <a:spcBef>
+                <a:spcPts val="0"/>
+              </a:spcBef>
+              <a:buSzTx/>
+              <a:buNone/>
               <a:defRPr sz="1800"/>
             </a:pPr>
             <a:r>
               <a:rPr sz="2400"/>
-              <a:t>Show image as thumbnail</a:t>
-            </a:r>
+              <a:t>        &lt;category android:name="android.intent.category.DEFAULT"/&gt;</a:t>
+            </a:r>
+            <a:endParaRPr sz="2400"/>
+          </a:p>
+          <a:p>
+            <a:pPr lvl="0" marL="0" indent="0">
+              <a:spcBef>
+                <a:spcPts val="0"/>
+              </a:spcBef>
+              <a:buSzTx/>
+              <a:buNone/>
+              <a:defRPr sz="1800"/>
+            </a:pPr>
+            <a:r>
+              <a:rPr sz="2400"/>
+              <a:t>        &lt;data android:mimeType="text/plain"/&gt;</a:t>
+            </a:r>
+            <a:endParaRPr sz="2400"/>
+          </a:p>
+          <a:p>
+            <a:pPr lvl="0" marL="0" indent="0">
+              <a:spcBef>
+                <a:spcPts val="0"/>
+              </a:spcBef>
+              <a:buSzTx/>
+              <a:buNone/>
+              <a:defRPr sz="1800"/>
+            </a:pPr>
+            <a:r>
+              <a:rPr sz="2400"/>
+              <a:t>    &lt;/intent-filter&gt;</a:t>
+            </a:r>
+            <a:endParaRPr sz="2400"/>
+          </a:p>
+          <a:p>
+            <a:pPr lvl="0" marL="0" indent="0">
+              <a:spcBef>
+                <a:spcPts val="0"/>
+              </a:spcBef>
+              <a:buSzTx/>
+              <a:buNone/>
+              <a:defRPr sz="1800"/>
+            </a:pPr>
+            <a:r>
+              <a:rPr sz="2400"/>
+              <a:t>&lt;/activity&gt;</a:t>
+            </a:r>
+          </a:p>
+        </p:txBody>
+      </p:sp>
+      <p:sp>
+        <p:nvSpPr>
+          <p:cNvPr id="127" name="Shape 127"/>
+          <p:cNvSpPr/>
+          <p:nvPr>
+            <p:ph type="sldNum" sz="quarter" idx="2"/>
+          </p:nvPr>
+        </p:nvSpPr>
+        <p:spPr>
+          <a:prstGeom prst="rect">
+            <a:avLst/>
+          </a:prstGeom>
+          <a:extLst>
+            <a:ext uri="{C572A759-6A51-4108-AA02-DFA0A04FC94B}">
+              <ma14:wrappingTextBoxFlag xmlns:ma14="http://schemas.microsoft.com/office/mac/drawingml/2011/main" val="1"/>
+            </a:ext>
+          </a:extLst>
+        </p:spPr>
+        <p:txBody>
+          <a:bodyPr/>
+          <a:lstStyle/>
+          <a:p>
+            <a:pPr lvl="0">
+              <a:defRPr sz="1800">
+                <a:solidFill>
+                  <a:srgbClr val="000000"/>
+                </a:solidFill>
+              </a:defRPr>
+            </a:pPr>
+            <a:fld id="{86CB4B4D-7CA3-9044-876B-883B54F8677D}" type="slidenum">
+              <a:rPr sz="1200">
+                <a:solidFill>
+                  <a:srgbClr val="82682C"/>
+                </a:solidFill>
+              </a:rPr>
+            </a:fld>
           </a:p>
         </p:txBody>
       </p:sp>
@@ -7198,13 +7164,17 @@
       </p:grpSpPr>
       <p:sp>
         <p:nvSpPr>
-          <p:cNvPr id="133" name="Shape 133"/>
+          <p:cNvPr id="131" name="Shape 131"/>
           <p:cNvSpPr/>
           <p:nvPr>
             <p:ph type="title"/>
           </p:nvPr>
         </p:nvSpPr>
         <p:spPr>
+          <a:xfrm>
+            <a:off x="571500" y="163703"/>
+            <a:ext cx="8001000" cy="1364870"/>
+          </a:xfrm>
           <a:prstGeom prst="rect">
             <a:avLst/>
           </a:prstGeom>
@@ -7218,20 +7188,24 @@
             </a:pPr>
             <a:r>
               <a:rPr sz="5400"/>
-              <a:t>Receiving an Implicit Intent</a:t>
+              <a:t>Assignment 6</a:t>
             </a:r>
           </a:p>
         </p:txBody>
       </p:sp>
       <p:sp>
         <p:nvSpPr>
-          <p:cNvPr id="134" name="Shape 134"/>
+          <p:cNvPr id="132" name="Shape 132"/>
           <p:cNvSpPr/>
           <p:nvPr>
             <p:ph type="body" idx="1"/>
           </p:nvPr>
         </p:nvSpPr>
         <p:spPr>
+          <a:xfrm>
+            <a:off x="354104" y="2129907"/>
+            <a:ext cx="8001001" cy="2598186"/>
+          </a:xfrm>
           <a:prstGeom prst="rect">
             <a:avLst/>
           </a:prstGeom>
@@ -7240,131 +7214,50 @@
           <a:bodyPr/>
           <a:lstStyle/>
           <a:p>
-            <a:pPr lvl="0" marL="0" indent="0">
-              <a:spcBef>
-                <a:spcPts val="0"/>
-              </a:spcBef>
-              <a:buSzTx/>
-              <a:buFontTx/>
-              <a:buNone/>
-              <a:defRPr sz="1800"/>
-            </a:pPr>
-            <a:r>
-              <a:rPr sz="2400"/>
-              <a:t>&lt;activity android:name="ShareActivity"&gt;</a:t>
-            </a:r>
-            <a:endParaRPr sz="2400"/>
-          </a:p>
-          <a:p>
-            <a:pPr lvl="0" marL="0" indent="0">
-              <a:spcBef>
-                <a:spcPts val="0"/>
-              </a:spcBef>
-              <a:buSzTx/>
-              <a:buFontTx/>
-              <a:buNone/>
-              <a:defRPr sz="1800"/>
-            </a:pPr>
-            <a:r>
-              <a:rPr sz="2400"/>
-              <a:t>    &lt;intent-filter&gt;</a:t>
-            </a:r>
-            <a:endParaRPr sz="2400"/>
-          </a:p>
-          <a:p>
-            <a:pPr lvl="0" marL="0" indent="0">
-              <a:spcBef>
-                <a:spcPts val="0"/>
-              </a:spcBef>
-              <a:buSzTx/>
-              <a:buFontTx/>
-              <a:buNone/>
-              <a:defRPr sz="1800"/>
-            </a:pPr>
-            <a:r>
-              <a:rPr sz="2400"/>
-              <a:t>        &lt;action android:name="android.intent.action.SEND"/&gt;</a:t>
-            </a:r>
-            <a:endParaRPr sz="2400"/>
-          </a:p>
-          <a:p>
-            <a:pPr lvl="0" marL="0" indent="0">
-              <a:spcBef>
-                <a:spcPts val="0"/>
-              </a:spcBef>
-              <a:buSzTx/>
-              <a:buFontTx/>
-              <a:buNone/>
-              <a:defRPr sz="1800"/>
-            </a:pPr>
-            <a:r>
-              <a:rPr sz="2400"/>
-              <a:t>        &lt;category android:name="android.intent.category.DEFAULT"/&gt;</a:t>
-            </a:r>
-            <a:endParaRPr sz="2400"/>
-          </a:p>
-          <a:p>
-            <a:pPr lvl="0" marL="0" indent="0">
-              <a:spcBef>
-                <a:spcPts val="0"/>
-              </a:spcBef>
-              <a:buSzTx/>
-              <a:buFontTx/>
-              <a:buNone/>
-              <a:defRPr sz="1800"/>
-            </a:pPr>
-            <a:r>
-              <a:rPr sz="2400"/>
-              <a:t>        &lt;data android:mimeType="text/plain"/&gt;</a:t>
-            </a:r>
-            <a:endParaRPr sz="2400"/>
-          </a:p>
-          <a:p>
-            <a:pPr lvl="0" marL="0" indent="0">
-              <a:spcBef>
-                <a:spcPts val="0"/>
-              </a:spcBef>
-              <a:buSzTx/>
-              <a:buFontTx/>
-              <a:buNone/>
-              <a:defRPr sz="1800"/>
-            </a:pPr>
-            <a:r>
-              <a:rPr sz="2400"/>
-              <a:t>    &lt;/intent-filter&gt;</a:t>
-            </a:r>
-            <a:endParaRPr sz="2400"/>
-          </a:p>
-          <a:p>
-            <a:pPr lvl="0" marL="0" indent="0">
-              <a:spcBef>
-                <a:spcPts val="0"/>
-              </a:spcBef>
-              <a:buSzTx/>
-              <a:buFontTx/>
-              <a:buNone/>
-              <a:defRPr sz="1800"/>
-            </a:pPr>
-            <a:r>
-              <a:rPr sz="2400"/>
-              <a:t>&lt;/activity&gt;</a:t>
+            <a:pPr lvl="0" marL="736600" indent="-736600" algn="l">
+              <a:buSzPct val="100000"/>
+              <a:buFont typeface="Wingdings 2"/>
+              <a:buChar char=""/>
+              <a:defRPr sz="1800"/>
+            </a:pPr>
+            <a:r>
+              <a:rPr sz="2900"/>
+              <a:t>Create a second application.</a:t>
+            </a:r>
+            <a:endParaRPr sz="2900"/>
+          </a:p>
+          <a:p>
+            <a:pPr lvl="0" marL="457200" indent="-457200" algn="l">
+              <a:buSzPct val="100000"/>
+              <a:buFont typeface="Wingdings 2"/>
+              <a:buChar char=""/>
+              <a:defRPr sz="1800"/>
+            </a:pPr>
+            <a:endParaRPr sz="2900"/>
+          </a:p>
+          <a:p>
+            <a:pPr lvl="0" marL="736600" indent="-736600" algn="l">
+              <a:buSzPct val="100000"/>
+              <a:buFont typeface="Wingdings 2"/>
+              <a:buChar char=""/>
+              <a:defRPr sz="1800"/>
+            </a:pPr>
+            <a:r>
+              <a:rPr sz="2900"/>
+              <a:t>The second application should be invoked when you click on the ProjectPlanner camera button.</a:t>
             </a:r>
           </a:p>
         </p:txBody>
       </p:sp>
       <p:sp>
         <p:nvSpPr>
-          <p:cNvPr id="135" name="Shape 135"/>
+          <p:cNvPr id="133" name="Shape 133"/>
           <p:cNvSpPr/>
           <p:nvPr>
             <p:ph type="sldNum" sz="quarter" idx="2"/>
           </p:nvPr>
         </p:nvSpPr>
         <p:spPr>
-          <a:xfrm>
-            <a:off x="4046220" y="6072075"/>
-            <a:ext cx="1051561" cy="269241"/>
-          </a:xfrm>
           <a:prstGeom prst="rect">
             <a:avLst/>
           </a:prstGeom>
@@ -7423,13 +7316,17 @@
       </p:grpSpPr>
       <p:sp>
         <p:nvSpPr>
-          <p:cNvPr id="139" name="Shape 139"/>
+          <p:cNvPr id="135" name="Shape 135"/>
           <p:cNvSpPr/>
           <p:nvPr>
             <p:ph type="title"/>
           </p:nvPr>
         </p:nvSpPr>
         <p:spPr>
+          <a:xfrm>
+            <a:off x="571500" y="274638"/>
+            <a:ext cx="8001000" cy="1143002"/>
+          </a:xfrm>
           <a:prstGeom prst="rect">
             <a:avLst/>
           </a:prstGeom>
@@ -7443,14 +7340,14 @@
             </a:pPr>
             <a:r>
               <a:rPr sz="5400"/>
-              <a:t>Assignment 6</a:t>
+              <a:t>Database </a:t>
             </a:r>
           </a:p>
         </p:txBody>
       </p:sp>
       <p:sp>
         <p:nvSpPr>
-          <p:cNvPr id="140" name="Shape 140"/>
+          <p:cNvPr id="136" name="Shape 136"/>
           <p:cNvSpPr/>
           <p:nvPr>
             <p:ph type="body" idx="1"/>
@@ -7458,8 +7355,8 @@
         </p:nvSpPr>
         <p:spPr>
           <a:xfrm>
-            <a:off x="354104" y="2129907"/>
-            <a:ext cx="8001001" cy="2598186"/>
+            <a:off x="571500" y="2441655"/>
+            <a:ext cx="8001000" cy="4114802"/>
           </a:xfrm>
           <a:prstGeom prst="rect">
             <a:avLst/>
@@ -7469,77 +7366,23 @@
           <a:bodyPr/>
           <a:lstStyle/>
           <a:p>
-            <a:pPr lvl="0" marL="457200" indent="-457200" algn="l">
-              <a:buSzPct val="100000"/>
-              <a:buFont typeface="Wingdings 2"/>
-              <a:buChar char=""/>
-              <a:defRPr sz="1800"/>
-            </a:pPr>
-            <a:r>
-              <a:rPr sz="2900"/>
-              <a:t>Create a second application.</a:t>
-            </a:r>
-            <a:endParaRPr sz="2900"/>
-          </a:p>
-          <a:p>
-            <a:pPr lvl="0" marL="457200" indent="-457200" algn="l">
-              <a:buSzPct val="100000"/>
-              <a:buFont typeface="Wingdings 2"/>
-              <a:buChar char=""/>
-              <a:defRPr sz="1800"/>
-            </a:pPr>
-            <a:endParaRPr sz="2900"/>
-          </a:p>
-          <a:p>
-            <a:pPr lvl="0" marL="457200" indent="-457200" algn="l">
-              <a:buSzPct val="100000"/>
-              <a:buFont typeface="Wingdings 2"/>
-              <a:buChar char=""/>
-              <a:defRPr sz="1800"/>
-            </a:pPr>
-            <a:r>
-              <a:rPr sz="2900"/>
-              <a:t>The second application should be invoked when you click on the ProjectPlanner camera button.</a:t>
-            </a:r>
-          </a:p>
-        </p:txBody>
-      </p:sp>
-      <p:sp>
-        <p:nvSpPr>
-          <p:cNvPr id="141" name="Shape 141"/>
-          <p:cNvSpPr/>
-          <p:nvPr>
-            <p:ph type="sldNum" sz="quarter" idx="2"/>
-          </p:nvPr>
-        </p:nvSpPr>
-        <p:spPr>
-          <a:prstGeom prst="rect">
-            <a:avLst/>
-          </a:prstGeom>
-          <a:extLst>
-            <a:ext uri="{C572A759-6A51-4108-AA02-DFA0A04FC94B}">
-              <ma14:wrappingTextBoxFlag xmlns:ma14="http://schemas.microsoft.com/office/mac/drawingml/2011/main" val="1"/>
-            </a:ext>
-          </a:extLst>
-        </p:spPr>
-        <p:txBody>
-          <a:bodyPr/>
-          <a:lstStyle/>
-          <a:p>
-            <a:pPr lvl="0">
-              <a:defRPr sz="1800">
-                <a:solidFill>
-                  <a:srgbClr val="000000"/>
-                </a:solidFill>
-              </a:defRPr>
-            </a:pPr>
-            <a:fld id="{86CB4B4D-7CA3-9044-876B-883B54F8677D}" type="slidenum">
-              <a:rPr sz="1200">
-                <a:solidFill>
-                  <a:srgbClr val="82682C"/>
-                </a:solidFill>
-              </a:rPr>
-            </a:fld>
+            <a:pPr lvl="0" marL="609600" indent="-609600">
+              <a:defRPr sz="1800"/>
+            </a:pPr>
+            <a:r>
+              <a:rPr sz="2400"/>
+              <a:t>SQLite</a:t>
+            </a:r>
+            <a:endParaRPr sz="2400"/>
+          </a:p>
+          <a:p>
+            <a:pPr lvl="0" marL="609600" indent="-609600">
+              <a:defRPr sz="1800"/>
+            </a:pPr>
+            <a:r>
+              <a:rPr sz="2400"/>
+              <a:t>SQLiteOpenHelper</a:t>
+            </a:r>
           </a:p>
         </p:txBody>
       </p:sp>
@@ -7571,7 +7414,7 @@
       </p:grpSpPr>
       <p:sp>
         <p:nvSpPr>
-          <p:cNvPr id="143" name="Shape 143"/>
+          <p:cNvPr id="140" name="Shape 140"/>
           <p:cNvSpPr/>
           <p:nvPr>
             <p:ph type="title"/>
@@ -7580,7 +7423,7 @@
         <p:spPr>
           <a:xfrm>
             <a:off x="571500" y="274638"/>
-            <a:ext cx="8001000" cy="1143001"/>
+            <a:ext cx="8001000" cy="1143002"/>
           </a:xfrm>
           <a:prstGeom prst="rect">
             <a:avLst/>
@@ -7595,14 +7438,14 @@
             </a:pPr>
             <a:r>
               <a:rPr sz="5400"/>
-              <a:t>Database </a:t>
+              <a:t>Assignment 7</a:t>
             </a:r>
           </a:p>
         </p:txBody>
       </p:sp>
       <p:sp>
         <p:nvSpPr>
-          <p:cNvPr id="144" name="Shape 144"/>
+          <p:cNvPr id="141" name="Shape 141"/>
           <p:cNvSpPr/>
           <p:nvPr>
             <p:ph type="body" idx="1"/>
@@ -7610,7 +7453,7 @@
         </p:nvSpPr>
         <p:spPr>
           <a:xfrm>
-            <a:off x="571500" y="2441655"/>
+            <a:off x="571500" y="2313214"/>
             <a:ext cx="8001000" cy="4114801"/>
           </a:xfrm>
           <a:prstGeom prst="rect">
@@ -7621,22 +7464,22 @@
           <a:bodyPr/>
           <a:lstStyle/>
           <a:p>
-            <a:pPr lvl="0">
+            <a:pPr lvl="0" marL="609600" indent="-609600">
               <a:defRPr sz="1800"/>
             </a:pPr>
             <a:r>
               <a:rPr sz="2400"/>
-              <a:t>SQLite</a:t>
+              <a:t>Create the database</a:t>
             </a:r>
             <a:endParaRPr sz="2400"/>
           </a:p>
           <a:p>
-            <a:pPr lvl="0">
+            <a:pPr lvl="0" marL="609600" indent="-609600">
               <a:defRPr sz="1800"/>
             </a:pPr>
             <a:r>
               <a:rPr sz="2400"/>
-              <a:t>SQLiteOpenHelper</a:t>
+              <a:t>Insert</a:t>
             </a:r>
           </a:p>
         </p:txBody>
@@ -7651,9 +7494,9 @@
 </file>
 
 <file path=ppt/theme/theme1.xml><?xml version="1.0" encoding="utf-8"?>
-<a:theme xmlns:a="http://schemas.openxmlformats.org/drawingml/2006/main" xmlns:r="http://schemas.openxmlformats.org/officeDocument/2006/relationships" name="White">
+<a:theme xmlns:a="http://schemas.openxmlformats.org/drawingml/2006/main" xmlns:r="http://schemas.openxmlformats.org/officeDocument/2006/relationships" name="Default">
   <a:themeElements>
-    <a:clrScheme name="White">
+    <a:clrScheme name="Default">
       <a:dk1>
         <a:srgbClr val="000000"/>
       </a:dk1>
@@ -7661,10 +7504,10 @@
         <a:srgbClr val="FFFFFF"/>
       </a:lt1>
       <a:dk2>
-        <a:srgbClr val="53585F"/>
+        <a:srgbClr val="A7A7A7"/>
       </a:dk2>
       <a:lt2>
-        <a:srgbClr val="DCDEE0"/>
+        <a:srgbClr val="535353"/>
       </a:lt2>
       <a:accent1>
         <a:srgbClr val="0365C0"/>
@@ -7691,19 +7534,19 @@
         <a:srgbClr val="FF00FF"/>
       </a:folHlink>
     </a:clrScheme>
-    <a:fontScheme name="White">
+    <a:fontScheme name="Default">
       <a:majorFont>
-        <a:latin typeface="Times Roman"/>
-        <a:ea typeface="Times Roman"/>
-        <a:cs typeface="Times Roman"/>
+        <a:latin typeface="Helvetica Neue"/>
+        <a:ea typeface="Helvetica Neue"/>
+        <a:cs typeface="Helvetica Neue"/>
       </a:majorFont>
       <a:minorFont>
-        <a:latin typeface="Times Roman"/>
-        <a:ea typeface="Times Roman"/>
-        <a:cs typeface="Times Roman"/>
+        <a:latin typeface="Helvetica"/>
+        <a:ea typeface="Helvetica"/>
+        <a:cs typeface="Helvetica"/>
       </a:minorFont>
     </a:fontScheme>
-    <a:fmtScheme name="White">
+    <a:fmtScheme name="Default">
       <a:fillStyleLst>
         <a:solidFill>
           <a:schemeClr val="phClr"/>
@@ -7786,18 +7629,18 @@
         </a:effectStyle>
         <a:effectStyle>
           <a:effectLst>
-            <a:outerShdw sx="100000" sy="100000" kx="0" ky="0" algn="b" rotWithShape="0" blurRad="50800" dist="12700" dir="0">
+            <a:outerShdw sx="100000" sy="100000" kx="0" ky="0" algn="b" rotWithShape="0" blurRad="50800" dist="25400" dir="6600000">
               <a:srgbClr val="000000">
-                <a:alpha val="50000"/>
+                <a:alpha val="35000"/>
               </a:srgbClr>
             </a:outerShdw>
           </a:effectLst>
         </a:effectStyle>
         <a:effectStyle>
           <a:effectLst>
-            <a:outerShdw sx="100000" sy="100000" kx="0" ky="0" algn="b" rotWithShape="0" blurRad="38100" dist="25400" dir="5400000">
+            <a:outerShdw sx="100000" sy="100000" kx="0" ky="0" algn="b" rotWithShape="0" blurRad="50800" dist="25400" dir="6600000">
               <a:srgbClr val="000000">
-                <a:alpha val="50000"/>
+                <a:alpha val="35000"/>
               </a:srgbClr>
             </a:outerShdw>
           </a:effectLst>
@@ -7859,11 +7702,11 @@
     <a:spDef>
       <a:spPr>
         <a:solidFill>
-          <a:srgbClr val="EAC968"/>
+          <a:srgbClr val="FFFFFF"/>
         </a:solidFill>
         <a:ln w="25400" cap="flat">
           <a:solidFill>
-            <a:srgbClr val="B74D21"/>
+            <a:srgbClr val="0365C0"/>
           </a:solidFill>
           <a:prstDash val="solid"/>
           <a:bevel/>
@@ -7876,7 +7719,7 @@
           </a:outerShdw>
         </a:effectLst>
       </a:spPr>
-      <a:bodyPr rot="0" spcFirstLastPara="1" vertOverflow="overflow" horzOverflow="overflow" vert="horz" wrap="square" lIns="45719" tIns="45719" rIns="45719" bIns="45719" numCol="1" spcCol="38100" rtlCol="0" anchor="ctr" upright="0">
+      <a:bodyPr rot="0" spcFirstLastPara="1" vertOverflow="overflow" horzOverflow="overflow" vert="horz" wrap="square" lIns="45718" tIns="45718" rIns="45718" bIns="45718" numCol="1" spcCol="38100" rtlCol="0" anchor="ctr" upright="0">
         <a:spAutoFit/>
       </a:bodyPr>
       <a:lstStyle>
@@ -7904,10 +7747,10 @@
             </a:solidFill>
             <a:effectLst/>
             <a:uFillTx/>
-            <a:latin typeface="+mn-lt"/>
-            <a:ea typeface="+mn-ea"/>
-            <a:cs typeface="+mn-cs"/>
-            <a:sym typeface="Times Roman"/>
+            <a:latin typeface="Times"/>
+            <a:ea typeface="Times"/>
+            <a:cs typeface="Times"/>
+            <a:sym typeface="Times"/>
           </a:defRPr>
         </a:defPPr>
         <a:lvl1pPr marL="0" marR="0" indent="0" algn="l" defTabSz="914400" rtl="0" fontAlgn="auto" latinLnBrk="1" hangingPunct="0">
@@ -8157,12 +8000,18 @@
         <a:noFill/>
         <a:ln w="25400" cap="flat">
           <a:solidFill>
-            <a:srgbClr val="B74D21"/>
+            <a:srgbClr val="0365C0"/>
           </a:solidFill>
           <a:prstDash val="solid"/>
           <a:bevel/>
         </a:ln>
-        <a:effectLst/>
+        <a:effectLst>
+          <a:outerShdw sx="100000" sy="100000" kx="0" ky="0" algn="b" rotWithShape="0" blurRad="50800" dist="25400" dir="6600000">
+            <a:srgbClr val="000000">
+              <a:alpha val="35000"/>
+            </a:srgbClr>
+          </a:outerShdw>
+        </a:effectLst>
       </a:spPr>
       <a:bodyPr rot="0" spcFirstLastPara="1" vertOverflow="overflow" horzOverflow="overflow" vert="horz" wrap="square" lIns="91439" tIns="45719" rIns="91439" bIns="45719" numCol="1" spcCol="38100" rtlCol="0" anchor="t" upright="0">
         <a:noAutofit/>
@@ -8473,10 +8322,10 @@
             </a:solidFill>
             <a:effectLst/>
             <a:uFillTx/>
-            <a:latin typeface="+mn-lt"/>
-            <a:ea typeface="+mn-ea"/>
-            <a:cs typeface="+mn-cs"/>
-            <a:sym typeface="Times Roman"/>
+            <a:latin typeface="Times"/>
+            <a:ea typeface="Times"/>
+            <a:cs typeface="Times"/>
+            <a:sym typeface="Times"/>
           </a:defRPr>
         </a:defPPr>
         <a:lvl1pPr marL="0" marR="0" indent="0" algn="l" defTabSz="914400" rtl="0" fontAlgn="auto" latinLnBrk="1" hangingPunct="0">
@@ -8726,9 +8575,9 @@
 </file>
 
 <file path=ppt/theme/theme2.xml><?xml version="1.0" encoding="utf-8"?>
-<a:theme xmlns:a="http://schemas.openxmlformats.org/drawingml/2006/main" xmlns:r="http://schemas.openxmlformats.org/officeDocument/2006/relationships" name="White">
+<a:theme xmlns:a="http://schemas.openxmlformats.org/drawingml/2006/main" xmlns:r="http://schemas.openxmlformats.org/officeDocument/2006/relationships" name="Default">
   <a:themeElements>
-    <a:clrScheme name="White">
+    <a:clrScheme name="Default">
       <a:dk1>
         <a:srgbClr val="000000"/>
       </a:dk1>
@@ -8736,10 +8585,10 @@
         <a:srgbClr val="FFFFFF"/>
       </a:lt1>
       <a:dk2>
-        <a:srgbClr val="53585F"/>
+        <a:srgbClr val="A7A7A7"/>
       </a:dk2>
       <a:lt2>
-        <a:srgbClr val="DCDEE0"/>
+        <a:srgbClr val="535353"/>
       </a:lt2>
       <a:accent1>
         <a:srgbClr val="0365C0"/>
@@ -8766,19 +8615,19 @@
         <a:srgbClr val="FF00FF"/>
       </a:folHlink>
     </a:clrScheme>
-    <a:fontScheme name="White">
+    <a:fontScheme name="Default">
       <a:majorFont>
-        <a:latin typeface="Times Roman"/>
-        <a:ea typeface="Times Roman"/>
-        <a:cs typeface="Times Roman"/>
+        <a:latin typeface="Helvetica Neue"/>
+        <a:ea typeface="Helvetica Neue"/>
+        <a:cs typeface="Helvetica Neue"/>
       </a:majorFont>
       <a:minorFont>
-        <a:latin typeface="Times Roman"/>
-        <a:ea typeface="Times Roman"/>
-        <a:cs typeface="Times Roman"/>
+        <a:latin typeface="Helvetica"/>
+        <a:ea typeface="Helvetica"/>
+        <a:cs typeface="Helvetica"/>
       </a:minorFont>
     </a:fontScheme>
-    <a:fmtScheme name="White">
+    <a:fmtScheme name="Default">
       <a:fillStyleLst>
         <a:solidFill>
           <a:schemeClr val="phClr"/>
@@ -8861,18 +8710,18 @@
         </a:effectStyle>
         <a:effectStyle>
           <a:effectLst>
-            <a:outerShdw sx="100000" sy="100000" kx="0" ky="0" algn="b" rotWithShape="0" blurRad="50800" dist="12700" dir="0">
+            <a:outerShdw sx="100000" sy="100000" kx="0" ky="0" algn="b" rotWithShape="0" blurRad="50800" dist="25400" dir="6600000">
               <a:srgbClr val="000000">
-                <a:alpha val="50000"/>
+                <a:alpha val="35000"/>
               </a:srgbClr>
             </a:outerShdw>
           </a:effectLst>
         </a:effectStyle>
         <a:effectStyle>
           <a:effectLst>
-            <a:outerShdw sx="100000" sy="100000" kx="0" ky="0" algn="b" rotWithShape="0" blurRad="38100" dist="25400" dir="5400000">
+            <a:outerShdw sx="100000" sy="100000" kx="0" ky="0" algn="b" rotWithShape="0" blurRad="50800" dist="25400" dir="6600000">
               <a:srgbClr val="000000">
-                <a:alpha val="50000"/>
+                <a:alpha val="35000"/>
               </a:srgbClr>
             </a:outerShdw>
           </a:effectLst>
@@ -8934,11 +8783,11 @@
     <a:spDef>
       <a:spPr>
         <a:solidFill>
-          <a:srgbClr val="EAC968"/>
+          <a:srgbClr val="FFFFFF"/>
         </a:solidFill>
         <a:ln w="25400" cap="flat">
           <a:solidFill>
-            <a:srgbClr val="B74D21"/>
+            <a:srgbClr val="0365C0"/>
           </a:solidFill>
           <a:prstDash val="solid"/>
           <a:bevel/>
@@ -8951,7 +8800,7 @@
           </a:outerShdw>
         </a:effectLst>
       </a:spPr>
-      <a:bodyPr rot="0" spcFirstLastPara="1" vertOverflow="overflow" horzOverflow="overflow" vert="horz" wrap="square" lIns="45719" tIns="45719" rIns="45719" bIns="45719" numCol="1" spcCol="38100" rtlCol="0" anchor="ctr" upright="0">
+      <a:bodyPr rot="0" spcFirstLastPara="1" vertOverflow="overflow" horzOverflow="overflow" vert="horz" wrap="square" lIns="45718" tIns="45718" rIns="45718" bIns="45718" numCol="1" spcCol="38100" rtlCol="0" anchor="ctr" upright="0">
         <a:spAutoFit/>
       </a:bodyPr>
       <a:lstStyle>
@@ -8979,10 +8828,10 @@
             </a:solidFill>
             <a:effectLst/>
             <a:uFillTx/>
-            <a:latin typeface="+mn-lt"/>
-            <a:ea typeface="+mn-ea"/>
-            <a:cs typeface="+mn-cs"/>
-            <a:sym typeface="Times Roman"/>
+            <a:latin typeface="Times"/>
+            <a:ea typeface="Times"/>
+            <a:cs typeface="Times"/>
+            <a:sym typeface="Times"/>
           </a:defRPr>
         </a:defPPr>
         <a:lvl1pPr marL="0" marR="0" indent="0" algn="l" defTabSz="914400" rtl="0" fontAlgn="auto" latinLnBrk="1" hangingPunct="0">
@@ -9232,12 +9081,18 @@
         <a:noFill/>
         <a:ln w="25400" cap="flat">
           <a:solidFill>
-            <a:srgbClr val="B74D21"/>
+            <a:srgbClr val="0365C0"/>
           </a:solidFill>
           <a:prstDash val="solid"/>
           <a:bevel/>
         </a:ln>
-        <a:effectLst/>
+        <a:effectLst>
+          <a:outerShdw sx="100000" sy="100000" kx="0" ky="0" algn="b" rotWithShape="0" blurRad="50800" dist="25400" dir="6600000">
+            <a:srgbClr val="000000">
+              <a:alpha val="35000"/>
+            </a:srgbClr>
+          </a:outerShdw>
+        </a:effectLst>
       </a:spPr>
       <a:bodyPr rot="0" spcFirstLastPara="1" vertOverflow="overflow" horzOverflow="overflow" vert="horz" wrap="square" lIns="91439" tIns="45719" rIns="91439" bIns="45719" numCol="1" spcCol="38100" rtlCol="0" anchor="t" upright="0">
         <a:noAutofit/>
@@ -9548,10 +9403,10 @@
             </a:solidFill>
             <a:effectLst/>
             <a:uFillTx/>
-            <a:latin typeface="+mn-lt"/>
-            <a:ea typeface="+mn-ea"/>
-            <a:cs typeface="+mn-cs"/>
-            <a:sym typeface="Times Roman"/>
+            <a:latin typeface="Times"/>
+            <a:ea typeface="Times"/>
+            <a:cs typeface="Times"/>
+            <a:sym typeface="Times"/>
           </a:defRPr>
         </a:defPPr>
         <a:lvl1pPr marL="0" marR="0" indent="0" algn="l" defTabSz="914400" rtl="0" fontAlgn="auto" latinLnBrk="1" hangingPunct="0">

--- a/Day2/day_2.pptx
+++ b/Day2/day_2.pptx
@@ -25,74 +25,74 @@
   <p:defaultTextStyle>
     <a:lvl1pPr>
       <a:defRPr>
-        <a:latin typeface="Times"/>
-        <a:ea typeface="Times"/>
-        <a:cs typeface="Times"/>
-        <a:sym typeface="Times"/>
+        <a:latin typeface="+mn-lt"/>
+        <a:ea typeface="+mn-ea"/>
+        <a:cs typeface="+mn-cs"/>
+        <a:sym typeface="Helvetica"/>
       </a:defRPr>
     </a:lvl1pPr>
     <a:lvl2pPr>
       <a:defRPr>
-        <a:latin typeface="Times"/>
-        <a:ea typeface="Times"/>
-        <a:cs typeface="Times"/>
-        <a:sym typeface="Times"/>
+        <a:latin typeface="+mn-lt"/>
+        <a:ea typeface="+mn-ea"/>
+        <a:cs typeface="+mn-cs"/>
+        <a:sym typeface="Helvetica"/>
       </a:defRPr>
     </a:lvl2pPr>
     <a:lvl3pPr>
       <a:defRPr>
-        <a:latin typeface="Times"/>
-        <a:ea typeface="Times"/>
-        <a:cs typeface="Times"/>
-        <a:sym typeface="Times"/>
+        <a:latin typeface="+mn-lt"/>
+        <a:ea typeface="+mn-ea"/>
+        <a:cs typeface="+mn-cs"/>
+        <a:sym typeface="Helvetica"/>
       </a:defRPr>
     </a:lvl3pPr>
     <a:lvl4pPr>
       <a:defRPr>
-        <a:latin typeface="Times"/>
-        <a:ea typeface="Times"/>
-        <a:cs typeface="Times"/>
-        <a:sym typeface="Times"/>
+        <a:latin typeface="+mn-lt"/>
+        <a:ea typeface="+mn-ea"/>
+        <a:cs typeface="+mn-cs"/>
+        <a:sym typeface="Helvetica"/>
       </a:defRPr>
     </a:lvl4pPr>
     <a:lvl5pPr>
       <a:defRPr>
-        <a:latin typeface="Times"/>
-        <a:ea typeface="Times"/>
-        <a:cs typeface="Times"/>
-        <a:sym typeface="Times"/>
+        <a:latin typeface="+mn-lt"/>
+        <a:ea typeface="+mn-ea"/>
+        <a:cs typeface="+mn-cs"/>
+        <a:sym typeface="Helvetica"/>
       </a:defRPr>
     </a:lvl5pPr>
     <a:lvl6pPr>
       <a:defRPr>
-        <a:latin typeface="Times"/>
-        <a:ea typeface="Times"/>
-        <a:cs typeface="Times"/>
-        <a:sym typeface="Times"/>
+        <a:latin typeface="+mn-lt"/>
+        <a:ea typeface="+mn-ea"/>
+        <a:cs typeface="+mn-cs"/>
+        <a:sym typeface="Helvetica"/>
       </a:defRPr>
     </a:lvl6pPr>
     <a:lvl7pPr>
       <a:defRPr>
-        <a:latin typeface="Times"/>
-        <a:ea typeface="Times"/>
-        <a:cs typeface="Times"/>
-        <a:sym typeface="Times"/>
+        <a:latin typeface="+mn-lt"/>
+        <a:ea typeface="+mn-ea"/>
+        <a:cs typeface="+mn-cs"/>
+        <a:sym typeface="Helvetica"/>
       </a:defRPr>
     </a:lvl7pPr>
     <a:lvl8pPr>
       <a:defRPr>
-        <a:latin typeface="Times"/>
-        <a:ea typeface="Times"/>
-        <a:cs typeface="Times"/>
-        <a:sym typeface="Times"/>
+        <a:latin typeface="+mn-lt"/>
+        <a:ea typeface="+mn-ea"/>
+        <a:cs typeface="+mn-cs"/>
+        <a:sym typeface="Helvetica"/>
       </a:defRPr>
     </a:lvl8pPr>
     <a:lvl9pPr>
       <a:defRPr>
-        <a:latin typeface="Times"/>
-        <a:ea typeface="Times"/>
-        <a:cs typeface="Times"/>
-        <a:sym typeface="Times"/>
+        <a:latin typeface="+mn-lt"/>
+        <a:ea typeface="+mn-ea"/>
+        <a:cs typeface="+mn-cs"/>
+        <a:sym typeface="Helvetica"/>
       </a:defRPr>
     </a:lvl9pPr>
   </p:defaultTextStyle>
@@ -330,57 +330,28 @@
         </p:spPr>
         <p:txBody>
           <a:bodyPr/>
-          <a:lstStyle/>
-          <a:p>
-            <a:pPr lvl="0">
+          <a:lstStyle>
+            <a:lvl1pPr>
               <a:lnSpc>
                 <a:spcPct val="100000"/>
               </a:lnSpc>
-              <a:defRPr sz="1800"/>
-            </a:pPr>
-            <a:r>
-              <a:rPr sz="1200">
+              <a:defRPr sz="1200">
                 <a:latin typeface="Trebuchet MS"/>
                 <a:ea typeface="Trebuchet MS"/>
                 <a:cs typeface="Trebuchet MS"/>
                 <a:sym typeface="Trebuchet MS"/>
-              </a:rPr>
+              </a:defRPr>
+            </a:lvl1pPr>
+          </a:lstStyle>
+          <a:p>
+            <a:pPr lvl="0">
+              <a:defRPr sz="1800"/>
+            </a:pPr>
+            <a:r>
+              <a:rPr sz="1200"/>
               <a:t>In our last lesson, we talked about the android project structure and activity. We showed you how one activity can programmatically start another activity by first creating an intent object and how an activity can get result from another activity through intent.</a:t>
             </a:r>
-            <a:endParaRPr sz="1200">
-              <a:latin typeface="Trebuchet MS"/>
-              <a:ea typeface="Trebuchet MS"/>
-              <a:cs typeface="Trebuchet MS"/>
-              <a:sym typeface="Trebuchet MS"/>
-            </a:endParaRPr>
-          </a:p>
-          <a:p>
-            <a:pPr lvl="0">
-              <a:lnSpc>
-                <a:spcPct val="100000"/>
-              </a:lnSpc>
-              <a:defRPr sz="1800"/>
-            </a:pPr>
-            <a:endParaRPr sz="1200">
-              <a:latin typeface="Trebuchet MS"/>
-              <a:ea typeface="Trebuchet MS"/>
-              <a:cs typeface="Trebuchet MS"/>
-              <a:sym typeface="Trebuchet MS"/>
-            </a:endParaRPr>
-          </a:p>
-          <a:p>
-            <a:pPr lvl="0">
-              <a:lnSpc>
-                <a:spcPct val="100000"/>
-              </a:lnSpc>
-              <a:defRPr sz="1800"/>
-            </a:pPr>
-            <a:endParaRPr sz="1200">
-              <a:latin typeface="Trebuchet MS"/>
-              <a:ea typeface="Trebuchet MS"/>
-              <a:cs typeface="Trebuchet MS"/>
-              <a:sym typeface="Trebuchet MS"/>
-            </a:endParaRPr>
+            <a:endParaRPr sz="1200"/>
           </a:p>
         </p:txBody>
       </p:sp>
@@ -711,34 +682,6 @@
               <a:sym typeface="Trebuchet MS"/>
             </a:endParaRPr>
           </a:p>
-          <a:p>
-            <a:pPr lvl="0">
-              <a:lnSpc>
-                <a:spcPct val="100000"/>
-              </a:lnSpc>
-              <a:defRPr sz="1800"/>
-            </a:pPr>
-            <a:endParaRPr sz="1200">
-              <a:latin typeface="Trebuchet MS"/>
-              <a:ea typeface="Trebuchet MS"/>
-              <a:cs typeface="Trebuchet MS"/>
-              <a:sym typeface="Trebuchet MS"/>
-            </a:endParaRPr>
-          </a:p>
-          <a:p>
-            <a:pPr lvl="0">
-              <a:lnSpc>
-                <a:spcPct val="100000"/>
-              </a:lnSpc>
-              <a:defRPr sz="1800"/>
-            </a:pPr>
-            <a:endParaRPr sz="1200">
-              <a:latin typeface="Trebuchet MS"/>
-              <a:ea typeface="Trebuchet MS"/>
-              <a:cs typeface="Trebuchet MS"/>
-              <a:sym typeface="Trebuchet MS"/>
-            </a:endParaRPr>
-          </a:p>
         </p:txBody>
       </p:sp>
     </p:spTree>
@@ -878,11 +821,12 @@
             </a:endParaRPr>
           </a:p>
           <a:p>
-            <a:pPr lvl="0" marL="250863" indent="-250863">
+            <a:pPr lvl="0" marL="198212" indent="-198212">
               <a:lnSpc>
                 <a:spcPct val="100000"/>
               </a:lnSpc>
               <a:buSzPct val="100000"/>
+              <a:buFont typeface="Georgia"/>
               <a:buAutoNum type="arabicPeriod" startAt="1"/>
               <a:defRPr sz="1800"/>
             </a:pPr>
@@ -903,11 +847,12 @@
             </a:endParaRPr>
           </a:p>
           <a:p>
-            <a:pPr lvl="0" marL="250863" indent="-250863">
+            <a:pPr lvl="0" marL="198212" indent="-198212">
               <a:lnSpc>
                 <a:spcPct val="100000"/>
               </a:lnSpc>
               <a:buSzPct val="100000"/>
+              <a:buFont typeface="Georgia"/>
               <a:buAutoNum type="arabicPeriod" startAt="1"/>
               <a:defRPr sz="1800"/>
             </a:pPr>
@@ -928,11 +873,12 @@
             </a:endParaRPr>
           </a:p>
           <a:p>
-            <a:pPr lvl="0" marL="250863" indent="-250863">
+            <a:pPr lvl="0" marL="198212" indent="-198212">
               <a:lnSpc>
                 <a:spcPct val="100000"/>
               </a:lnSpc>
               <a:buSzPct val="100000"/>
+              <a:buFont typeface="Georgia"/>
               <a:buAutoNum type="arabicPeriod" startAt="1"/>
               <a:defRPr sz="1800"/>
             </a:pPr>
@@ -1821,6 +1767,70 @@
               <a:sym typeface="Trebuchet MS"/>
             </a:endParaRPr>
           </a:p>
+        </p:txBody>
+      </p:sp>
+    </p:spTree>
+  </p:cSld>
+  <p:clrMapOvr>
+    <a:masterClrMapping/>
+  </p:clrMapOvr>
+</p:notes>
+</file>
+
+<file path=ppt/notesSlides/notesSlide7.xml><?xml version="1.0" encoding="utf-8"?>
+<p:notes xmlns:a="http://schemas.openxmlformats.org/drawingml/2006/main" xmlns:r="http://schemas.openxmlformats.org/officeDocument/2006/relationships" xmlns:p="http://schemas.openxmlformats.org/presentationml/2006/main" showMasterSp="1" showMasterPhAnim="1">
+  <p:cSld>
+    <p:spTree>
+      <p:nvGrpSpPr>
+        <p:cNvPr id="1" name=""/>
+        <p:cNvGrpSpPr/>
+        <p:nvPr/>
+      </p:nvGrpSpPr>
+      <p:grpSpPr>
+        <a:xfrm>
+          <a:off x="0" y="0"/>
+          <a:ext cx="0" cy="0"/>
+          <a:chOff x="0" y="0"/>
+          <a:chExt cx="0" cy="0"/>
+        </a:xfrm>
+      </p:grpSpPr>
+      <p:sp>
+        <p:nvSpPr>
+          <p:cNvPr id="147" name="Shape 147"/>
+          <p:cNvSpPr/>
+          <p:nvPr>
+            <p:ph type="sldImg"/>
+          </p:nvPr>
+        </p:nvSpPr>
+        <p:spPr>
+          <a:prstGeom prst="rect">
+            <a:avLst/>
+          </a:prstGeom>
+        </p:spPr>
+        <p:txBody>
+          <a:bodyPr/>
+          <a:lstStyle/>
+          <a:p>
+            <a:pPr lvl="0"/>
+          </a:p>
+        </p:txBody>
+      </p:sp>
+      <p:sp>
+        <p:nvSpPr>
+          <p:cNvPr id="148" name="Shape 148"/>
+          <p:cNvSpPr/>
+          <p:nvPr>
+            <p:ph type="body" sz="quarter" idx="1"/>
+          </p:nvPr>
+        </p:nvSpPr>
+        <p:spPr>
+          <a:prstGeom prst="rect">
+            <a:avLst/>
+          </a:prstGeom>
+        </p:spPr>
+        <p:txBody>
+          <a:bodyPr/>
+          <a:lstStyle/>
           <a:p>
             <a:pPr lvl="0">
               <a:lnSpc>
@@ -1828,11 +1838,20 @@
               </a:lnSpc>
               <a:defRPr sz="1800"/>
             </a:pPr>
-            <a:endParaRPr sz="1200">
-              <a:latin typeface="Trebuchet MS"/>
-              <a:ea typeface="Trebuchet MS"/>
-              <a:cs typeface="Trebuchet MS"/>
-              <a:sym typeface="Trebuchet MS"/>
+            <a:r>
+              <a:rPr sz="1600">
+                <a:latin typeface="Georgia"/>
+                <a:ea typeface="Georgia"/>
+                <a:cs typeface="Georgia"/>
+                <a:sym typeface="Georgia"/>
+              </a:rPr>
+              <a:t>Portrait or Landscape layout</a:t>
+            </a:r>
+            <a:endParaRPr sz="1600">
+              <a:latin typeface="Georgia"/>
+              <a:ea typeface="Georgia"/>
+              <a:cs typeface="Georgia"/>
+              <a:sym typeface="Georgia"/>
             </a:endParaRPr>
           </a:p>
           <a:p>
@@ -1842,11 +1861,43 @@
               </a:lnSpc>
               <a:defRPr sz="1800"/>
             </a:pPr>
-            <a:endParaRPr sz="1200">
-              <a:latin typeface="Trebuchet MS"/>
-              <a:ea typeface="Trebuchet MS"/>
-              <a:cs typeface="Trebuchet MS"/>
-              <a:sym typeface="Trebuchet MS"/>
+            <a:r>
+              <a:rPr sz="1600">
+                <a:latin typeface="Georgia"/>
+                <a:ea typeface="Georgia"/>
+                <a:cs typeface="Georgia"/>
+                <a:sym typeface="Georgia"/>
+              </a:rPr>
+              <a:t>Localisation</a:t>
+            </a:r>
+            <a:endParaRPr sz="1600">
+              <a:latin typeface="Georgia"/>
+              <a:ea typeface="Georgia"/>
+              <a:cs typeface="Georgia"/>
+              <a:sym typeface="Georgia"/>
+            </a:endParaRPr>
+          </a:p>
+          <a:p>
+            <a:pPr lvl="0">
+              <a:lnSpc>
+                <a:spcPct val="100000"/>
+              </a:lnSpc>
+              <a:defRPr sz="1800"/>
+            </a:pPr>
+            <a:r>
+              <a:rPr sz="1600">
+                <a:latin typeface="Georgia"/>
+                <a:ea typeface="Georgia"/>
+                <a:cs typeface="Georgia"/>
+                <a:sym typeface="Georgia"/>
+              </a:rPr>
+              <a:t>Large</a:t>
+            </a:r>
+            <a:endParaRPr sz="1600">
+              <a:latin typeface="Georgia"/>
+              <a:ea typeface="Georgia"/>
+              <a:cs typeface="Georgia"/>
+              <a:sym typeface="Georgia"/>
             </a:endParaRPr>
           </a:p>
         </p:txBody>
@@ -2176,7 +2227,7 @@
         <p:spPr>
           <a:xfrm>
             <a:off x="1222898" y="2305609"/>
-            <a:ext cx="2495551" cy="95252"/>
+            <a:ext cx="2495551" cy="95254"/>
           </a:xfrm>
           <a:prstGeom prst="rect">
             <a:avLst/>
@@ -2210,7 +2261,7 @@
         <p:spPr>
           <a:xfrm rot="308221">
             <a:off x="6798019" y="538594"/>
-            <a:ext cx="1808487" cy="516710"/>
+            <a:ext cx="1808489" cy="516710"/>
           </a:xfrm>
           <a:prstGeom prst="rect">
             <a:avLst/>
@@ -2445,7 +2496,7 @@
         <p:spPr>
           <a:xfrm>
             <a:off x="3324225" y="4666129"/>
-            <a:ext cx="2495550" cy="95252"/>
+            <a:ext cx="2495550" cy="95254"/>
           </a:xfrm>
           <a:prstGeom prst="rect">
             <a:avLst/>
@@ -2473,7 +2524,7 @@
         <p:spPr>
           <a:xfrm>
             <a:off x="571500" y="0"/>
-            <a:ext cx="8001000" cy="4634755"/>
+            <a:ext cx="8001000" cy="4634756"/>
           </a:xfrm>
           <a:prstGeom prst="rect">
             <a:avLst/>
@@ -2687,7 +2738,7 @@
         <p:spPr>
           <a:xfrm rot="308221">
             <a:off x="6835967" y="278688"/>
-            <a:ext cx="1695956" cy="484559"/>
+            <a:ext cx="1695958" cy="484559"/>
           </a:xfrm>
           <a:prstGeom prst="rect">
             <a:avLst/>
@@ -2714,7 +2765,7 @@
         <p:spPr>
           <a:xfrm>
             <a:off x="3324225" y="4666129"/>
-            <a:ext cx="2495550" cy="95252"/>
+            <a:ext cx="2495550" cy="95254"/>
           </a:xfrm>
           <a:prstGeom prst="rect">
             <a:avLst/>
@@ -2747,8 +2798,8 @@
         </p:blipFill>
         <p:spPr>
           <a:xfrm rot="20785256">
-            <a:off x="2866026" y="3182424"/>
-            <a:ext cx="1695957" cy="484560"/>
+            <a:off x="2866026" y="3182422"/>
+            <a:ext cx="1695957" cy="484563"/>
           </a:xfrm>
           <a:prstGeom prst="rect">
             <a:avLst/>
@@ -2769,7 +2820,7 @@
         <p:spPr>
           <a:xfrm>
             <a:off x="571500" y="0"/>
-            <a:ext cx="8001000" cy="4634755"/>
+            <a:ext cx="8001000" cy="4634756"/>
           </a:xfrm>
           <a:prstGeom prst="rect">
             <a:avLst/>
@@ -2977,7 +3028,7 @@
         <p:spPr>
           <a:xfrm rot="21240000">
             <a:off x="4717562" y="3396153"/>
-            <a:ext cx="3474721" cy="1097282"/>
+            <a:ext cx="3474721" cy="1097284"/>
           </a:xfrm>
           <a:prstGeom prst="rect">
             <a:avLst/>
@@ -3020,7 +3071,7 @@
         <p:spPr>
           <a:xfrm>
             <a:off x="4983479" y="4800600"/>
-            <a:ext cx="3246122" cy="1188720"/>
+            <a:ext cx="3246124" cy="1188720"/>
           </a:xfrm>
           <a:prstGeom prst="rect">
             <a:avLst/>
@@ -3243,7 +3294,7 @@
         <p:spPr>
           <a:xfrm rot="308221">
             <a:off x="7428514" y="2619243"/>
-            <a:ext cx="1580739" cy="451641"/>
+            <a:ext cx="1580739" cy="451643"/>
           </a:xfrm>
           <a:prstGeom prst="rect">
             <a:avLst/>
@@ -3270,7 +3321,7 @@
         <p:spPr>
           <a:xfrm rot="322260">
             <a:off x="6339644" y="604321"/>
-            <a:ext cx="1610334" cy="2025115"/>
+            <a:ext cx="1610336" cy="2025115"/>
           </a:xfrm>
           <a:prstGeom prst="rect">
             <a:avLst/>
@@ -3297,7 +3348,7 @@
         <p:spPr>
           <a:xfrm rot="322260">
             <a:off x="4891844" y="985319"/>
-            <a:ext cx="1610334" cy="2025117"/>
+            <a:ext cx="1610336" cy="2025119"/>
           </a:xfrm>
           <a:prstGeom prst="rect">
             <a:avLst/>
@@ -3318,7 +3369,7 @@
         <p:spPr>
           <a:xfrm rot="21240000">
             <a:off x="455724" y="3551613"/>
-            <a:ext cx="3474721" cy="1097283"/>
+            <a:ext cx="3474721" cy="1097285"/>
           </a:xfrm>
           <a:prstGeom prst="rect">
             <a:avLst/>
@@ -3726,7 +3777,7 @@
         <p:spPr>
           <a:xfrm>
             <a:off x="6512859" y="1562100"/>
-            <a:ext cx="152402" cy="3733800"/>
+            <a:ext cx="152404" cy="3733800"/>
           </a:xfrm>
           <a:prstGeom prst="rect">
             <a:avLst/>
@@ -3754,7 +3805,7 @@
         <p:spPr>
           <a:xfrm>
             <a:off x="6696633" y="0"/>
-            <a:ext cx="1882591" cy="6616700"/>
+            <a:ext cx="1882593" cy="6616700"/>
           </a:xfrm>
           <a:prstGeom prst="rect">
             <a:avLst/>
@@ -3962,7 +4013,7 @@
           </a:prstGeom>
         </p:spPr>
         <p:txBody>
-          <a:bodyPr lIns="45718" tIns="45718" rIns="45718" bIns="45718">
+          <a:bodyPr>
             <a:noAutofit/>
           </a:bodyPr>
           <a:lstStyle>
@@ -3997,14 +4048,14 @@
         <p:spPr>
           <a:xfrm>
             <a:off x="4046220" y="6206694"/>
-            <a:ext cx="1051563" cy="269237"/>
+            <a:ext cx="1051565" cy="269237"/>
           </a:xfrm>
           <a:prstGeom prst="rect">
             <a:avLst/>
           </a:prstGeom>
         </p:spPr>
         <p:txBody>
-          <a:bodyPr lIns="45718" tIns="45718" rIns="45718" bIns="45718">
+          <a:bodyPr>
             <a:spAutoFit/>
           </a:bodyPr>
           <a:lstStyle>
@@ -4269,7 +4320,7 @@
         <p:spPr>
           <a:xfrm rot="21366660">
             <a:off x="5138373" y="599839"/>
-            <a:ext cx="1610334" cy="2025115"/>
+            <a:ext cx="1610336" cy="2025115"/>
           </a:xfrm>
           <a:prstGeom prst="rect">
             <a:avLst/>
@@ -4295,8 +4346,8 @@
         </p:blipFill>
         <p:spPr>
           <a:xfrm rot="21329777">
-            <a:off x="2072770" y="555386"/>
-            <a:ext cx="1610334" cy="2025115"/>
+            <a:off x="2072769" y="555386"/>
+            <a:ext cx="1610336" cy="2025115"/>
           </a:xfrm>
           <a:prstGeom prst="rect">
             <a:avLst/>
@@ -4323,7 +4374,7 @@
         <p:spPr>
           <a:xfrm rot="151791">
             <a:off x="3591962" y="936013"/>
-            <a:ext cx="1610334" cy="2025117"/>
+            <a:ext cx="1610336" cy="2025119"/>
           </a:xfrm>
           <a:prstGeom prst="rect">
             <a:avLst/>
@@ -4635,7 +4686,7 @@
         <p:spPr>
           <a:xfrm>
             <a:off x="571500" y="3644153"/>
-            <a:ext cx="8001000" cy="3213847"/>
+            <a:ext cx="8001000" cy="3213849"/>
           </a:xfrm>
           <a:prstGeom prst="rect">
             <a:avLst/>
@@ -5008,7 +5059,7 @@
         <p:spPr>
           <a:xfrm>
             <a:off x="571500" y="1528571"/>
-            <a:ext cx="3749041" cy="1332297"/>
+            <a:ext cx="3749041" cy="1332299"/>
           </a:xfrm>
           <a:prstGeom prst="rect">
             <a:avLst/>
@@ -5382,7 +5433,7 @@
         <p:spPr>
           <a:xfrm>
             <a:off x="1222898" y="2305609"/>
-            <a:ext cx="2495551" cy="95252"/>
+            <a:ext cx="2495551" cy="95254"/>
           </a:xfrm>
           <a:prstGeom prst="rect">
             <a:avLst/>
@@ -5445,7 +5496,7 @@
         <p:spPr>
           <a:xfrm>
             <a:off x="4827494" y="430306"/>
-            <a:ext cx="3749042" cy="6427695"/>
+            <a:ext cx="3749043" cy="6427695"/>
           </a:xfrm>
           <a:prstGeom prst="rect">
             <a:avLst/>
@@ -5761,8 +5812,8 @@
         </p:nvSpPr>
         <p:spPr>
           <a:xfrm>
-            <a:off x="4046220" y="5937454"/>
-            <a:ext cx="1051562" cy="269239"/>
+            <a:off x="4046220" y="5937453"/>
+            <a:ext cx="1051564" cy="269241"/>
           </a:xfrm>
           <a:prstGeom prst="rect">
             <a:avLst/>
@@ -5781,6 +5832,10 @@
                 <a:solidFill>
                   <a:srgbClr val="82682C"/>
                 </a:solidFill>
+                <a:latin typeface="Times"/>
+                <a:ea typeface="Times"/>
+                <a:cs typeface="Times"/>
+                <a:sym typeface="Times"/>
               </a:defRPr>
             </a:lvl1pPr>
           </a:lstStyle>
@@ -5903,7 +5958,7 @@
           <a:sym typeface="Times"/>
         </a:defRPr>
       </a:lvl1pPr>
-      <a:lvl2pPr marL="955962" indent="-498763">
+      <a:lvl2pPr marL="955961" indent="-498763">
         <a:spcBef>
           <a:spcPts val="2000"/>
         </a:spcBef>
@@ -5959,7 +6014,7 @@
           <a:sym typeface="Times"/>
         </a:defRPr>
       </a:lvl5pPr>
-      <a:lvl6pPr marL="2897186" indent="-615950">
+      <a:lvl6pPr marL="2897184" indent="-615950">
         <a:spcBef>
           <a:spcPts val="2000"/>
         </a:spcBef>
@@ -6148,8 +6203,8 @@
         </p:nvSpPr>
         <p:spPr>
           <a:xfrm>
-            <a:off x="693964" y="433111"/>
-            <a:ext cx="8001001" cy="1207503"/>
+            <a:off x="693964" y="433110"/>
+            <a:ext cx="8001001" cy="1207505"/>
           </a:xfrm>
           <a:prstGeom prst="rect">
             <a:avLst/>
@@ -6183,8 +6238,8 @@
         </p:nvSpPr>
         <p:spPr>
           <a:xfrm>
-            <a:off x="571500" y="2190187"/>
-            <a:ext cx="8001001" cy="4114802"/>
+            <a:off x="571500" y="2190186"/>
+            <a:ext cx="8001001" cy="4114805"/>
           </a:xfrm>
           <a:prstGeom prst="rect">
             <a:avLst/>
@@ -6194,17 +6249,17 @@
           <a:bodyPr/>
           <a:lstStyle/>
           <a:p>
-            <a:pPr lvl="0" marL="609600" indent="-609600">
+            <a:pPr lvl="0" marL="1083733" indent="-1083733">
               <a:defRPr sz="1800"/>
             </a:pPr>
             <a:r>
               <a:rPr sz="2400"/>
-              <a:t>You have taken a recent pull from git@github.com:abhinavmanchanda/ProjectPlanner.git</a:t>
+              <a:t>You have taken a recent pull from git@github.com:androidbootcamp/ProjectPlanner.git</a:t>
             </a:r>
             <a:endParaRPr sz="2400"/>
           </a:p>
           <a:p>
-            <a:pPr lvl="0" marL="609600" indent="-609600">
+            <a:pPr lvl="0" marL="1083733" indent="-1083733">
               <a:defRPr sz="1800"/>
             </a:pPr>
             <a:r>
@@ -6280,6 +6335,10 @@
           </p:nvPr>
         </p:nvSpPr>
         <p:spPr>
+          <a:xfrm>
+            <a:off x="4046220" y="5937453"/>
+            <a:ext cx="1051564" cy="269241"/>
+          </a:xfrm>
           <a:prstGeom prst="rect">
             <a:avLst/>
           </a:prstGeom>
@@ -6291,7 +6350,11 @@
         </p:spPr>
         <p:txBody>
           <a:bodyPr/>
-          <a:lstStyle/>
+          <a:lstStyle>
+            <a:lvl1pPr defTabSz="859536">
+              <a:defRPr sz="1100"/>
+            </a:lvl1pPr>
+          </a:lstStyle>
           <a:p>
             <a:pPr lvl="0">
               <a:defRPr sz="1800">
@@ -6301,7 +6364,7 @@
               </a:defRPr>
             </a:pPr>
             <a:fld id="{86CB4B4D-7CA3-9044-876B-883B54F8677D}" type="slidenum">
-              <a:rPr sz="1200">
+              <a:rPr sz="1100">
                 <a:solidFill>
                   <a:srgbClr val="82682C"/>
                 </a:solidFill>
@@ -6338,7 +6401,7 @@
       </p:grpSpPr>
       <p:sp>
         <p:nvSpPr>
-          <p:cNvPr id="148" name="Shape 148"/>
+          <p:cNvPr id="150" name="Shape 150"/>
           <p:cNvSpPr/>
           <p:nvPr>
             <p:ph type="title"/>
@@ -6346,8 +6409,8 @@
         </p:nvSpPr>
         <p:spPr>
           <a:xfrm>
-            <a:off x="571500" y="274638"/>
-            <a:ext cx="8001000" cy="1143002"/>
+            <a:off x="571500" y="274637"/>
+            <a:ext cx="8001000" cy="1143004"/>
           </a:xfrm>
           <a:prstGeom prst="rect">
             <a:avLst/>
@@ -6369,7 +6432,7 @@
       </p:sp>
       <p:sp>
         <p:nvSpPr>
-          <p:cNvPr id="149" name="Shape 149"/>
+          <p:cNvPr id="151" name="Shape 151"/>
           <p:cNvSpPr/>
           <p:nvPr>
             <p:ph type="body" idx="1"/>
@@ -6388,83 +6451,124 @@
           <a:bodyPr/>
           <a:lstStyle/>
           <a:p>
-            <a:pPr lvl="0" marL="609600" indent="-609600">
+            <a:pPr lvl="0" marL="986197" indent="-986197" defTabSz="832104">
+              <a:spcBef>
+                <a:spcPts val="1800"/>
+              </a:spcBef>
               <a:buClr>
                 <a:srgbClr val="99350B"/>
               </a:buClr>
               <a:defRPr sz="1800"/>
             </a:pPr>
             <a:r>
-              <a:rPr sz="2400">
+              <a:rPr sz="2184">
                 <a:hlinkClick r:id="rId2" invalidUrl="" action="" tgtFrame="" tooltip="" history="1" highlightClick="0" endSnd="0"/>
               </a:rPr>
               <a:t>http</a:t>
             </a:r>
             <a:r>
-              <a:rPr sz="2400">
+              <a:rPr sz="2184">
                 <a:hlinkClick r:id="rId2" invalidUrl="" action="" tgtFrame="" tooltip="" history="1" highlightClick="0" endSnd="0"/>
               </a:rPr>
               <a:t>://developer.android.com/guide/components/intents-</a:t>
             </a:r>
             <a:r>
-              <a:rPr sz="2400">
+              <a:rPr sz="2184">
                 <a:hlinkClick r:id="rId2" invalidUrl="" action="" tgtFrame="" tooltip="" history="1" highlightClick="0" endSnd="0"/>
               </a:rPr>
               <a:t>filters.html</a:t>
             </a:r>
-          </a:p>
-          <a:p>
-            <a:pPr lvl="0" marL="609600" indent="-609600">
+            <a:endParaRPr sz="1638"/>
+          </a:p>
+          <a:p>
+            <a:pPr lvl="0" marL="986197" indent="-986197" defTabSz="832104">
+              <a:spcBef>
+                <a:spcPts val="1800"/>
+              </a:spcBef>
               <a:buClr>
                 <a:srgbClr val="99350B"/>
               </a:buClr>
               <a:defRPr sz="1800"/>
             </a:pPr>
             <a:r>
-              <a:rPr sz="2400">
+              <a:rPr sz="2184">
                 <a:hlinkClick r:id="rId3" invalidUrl="" action="" tgtFrame="" tooltip="" history="1" highlightClick="0" endSnd="0"/>
               </a:rPr>
               <a:t>http://developer.android.com/training/basics/data-storage/</a:t>
             </a:r>
             <a:r>
-              <a:rPr sz="2400">
+              <a:rPr sz="2184">
                 <a:hlinkClick r:id="rId3" invalidUrl="" action="" tgtFrame="" tooltip="" history="1" highlightClick="0" endSnd="0"/>
               </a:rPr>
               <a:t>databases.html</a:t>
             </a:r>
-          </a:p>
-          <a:p>
-            <a:pPr lvl="0" marL="609600" indent="-609600">
+            <a:endParaRPr sz="1638"/>
+          </a:p>
+          <a:p>
+            <a:pPr lvl="0" marL="986197" indent="-986197" defTabSz="832104">
+              <a:spcBef>
+                <a:spcPts val="1800"/>
+              </a:spcBef>
               <a:buClr>
                 <a:srgbClr val="99350B"/>
               </a:buClr>
               <a:defRPr sz="1800"/>
             </a:pPr>
             <a:r>
-              <a:rPr sz="2400">
+              <a:rPr sz="2184">
                 <a:hlinkClick r:id="rId4" invalidUrl="" action="" tgtFrame="" tooltip="" history="1" highlightClick="0" endSnd="0"/>
               </a:rPr>
               <a:t>http://developer.android.com/reference/android/database/sqlite/package-</a:t>
             </a:r>
             <a:r>
-              <a:rPr sz="2400">
+              <a:rPr sz="2184">
                 <a:hlinkClick r:id="rId4" invalidUrl="" action="" tgtFrame="" tooltip="" history="1" highlightClick="0" endSnd="0"/>
               </a:rPr>
               <a:t>summary.html</a:t>
             </a:r>
-          </a:p>
-          <a:p>
-            <a:pPr lvl="0" marL="609600" indent="-609600">
+            <a:endParaRPr sz="1638"/>
+          </a:p>
+          <a:p>
+            <a:pPr lvl="0" marL="986197" indent="-986197" defTabSz="832104">
+              <a:spcBef>
+                <a:spcPts val="1800"/>
+              </a:spcBef>
               <a:buClr>
                 <a:srgbClr val="924607"/>
               </a:buClr>
               <a:defRPr sz="1800"/>
             </a:pPr>
             <a:r>
-              <a:rPr sz="2400">
+              <a:rPr sz="2184">
                 <a:hlinkClick r:id="rId5" invalidUrl="" action="" tgtFrame="" tooltip="" history="1" highlightClick="0" endSnd="0"/>
               </a:rPr>
               <a:t>http://developer.android.com/guide/topics/resources/providing-resources.html</a:t>
+            </a:r>
+            <a:endParaRPr sz="1638"/>
+          </a:p>
+          <a:p>
+            <a:pPr lvl="0" marL="739648" indent="-739648" defTabSz="832104">
+              <a:spcBef>
+                <a:spcPts val="1800"/>
+              </a:spcBef>
+              <a:buClr>
+                <a:srgbClr val="924607"/>
+              </a:buClr>
+              <a:defRPr sz="1800"/>
+            </a:pPr>
+            <a:r>
+              <a:rPr sz="2184" u="sng">
+                <a:solidFill>
+                  <a:srgbClr val="0000FF"/>
+                </a:solidFill>
+                <a:uFill>
+                  <a:solidFill>
+                    <a:srgbClr val="0000FF"/>
+                  </a:solidFill>
+                </a:uFill>
+                <a:hlinkClick r:id="rId6" invalidUrl="" action="" tgtFrame="" tooltip="" history="1" highlightClick="0" endSnd="0"/>
+              </a:rPr>
+              <a:t>http://www.sitepoint.com/5-best-android-orms/</a:t>
             </a:r>
           </a:p>
         </p:txBody>
@@ -6505,8 +6609,8 @@
         </p:nvSpPr>
         <p:spPr>
           <a:xfrm>
-            <a:off x="571500" y="274638"/>
-            <a:ext cx="8001000" cy="1143002"/>
+            <a:off x="571500" y="274637"/>
+            <a:ext cx="8001000" cy="1143004"/>
           </a:xfrm>
           <a:prstGeom prst="rect">
             <a:avLst/>
@@ -6547,7 +6651,7 @@
           <a:bodyPr/>
           <a:lstStyle/>
           <a:p>
-            <a:pPr lvl="0" marL="609600" indent="-609600">
+            <a:pPr lvl="0" marL="1083733" indent="-1083733">
               <a:defRPr sz="1800"/>
             </a:pPr>
             <a:r>
@@ -6557,7 +6661,7 @@
             <a:endParaRPr sz="2400"/>
           </a:p>
           <a:p>
-            <a:pPr lvl="0" marL="609600" indent="-609600">
+            <a:pPr lvl="0" marL="1083733" indent="-1083733">
               <a:defRPr sz="1800"/>
             </a:pPr>
             <a:r>
@@ -6567,7 +6671,7 @@
             <a:endParaRPr sz="2400"/>
           </a:p>
           <a:p>
-            <a:pPr lvl="0" marL="609600" indent="-609600">
+            <a:pPr lvl="0" marL="1083733" indent="-1083733">
               <a:defRPr sz="1800"/>
             </a:pPr>
             <a:r>
@@ -6577,7 +6681,7 @@
             <a:endParaRPr sz="2400"/>
           </a:p>
           <a:p>
-            <a:pPr lvl="0" marL="609600" indent="-609600">
+            <a:pPr lvl="0" marL="1083733" indent="-1083733">
               <a:defRPr sz="1800"/>
             </a:pPr>
             <a:r>
@@ -6587,7 +6691,7 @@
             <a:endParaRPr sz="2400"/>
           </a:p>
           <a:p>
-            <a:pPr lvl="0" marL="609600" indent="-609600">
+            <a:pPr lvl="0" marL="1083733" indent="-1083733">
               <a:defRPr sz="1800"/>
             </a:pPr>
             <a:r>
@@ -6597,7 +6701,7 @@
             <a:endParaRPr sz="2400"/>
           </a:p>
           <a:p>
-            <a:pPr lvl="0" marL="609600" indent="-609600">
+            <a:pPr lvl="0" marL="1083733" indent="-1083733">
               <a:defRPr sz="1800"/>
             </a:pPr>
             <a:r>
@@ -6643,8 +6747,8 @@
         </p:nvSpPr>
         <p:spPr>
           <a:xfrm>
-            <a:off x="571500" y="274638"/>
-            <a:ext cx="8001000" cy="1143002"/>
+            <a:off x="571500" y="274637"/>
+            <a:ext cx="8001000" cy="1143004"/>
           </a:xfrm>
           <a:prstGeom prst="rect">
             <a:avLst/>
@@ -6685,7 +6789,7 @@
           <a:bodyPr/>
           <a:lstStyle/>
           <a:p>
-            <a:pPr lvl="0" marL="609600" indent="-609600">
+            <a:pPr lvl="0" marL="1083733" indent="-1083733">
               <a:defRPr sz="1800"/>
             </a:pPr>
             <a:r>
@@ -6695,7 +6799,7 @@
             <a:endParaRPr sz="2400"/>
           </a:p>
           <a:p>
-            <a:pPr lvl="0" marL="609600" indent="-609600">
+            <a:pPr lvl="0" marL="1083733" indent="-1083733">
               <a:defRPr sz="1800"/>
             </a:pPr>
             <a:r>
@@ -6741,8 +6845,8 @@
         </p:nvSpPr>
         <p:spPr>
           <a:xfrm>
-            <a:off x="571500" y="274638"/>
-            <a:ext cx="8001000" cy="1143002"/>
+            <a:off x="571500" y="274637"/>
+            <a:ext cx="8001000" cy="1143004"/>
           </a:xfrm>
           <a:prstGeom prst="rect">
             <a:avLst/>
@@ -6772,8 +6876,8 @@
         </p:nvSpPr>
         <p:spPr>
           <a:xfrm>
-            <a:off x="571500" y="2450720"/>
-            <a:ext cx="8001000" cy="3569080"/>
+            <a:off x="571500" y="2450719"/>
+            <a:ext cx="8001000" cy="3569082"/>
           </a:xfrm>
           <a:prstGeom prst="rect">
             <a:avLst/>
@@ -6783,7 +6887,7 @@
           <a:bodyPr/>
           <a:lstStyle/>
           <a:p>
-            <a:pPr lvl="0" marL="609600" indent="-609600">
+            <a:pPr lvl="0" marL="1083733" indent="-1083733">
               <a:defRPr sz="1800"/>
             </a:pPr>
             <a:r>
@@ -6793,7 +6897,7 @@
             <a:endParaRPr sz="2400"/>
           </a:p>
           <a:p>
-            <a:pPr lvl="0" marL="609600" indent="-609600">
+            <a:pPr lvl="0" marL="1083733" indent="-1083733">
               <a:defRPr sz="1800"/>
             </a:pPr>
             <a:r>
@@ -6839,8 +6943,8 @@
         </p:nvSpPr>
         <p:spPr>
           <a:xfrm>
-            <a:off x="571500" y="274638"/>
-            <a:ext cx="8001000" cy="1143002"/>
+            <a:off x="571500" y="274637"/>
+            <a:ext cx="8001000" cy="1143004"/>
           </a:xfrm>
           <a:prstGeom prst="rect">
             <a:avLst/>
@@ -6888,7 +6992,7 @@
             </a:pPr>
           </a:p>
           <a:p>
-            <a:pPr lvl="0" marL="609600" indent="-609600">
+            <a:pPr lvl="0" marL="1083733" indent="-1083733">
               <a:defRPr sz="1800"/>
             </a:pPr>
             <a:r>
@@ -6898,7 +7002,7 @@
             <a:endParaRPr sz="2400"/>
           </a:p>
           <a:p>
-            <a:pPr lvl="0" marL="609600" indent="-609600">
+            <a:pPr lvl="0" marL="1083733" indent="-1083733">
               <a:defRPr sz="1800"/>
             </a:pPr>
             <a:r>
@@ -6908,7 +7012,7 @@
             <a:endParaRPr sz="2400"/>
           </a:p>
           <a:p>
-            <a:pPr lvl="0" marL="609600" indent="-609600">
+            <a:pPr lvl="0" marL="1083733" indent="-1083733">
               <a:defRPr sz="1800"/>
             </a:pPr>
             <a:r>
@@ -7106,6 +7210,10 @@
           </p:nvPr>
         </p:nvSpPr>
         <p:spPr>
+          <a:xfrm>
+            <a:off x="4046220" y="5937453"/>
+            <a:ext cx="1051564" cy="269241"/>
+          </a:xfrm>
           <a:prstGeom prst="rect">
             <a:avLst/>
           </a:prstGeom>
@@ -7117,7 +7225,11 @@
         </p:spPr>
         <p:txBody>
           <a:bodyPr/>
-          <a:lstStyle/>
+          <a:lstStyle>
+            <a:lvl1pPr defTabSz="859536">
+              <a:defRPr sz="1100"/>
+            </a:lvl1pPr>
+          </a:lstStyle>
           <a:p>
             <a:pPr lvl="0">
               <a:defRPr sz="1800">
@@ -7127,7 +7239,7 @@
               </a:defRPr>
             </a:pPr>
             <a:fld id="{86CB4B4D-7CA3-9044-876B-883B54F8677D}" type="slidenum">
-              <a:rPr sz="1200">
+              <a:rPr sz="1100">
                 <a:solidFill>
                   <a:srgbClr val="82682C"/>
                 </a:solidFill>
@@ -7214,7 +7326,7 @@
           <a:bodyPr/>
           <a:lstStyle/>
           <a:p>
-            <a:pPr lvl="0" marL="736600" indent="-736600" algn="l">
+            <a:pPr lvl="0" marL="1911976" indent="-1911976" algn="l">
               <a:buSzPct val="100000"/>
               <a:buFont typeface="Wingdings 2"/>
               <a:buChar char=""/>
@@ -7236,7 +7348,7 @@
             <a:endParaRPr sz="2900"/>
           </a:p>
           <a:p>
-            <a:pPr lvl="0" marL="736600" indent="-736600" algn="l">
+            <a:pPr lvl="0" marL="1911976" indent="-1911976" algn="l">
               <a:buSzPct val="100000"/>
               <a:buFont typeface="Wingdings 2"/>
               <a:buChar char=""/>
@@ -7258,6 +7370,10 @@
           </p:nvPr>
         </p:nvSpPr>
         <p:spPr>
+          <a:xfrm>
+            <a:off x="4046220" y="5937453"/>
+            <a:ext cx="1051564" cy="269241"/>
+          </a:xfrm>
           <a:prstGeom prst="rect">
             <a:avLst/>
           </a:prstGeom>
@@ -7269,7 +7385,11 @@
         </p:spPr>
         <p:txBody>
           <a:bodyPr/>
-          <a:lstStyle/>
+          <a:lstStyle>
+            <a:lvl1pPr defTabSz="859536">
+              <a:defRPr sz="1100"/>
+            </a:lvl1pPr>
+          </a:lstStyle>
           <a:p>
             <a:pPr lvl="0">
               <a:defRPr sz="1800">
@@ -7279,7 +7399,7 @@
               </a:defRPr>
             </a:pPr>
             <a:fld id="{86CB4B4D-7CA3-9044-876B-883B54F8677D}" type="slidenum">
-              <a:rPr sz="1200">
+              <a:rPr sz="1100">
                 <a:solidFill>
                   <a:srgbClr val="82682C"/>
                 </a:solidFill>
@@ -7324,8 +7444,8 @@
         </p:nvSpPr>
         <p:spPr>
           <a:xfrm>
-            <a:off x="571500" y="274638"/>
-            <a:ext cx="8001000" cy="1143002"/>
+            <a:off x="571500" y="274637"/>
+            <a:ext cx="8001000" cy="1143004"/>
           </a:xfrm>
           <a:prstGeom prst="rect">
             <a:avLst/>
@@ -7355,8 +7475,8 @@
         </p:nvSpPr>
         <p:spPr>
           <a:xfrm>
-            <a:off x="571500" y="2441655"/>
-            <a:ext cx="8001000" cy="4114802"/>
+            <a:off x="571500" y="2441654"/>
+            <a:ext cx="8001000" cy="4114805"/>
           </a:xfrm>
           <a:prstGeom prst="rect">
             <a:avLst/>
@@ -7366,7 +7486,7 @@
           <a:bodyPr/>
           <a:lstStyle/>
           <a:p>
-            <a:pPr lvl="0" marL="609600" indent="-609600">
+            <a:pPr lvl="0" marL="1083733" indent="-1083733">
               <a:defRPr sz="1800"/>
             </a:pPr>
             <a:r>
@@ -7376,7 +7496,7 @@
             <a:endParaRPr sz="2400"/>
           </a:p>
           <a:p>
-            <a:pPr lvl="0" marL="609600" indent="-609600">
+            <a:pPr lvl="0" marL="1083733" indent="-1083733">
               <a:defRPr sz="1800"/>
             </a:pPr>
             <a:r>
@@ -7422,8 +7542,8 @@
         </p:nvSpPr>
         <p:spPr>
           <a:xfrm>
-            <a:off x="571500" y="274638"/>
-            <a:ext cx="8001000" cy="1143002"/>
+            <a:off x="571500" y="274637"/>
+            <a:ext cx="8001000" cy="1143004"/>
           </a:xfrm>
           <a:prstGeom prst="rect">
             <a:avLst/>
@@ -7453,8 +7573,8 @@
         </p:nvSpPr>
         <p:spPr>
           <a:xfrm>
-            <a:off x="571500" y="2313214"/>
-            <a:ext cx="8001000" cy="4114801"/>
+            <a:off x="571500" y="2313213"/>
+            <a:ext cx="8001000" cy="4114804"/>
           </a:xfrm>
           <a:prstGeom prst="rect">
             <a:avLst/>
@@ -7464,7 +7584,7 @@
           <a:bodyPr/>
           <a:lstStyle/>
           <a:p>
-            <a:pPr lvl="0" marL="609600" indent="-609600">
+            <a:pPr lvl="0" marL="1083733" indent="-1083733">
               <a:defRPr sz="1800"/>
             </a:pPr>
             <a:r>
@@ -7474,7 +7594,7 @@
             <a:endParaRPr sz="2400"/>
           </a:p>
           <a:p>
-            <a:pPr lvl="0" marL="609600" indent="-609600">
+            <a:pPr lvl="0" marL="1083733" indent="-1083733">
               <a:defRPr sz="1800"/>
             </a:pPr>
             <a:r>
@@ -7747,10 +7867,10 @@
             </a:solidFill>
             <a:effectLst/>
             <a:uFillTx/>
-            <a:latin typeface="Times"/>
-            <a:ea typeface="Times"/>
-            <a:cs typeface="Times"/>
-            <a:sym typeface="Times"/>
+            <a:latin typeface="+mn-lt"/>
+            <a:ea typeface="+mn-ea"/>
+            <a:cs typeface="+mn-cs"/>
+            <a:sym typeface="Helvetica"/>
           </a:defRPr>
         </a:defPPr>
         <a:lvl1pPr marL="0" marR="0" indent="0" algn="l" defTabSz="914400" rtl="0" fontAlgn="auto" latinLnBrk="1" hangingPunct="0">
@@ -8322,10 +8442,10 @@
             </a:solidFill>
             <a:effectLst/>
             <a:uFillTx/>
-            <a:latin typeface="Times"/>
-            <a:ea typeface="Times"/>
-            <a:cs typeface="Times"/>
-            <a:sym typeface="Times"/>
+            <a:latin typeface="+mn-lt"/>
+            <a:ea typeface="+mn-ea"/>
+            <a:cs typeface="+mn-cs"/>
+            <a:sym typeface="Helvetica"/>
           </a:defRPr>
         </a:defPPr>
         <a:lvl1pPr marL="0" marR="0" indent="0" algn="l" defTabSz="914400" rtl="0" fontAlgn="auto" latinLnBrk="1" hangingPunct="0">
@@ -8828,10 +8948,10 @@
             </a:solidFill>
             <a:effectLst/>
             <a:uFillTx/>
-            <a:latin typeface="Times"/>
-            <a:ea typeface="Times"/>
-            <a:cs typeface="Times"/>
-            <a:sym typeface="Times"/>
+            <a:latin typeface="+mn-lt"/>
+            <a:ea typeface="+mn-ea"/>
+            <a:cs typeface="+mn-cs"/>
+            <a:sym typeface="Helvetica"/>
           </a:defRPr>
         </a:defPPr>
         <a:lvl1pPr marL="0" marR="0" indent="0" algn="l" defTabSz="914400" rtl="0" fontAlgn="auto" latinLnBrk="1" hangingPunct="0">
@@ -9403,10 +9523,10 @@
             </a:solidFill>
             <a:effectLst/>
             <a:uFillTx/>
-            <a:latin typeface="Times"/>
-            <a:ea typeface="Times"/>
-            <a:cs typeface="Times"/>
-            <a:sym typeface="Times"/>
+            <a:latin typeface="+mn-lt"/>
+            <a:ea typeface="+mn-ea"/>
+            <a:cs typeface="+mn-cs"/>
+            <a:sym typeface="Helvetica"/>
           </a:defRPr>
         </a:defPPr>
         <a:lvl1pPr marL="0" marR="0" indent="0" algn="l" defTabSz="914400" rtl="0" fontAlgn="auto" latinLnBrk="1" hangingPunct="0">
